--- a/Slides/Lesson 4.1 Lists.pptx
+++ b/Slides/Lesson 4.1 Lists.pptx
@@ -238,7 +238,7 @@
             <a:fld id="{CF8F25F6-E1EF-4065-8525-42EDEBD9BD22}" type="datetimeFigureOut">
               <a:rPr lang="en-US" smtClean="0"/>
               <a:pPr/>
-              <a:t>8/24/2015</a:t>
+              <a:t>8/25/2015</a:t>
             </a:fld>
             <a:endParaRPr lang="en-US"/>
           </a:p>
@@ -727,15 +727,7 @@
           <a:bodyPr/>
           <a:lstStyle/>
           <a:p>
-            <a:endParaRPr lang="en-US" sz="1200" kern="1200" dirty="0">
-              <a:solidFill>
-                <a:schemeClr val="tx1"/>
-              </a:solidFill>
-              <a:effectLst/>
-              <a:latin typeface="+mn-lt"/>
-              <a:ea typeface="+mn-ea"/>
-              <a:cs typeface="+mn-cs"/>
-            </a:endParaRPr>
+            <a:endParaRPr lang="en-US"/>
           </a:p>
         </p:txBody>
       </p:sp>
@@ -757,7 +749,7 @@
             <a:fld id="{00E1DFD8-B619-4FFF-B366-BDCC98D08110}" type="slidenum">
               <a:rPr lang="en-US" smtClean="0"/>
               <a:pPr/>
-              <a:t>5</a:t>
+              <a:t>3</a:t>
             </a:fld>
             <a:endParaRPr lang="en-US"/>
           </a:p>
@@ -766,7 +758,7 @@
     </p:spTree>
     <p:extLst>
       <p:ext uri="{BB962C8B-B14F-4D97-AF65-F5344CB8AC3E}">
-        <p14:creationId xmlns:p14="http://schemas.microsoft.com/office/powerpoint/2010/main" val="2282877878"/>
+        <p14:creationId xmlns:p14="http://schemas.microsoft.com/office/powerpoint/2010/main" val="1026133936"/>
       </p:ext>
     </p:extLst>
   </p:cSld>
@@ -820,7 +812,15 @@
           <a:bodyPr/>
           <a:lstStyle/>
           <a:p>
-            <a:endParaRPr lang="en-US" dirty="0"/>
+            <a:endParaRPr lang="en-US" sz="1200" kern="1200" dirty="0">
+              <a:solidFill>
+                <a:schemeClr val="tx1"/>
+              </a:solidFill>
+              <a:effectLst/>
+              <a:latin typeface="+mn-lt"/>
+              <a:ea typeface="+mn-ea"/>
+              <a:cs typeface="+mn-cs"/>
+            </a:endParaRPr>
           </a:p>
         </p:txBody>
       </p:sp>
@@ -842,7 +842,7 @@
             <a:fld id="{00E1DFD8-B619-4FFF-B366-BDCC98D08110}" type="slidenum">
               <a:rPr lang="en-US" smtClean="0"/>
               <a:pPr/>
-              <a:t>9</a:t>
+              <a:t>5</a:t>
             </a:fld>
             <a:endParaRPr lang="en-US"/>
           </a:p>
@@ -851,7 +851,7 @@
     </p:spTree>
     <p:extLst>
       <p:ext uri="{BB962C8B-B14F-4D97-AF65-F5344CB8AC3E}">
-        <p14:creationId xmlns:p14="http://schemas.microsoft.com/office/powerpoint/2010/main" val="3244517845"/>
+        <p14:creationId xmlns:p14="http://schemas.microsoft.com/office/powerpoint/2010/main" val="2282877878"/>
       </p:ext>
     </p:extLst>
   </p:cSld>
@@ -927,7 +927,7 @@
             <a:fld id="{00E1DFD8-B619-4FFF-B366-BDCC98D08110}" type="slidenum">
               <a:rPr lang="en-US" smtClean="0"/>
               <a:pPr/>
-              <a:t>16</a:t>
+              <a:t>9</a:t>
             </a:fld>
             <a:endParaRPr lang="en-US"/>
           </a:p>
@@ -936,7 +936,7 @@
     </p:spTree>
     <p:extLst>
       <p:ext uri="{BB962C8B-B14F-4D97-AF65-F5344CB8AC3E}">
-        <p14:creationId xmlns:p14="http://schemas.microsoft.com/office/powerpoint/2010/main" val="2830916769"/>
+        <p14:creationId xmlns:p14="http://schemas.microsoft.com/office/powerpoint/2010/main" val="3244517845"/>
       </p:ext>
     </p:extLst>
   </p:cSld>
@@ -990,7 +990,7 @@
           <a:bodyPr/>
           <a:lstStyle/>
           <a:p>
-            <a:endParaRPr lang="en-US"/>
+            <a:endParaRPr lang="en-US" dirty="0"/>
           </a:p>
         </p:txBody>
       </p:sp>
@@ -1012,7 +1012,7 @@
             <a:fld id="{00E1DFD8-B619-4FFF-B366-BDCC98D08110}" type="slidenum">
               <a:rPr lang="en-US" smtClean="0"/>
               <a:pPr/>
-              <a:t>17</a:t>
+              <a:t>16</a:t>
             </a:fld>
             <a:endParaRPr lang="en-US"/>
           </a:p>
@@ -1021,7 +1021,7 @@
     </p:spTree>
     <p:extLst>
       <p:ext uri="{BB962C8B-B14F-4D97-AF65-F5344CB8AC3E}">
-        <p14:creationId xmlns:p14="http://schemas.microsoft.com/office/powerpoint/2010/main" val="61684927"/>
+        <p14:creationId xmlns:p14="http://schemas.microsoft.com/office/powerpoint/2010/main" val="2830916769"/>
       </p:ext>
     </p:extLst>
   </p:cSld>
@@ -1075,6 +1075,91 @@
           <a:bodyPr/>
           <a:lstStyle/>
           <a:p>
+            <a:endParaRPr lang="en-US"/>
+          </a:p>
+        </p:txBody>
+      </p:sp>
+      <p:sp>
+        <p:nvSpPr>
+          <p:cNvPr id="4" name="Slide Number Placeholder 3"/>
+          <p:cNvSpPr>
+            <a:spLocks noGrp="1"/>
+          </p:cNvSpPr>
+          <p:nvPr>
+            <p:ph type="sldNum" sz="quarter" idx="10"/>
+          </p:nvPr>
+        </p:nvSpPr>
+        <p:spPr/>
+        <p:txBody>
+          <a:bodyPr/>
+          <a:lstStyle/>
+          <a:p>
+            <a:fld id="{00E1DFD8-B619-4FFF-B366-BDCC98D08110}" type="slidenum">
+              <a:rPr lang="en-US" smtClean="0"/>
+              <a:pPr/>
+              <a:t>17</a:t>
+            </a:fld>
+            <a:endParaRPr lang="en-US"/>
+          </a:p>
+        </p:txBody>
+      </p:sp>
+    </p:spTree>
+    <p:extLst>
+      <p:ext uri="{BB962C8B-B14F-4D97-AF65-F5344CB8AC3E}">
+        <p14:creationId xmlns:p14="http://schemas.microsoft.com/office/powerpoint/2010/main" val="61684927"/>
+      </p:ext>
+    </p:extLst>
+  </p:cSld>
+  <p:clrMapOvr>
+    <a:masterClrMapping/>
+  </p:clrMapOvr>
+</p:notes>
+</file>
+
+<file path=ppt/notesSlides/notesSlide8.xml><?xml version="1.0" encoding="utf-8"?>
+<p:notes xmlns:a="http://schemas.openxmlformats.org/drawingml/2006/main" xmlns:r="http://schemas.openxmlformats.org/officeDocument/2006/relationships" xmlns:p="http://schemas.openxmlformats.org/presentationml/2006/main">
+  <p:cSld>
+    <p:spTree>
+      <p:nvGrpSpPr>
+        <p:cNvPr id="1" name=""/>
+        <p:cNvGrpSpPr/>
+        <p:nvPr/>
+      </p:nvGrpSpPr>
+      <p:grpSpPr>
+        <a:xfrm>
+          <a:off x="0" y="0"/>
+          <a:ext cx="0" cy="0"/>
+          <a:chOff x="0" y="0"/>
+          <a:chExt cx="0" cy="0"/>
+        </a:xfrm>
+      </p:grpSpPr>
+      <p:sp>
+        <p:nvSpPr>
+          <p:cNvPr id="2" name="Slide Image Placeholder 1"/>
+          <p:cNvSpPr>
+            <a:spLocks noGrp="1" noRot="1" noChangeAspect="1"/>
+          </p:cNvSpPr>
+          <p:nvPr>
+            <p:ph type="sldImg"/>
+          </p:nvPr>
+        </p:nvSpPr>
+        <p:spPr/>
+      </p:sp>
+      <p:sp>
+        <p:nvSpPr>
+          <p:cNvPr id="3" name="Notes Placeholder 2"/>
+          <p:cNvSpPr>
+            <a:spLocks noGrp="1"/>
+          </p:cNvSpPr>
+          <p:nvPr>
+            <p:ph type="body" idx="1"/>
+          </p:nvPr>
+        </p:nvSpPr>
+        <p:spPr/>
+        <p:txBody>
+          <a:bodyPr/>
+          <a:lstStyle/>
+          <a:p>
             <a:endParaRPr lang="en-US" sz="2000" dirty="0">
               <a:solidFill>
                 <a:srgbClr val="FF0000"/>
@@ -1120,7 +1205,7 @@
 </p:notes>
 </file>
 
-<file path=ppt/notesSlides/notesSlide8.xml><?xml version="1.0" encoding="utf-8"?>
+<file path=ppt/notesSlides/notesSlide9.xml><?xml version="1.0" encoding="utf-8"?>
 <p:notes xmlns:a="http://schemas.openxmlformats.org/drawingml/2006/main" xmlns:r="http://schemas.openxmlformats.org/officeDocument/2006/relationships" xmlns:p="http://schemas.openxmlformats.org/presentationml/2006/main">
   <p:cSld>
     <p:spTree>
@@ -1394,7 +1479,7 @@
           <a:p>
             <a:fld id="{2F1F79F5-7BEC-496A-AFC7-876E38F64D71}" type="datetime1">
               <a:rPr lang="en-US" smtClean="0"/>
-              <a:t>8/24/2015</a:t>
+              <a:t>8/25/2015</a:t>
             </a:fld>
             <a:endParaRPr lang="en-US"/>
           </a:p>
@@ -1496,7 +1581,7 @@
           <a:p>
             <a:fld id="{0A05703A-7669-4FEA-9056-25299B4D29D4}" type="datetime1">
               <a:rPr lang="en-US" smtClean="0"/>
-              <a:t>8/24/2015</a:t>
+              <a:t>8/25/2015</a:t>
             </a:fld>
             <a:endParaRPr lang="en-US"/>
           </a:p>
@@ -1773,7 +1858,7 @@
           <a:p>
             <a:fld id="{6E5077B5-BB57-49DB-88CA-226A139E5C01}" type="datetime1">
               <a:rPr lang="en-US" smtClean="0"/>
-              <a:t>8/24/2015</a:t>
+              <a:t>8/25/2015</a:t>
             </a:fld>
             <a:endParaRPr lang="en-US"/>
           </a:p>
@@ -2026,7 +2111,7 @@
           <a:p>
             <a:fld id="{C48D9447-CBD6-49A1-89FD-8512A8CF8999}" type="datetime1">
               <a:rPr lang="en-US" smtClean="0"/>
-              <a:t>8/24/2015</a:t>
+              <a:t>8/25/2015</a:t>
             </a:fld>
             <a:endParaRPr lang="en-US"/>
           </a:p>
@@ -2196,7 +2281,7 @@
           <a:p>
             <a:fld id="{A3639A2A-823D-48B7-9ACE-7FAF42870BA9}" type="datetime1">
               <a:rPr lang="en-US" smtClean="0"/>
-              <a:t>8/24/2015</a:t>
+              <a:t>8/25/2015</a:t>
             </a:fld>
             <a:endParaRPr lang="en-US"/>
           </a:p>
@@ -2376,7 +2461,7 @@
           <a:p>
             <a:fld id="{ED1B6996-82E9-463C-972C-7B56056E426C}" type="datetime1">
               <a:rPr lang="en-US" smtClean="0"/>
-              <a:t>8/24/2015</a:t>
+              <a:t>8/25/2015</a:t>
             </a:fld>
             <a:endParaRPr lang="en-US"/>
           </a:p>
@@ -2552,7 +2637,7 @@
           <a:p>
             <a:fld id="{E22ED4DA-448D-4BB1-B935-CC112220207B}" type="datetime1">
               <a:rPr lang="en-US" smtClean="0"/>
-              <a:t>8/24/2015</a:t>
+              <a:t>8/25/2015</a:t>
             </a:fld>
             <a:endParaRPr lang="en-US"/>
           </a:p>
@@ -2734,7 +2819,7 @@
           <a:p>
             <a:fld id="{E22ED4DA-448D-4BB1-B935-CC112220207B}" type="datetime1">
               <a:rPr lang="en-US" smtClean="0"/>
-              <a:t>8/24/2015</a:t>
+              <a:t>8/25/2015</a:t>
             </a:fld>
             <a:endParaRPr lang="en-US"/>
           </a:p>
@@ -3003,7 +3088,7 @@
           <a:p>
             <a:fld id="{FF5D65A6-AB94-4435-B0B7-3743215FA46C}" type="datetime1">
               <a:rPr lang="en-US" smtClean="0"/>
-              <a:t>8/24/2015</a:t>
+              <a:t>8/25/2015</a:t>
             </a:fld>
             <a:endParaRPr lang="en-US"/>
           </a:p>
@@ -3188,7 +3273,7 @@
           <a:p>
             <a:fld id="{FF5D65A6-AB94-4435-B0B7-3743215FA46C}" type="datetime1">
               <a:rPr lang="en-US" smtClean="0"/>
-              <a:t>8/24/2015</a:t>
+              <a:t>8/25/2015</a:t>
             </a:fld>
             <a:endParaRPr lang="en-US"/>
           </a:p>
@@ -3490,7 +3575,7 @@
           <a:p>
             <a:fld id="{7C193DC4-6EF0-48C9-B29C-616106A645E1}" type="datetime1">
               <a:rPr lang="en-US" smtClean="0"/>
-              <a:t>8/24/2015</a:t>
+              <a:t>8/25/2015</a:t>
             </a:fld>
             <a:endParaRPr lang="en-US"/>
           </a:p>
@@ -3778,7 +3863,7 @@
           <a:p>
             <a:fld id="{5D1846AD-9252-4647-9435-4C2AC365653A}" type="datetime1">
               <a:rPr lang="en-US" smtClean="0"/>
-              <a:t>8/24/2015</a:t>
+              <a:t>8/25/2015</a:t>
             </a:fld>
             <a:endParaRPr lang="en-US"/>
           </a:p>
@@ -4200,7 +4285,7 @@
           <a:p>
             <a:fld id="{CE56DC10-3561-4063-A6AF-C1CC7A41040A}" type="datetime1">
               <a:rPr lang="en-US" smtClean="0"/>
-              <a:t>8/24/2015</a:t>
+              <a:t>8/25/2015</a:t>
             </a:fld>
             <a:endParaRPr lang="en-US"/>
           </a:p>
@@ -4318,7 +4403,7 @@
           <a:p>
             <a:fld id="{2F7B77F5-1464-4F6B-92A8-64FC8A508293}" type="datetime1">
               <a:rPr lang="en-US" smtClean="0"/>
-              <a:t>8/24/2015</a:t>
+              <a:t>8/25/2015</a:t>
             </a:fld>
             <a:endParaRPr lang="en-US"/>
           </a:p>
@@ -4550,7 +4635,7 @@
           <a:p>
             <a:fld id="{02B3F677-983B-48DB-ADFD-63FE6CBC7FB2}" type="datetime1">
               <a:rPr lang="en-US" smtClean="0"/>
-              <a:t>8/24/2015</a:t>
+              <a:t>8/25/2015</a:t>
             </a:fld>
             <a:endParaRPr lang="en-US"/>
           </a:p>
@@ -7301,14 +7386,7 @@
                 <a:latin typeface="Consolas" pitchFamily="49" charset="0"/>
                 <a:cs typeface="Consolas" pitchFamily="49" charset="0"/>
               </a:rPr>
-              <a:t> </a:t>
-            </a:r>
-            <a:r>
-              <a:rPr lang="en-US" sz="1900" b="1" dirty="0" smtClean="0">
-                <a:latin typeface="Consolas" pitchFamily="49" charset="0"/>
-                <a:cs typeface="Consolas" pitchFamily="49" charset="0"/>
-              </a:rPr>
-              <a:t>is one of</a:t>
+              <a:t> is one of</a:t>
             </a:r>
           </a:p>
           <a:p>
@@ -7365,10 +7443,55 @@
                 <a:latin typeface="Consolas" pitchFamily="49" charset="0"/>
                 <a:cs typeface="Consolas" pitchFamily="49" charset="0"/>
               </a:rPr>
-              <a:t>: a sequence </a:t>
-            </a:r>
+              <a:t>: a sequence of X's with no elements</a:t>
+            </a:r>
+          </a:p>
+          <a:p>
+            <a:pPr>
+              <a:buNone/>
+            </a:pPr>
             <a:r>
               <a:rPr lang="en-US" sz="1900" b="1" dirty="0" smtClean="0">
+                <a:latin typeface="Consolas" pitchFamily="49" charset="0"/>
+                <a:cs typeface="Consolas" pitchFamily="49" charset="0"/>
+              </a:rPr>
+              <a:t>-- (cons X </a:t>
+            </a:r>
+            <a:r>
+              <a:rPr lang="en-US" sz="1900" b="1" dirty="0" err="1" smtClean="0">
+                <a:latin typeface="Consolas" pitchFamily="49" charset="0"/>
+                <a:cs typeface="Consolas" pitchFamily="49" charset="0"/>
+              </a:rPr>
+              <a:t>ListOfX</a:t>
+            </a:r>
+            <a:r>
+              <a:rPr lang="en-US" sz="1900" b="1" dirty="0" smtClean="0">
+                <a:latin typeface="Consolas" pitchFamily="49" charset="0"/>
+                <a:cs typeface="Consolas" pitchFamily="49" charset="0"/>
+              </a:rPr>
+              <a:t>)</a:t>
+            </a:r>
+          </a:p>
+          <a:p>
+            <a:pPr>
+              <a:buNone/>
+            </a:pPr>
+            <a:r>
+              <a:rPr lang="en-US" sz="1900" b="1" dirty="0">
+                <a:latin typeface="Consolas" pitchFamily="49" charset="0"/>
+                <a:cs typeface="Consolas" pitchFamily="49" charset="0"/>
+              </a:rPr>
+              <a:t> </a:t>
+            </a:r>
+            <a:r>
+              <a:rPr lang="en-US" sz="1900" b="1" dirty="0" smtClean="0">
+                <a:latin typeface="Consolas" pitchFamily="49" charset="0"/>
+                <a:cs typeface="Consolas" pitchFamily="49" charset="0"/>
+              </a:rPr>
+              <a:t>  </a:t>
+            </a:r>
+            <a:r>
+              <a:rPr lang="en-US" sz="1900" b="1" dirty="0" err="1" smtClean="0">
                 <a:solidFill>
                   <a:schemeClr val="accent2">
                     <a:lumMod val="60000"/>
@@ -7378,7 +7501,7 @@
                 <a:latin typeface="Consolas" pitchFamily="49" charset="0"/>
                 <a:cs typeface="Consolas" pitchFamily="49" charset="0"/>
               </a:rPr>
-              <a:t>of X's with </a:t>
+              <a:t>interp</a:t>
             </a:r>
             <a:r>
               <a:rPr lang="en-US" sz="1900" b="1" dirty="0" smtClean="0">
@@ -7391,56 +7514,7 @@
                 <a:latin typeface="Consolas" pitchFamily="49" charset="0"/>
                 <a:cs typeface="Consolas" pitchFamily="49" charset="0"/>
               </a:rPr>
-              <a:t>no elements</a:t>
-            </a:r>
-          </a:p>
-          <a:p>
-            <a:pPr>
-              <a:buNone/>
-            </a:pPr>
-            <a:r>
-              <a:rPr lang="en-US" sz="1900" b="1" dirty="0" smtClean="0">
-                <a:latin typeface="Consolas" pitchFamily="49" charset="0"/>
-                <a:cs typeface="Consolas" pitchFamily="49" charset="0"/>
-              </a:rPr>
-              <a:t>-- (cons X </a:t>
-            </a:r>
-            <a:r>
-              <a:rPr lang="en-US" sz="1900" b="1" dirty="0" err="1" smtClean="0">
-                <a:latin typeface="Consolas" pitchFamily="49" charset="0"/>
-                <a:cs typeface="Consolas" pitchFamily="49" charset="0"/>
-              </a:rPr>
-              <a:t>ListOfX</a:t>
-            </a:r>
-            <a:r>
-              <a:rPr lang="en-US" sz="1900" b="1" dirty="0" smtClean="0">
-                <a:latin typeface="Consolas" pitchFamily="49" charset="0"/>
-                <a:cs typeface="Consolas" pitchFamily="49" charset="0"/>
-              </a:rPr>
-              <a:t>)</a:t>
-            </a:r>
-            <a:endParaRPr lang="en-US" sz="1900" b="1" dirty="0" smtClean="0">
-              <a:latin typeface="Consolas" pitchFamily="49" charset="0"/>
-              <a:cs typeface="Consolas" pitchFamily="49" charset="0"/>
-            </a:endParaRPr>
-          </a:p>
-          <a:p>
-            <a:pPr>
-              <a:buNone/>
-            </a:pPr>
-            <a:r>
-              <a:rPr lang="en-US" sz="1900" b="1" dirty="0">
-                <a:latin typeface="Consolas" pitchFamily="49" charset="0"/>
-                <a:cs typeface="Consolas" pitchFamily="49" charset="0"/>
-              </a:rPr>
-              <a:t> </a:t>
-            </a:r>
-            <a:r>
-              <a:rPr lang="en-US" sz="1900" b="1" dirty="0" smtClean="0">
-                <a:latin typeface="Consolas" pitchFamily="49" charset="0"/>
-                <a:cs typeface="Consolas" pitchFamily="49" charset="0"/>
-              </a:rPr>
-              <a:t>  </a:t>
+              <a:t>: (cons x </a:t>
             </a:r>
             <a:r>
               <a:rPr lang="en-US" sz="1900" b="1" dirty="0" err="1" smtClean="0">
@@ -7453,7 +7527,7 @@
                 <a:latin typeface="Consolas" pitchFamily="49" charset="0"/>
                 <a:cs typeface="Consolas" pitchFamily="49" charset="0"/>
               </a:rPr>
-              <a:t>interp</a:t>
+              <a:t>lst</a:t>
             </a:r>
             <a:r>
               <a:rPr lang="en-US" sz="1900" b="1" dirty="0" smtClean="0">
@@ -7466,57 +7540,8 @@
                 <a:latin typeface="Consolas" pitchFamily="49" charset="0"/>
                 <a:cs typeface="Consolas" pitchFamily="49" charset="0"/>
               </a:rPr>
-              <a:t>: (cons x </a:t>
-            </a:r>
-            <a:r>
-              <a:rPr lang="en-US" sz="1900" b="1" dirty="0" err="1" smtClean="0">
-                <a:solidFill>
-                  <a:schemeClr val="accent2">
-                    <a:lumMod val="60000"/>
-                    <a:lumOff val="40000"/>
-                  </a:schemeClr>
-                </a:solidFill>
-                <a:latin typeface="Consolas" pitchFamily="49" charset="0"/>
-                <a:cs typeface="Consolas" pitchFamily="49" charset="0"/>
-              </a:rPr>
-              <a:t>lst</a:t>
-            </a:r>
-            <a:r>
-              <a:rPr lang="en-US" sz="1900" b="1" dirty="0" smtClean="0">
-                <a:solidFill>
-                  <a:schemeClr val="accent2">
-                    <a:lumMod val="60000"/>
-                    <a:lumOff val="40000"/>
-                  </a:schemeClr>
-                </a:solidFill>
-                <a:latin typeface="Consolas" pitchFamily="49" charset="0"/>
-                <a:cs typeface="Consolas" pitchFamily="49" charset="0"/>
-              </a:rPr>
-              <a:t>) represents a </a:t>
-            </a:r>
-            <a:r>
-              <a:rPr lang="en-US" sz="1900" b="1" dirty="0" smtClean="0">
-                <a:solidFill>
-                  <a:schemeClr val="accent2">
-                    <a:lumMod val="60000"/>
-                    <a:lumOff val="40000"/>
-                  </a:schemeClr>
-                </a:solidFill>
-                <a:latin typeface="Consolas" pitchFamily="49" charset="0"/>
-                <a:cs typeface="Consolas" pitchFamily="49" charset="0"/>
-              </a:rPr>
-              <a:t>sequence of X's</a:t>
-            </a:r>
-            <a:endParaRPr lang="en-US" sz="1900" b="1" dirty="0" smtClean="0">
-              <a:solidFill>
-                <a:schemeClr val="accent2">
-                  <a:lumMod val="60000"/>
-                  <a:lumOff val="40000"/>
-                </a:schemeClr>
-              </a:solidFill>
-              <a:latin typeface="Consolas" pitchFamily="49" charset="0"/>
-              <a:cs typeface="Consolas" pitchFamily="49" charset="0"/>
-            </a:endParaRPr>
+              <a:t>) represents a sequence of X's</a:t>
+            </a:r>
           </a:p>
           <a:p>
             <a:pPr>
@@ -10622,14 +10647,7 @@
                 <a:latin typeface="Consolas" pitchFamily="49" charset="0"/>
                 <a:cs typeface="Consolas" pitchFamily="49" charset="0"/>
               </a:rPr>
-              <a:t> </a:t>
-            </a:r>
-            <a:r>
-              <a:rPr lang="en-US" b="1" dirty="0" smtClean="0">
-                <a:latin typeface="Consolas" pitchFamily="49" charset="0"/>
-                <a:cs typeface="Consolas" pitchFamily="49" charset="0"/>
-              </a:rPr>
-              <a:t>-&gt; Boolean</a:t>
+              <a:t> -&gt; Boolean</a:t>
             </a:r>
           </a:p>
           <a:p>
@@ -10962,14 +10980,7 @@
                 <a:latin typeface="Consolas" pitchFamily="49" charset="0"/>
                 <a:cs typeface="Consolas" pitchFamily="49" charset="0"/>
               </a:rPr>
-              <a:t> </a:t>
-            </a:r>
-            <a:r>
-              <a:rPr lang="en-US" b="1" dirty="0" smtClean="0">
-                <a:latin typeface="Consolas" pitchFamily="49" charset="0"/>
-                <a:cs typeface="Consolas" pitchFamily="49" charset="0"/>
-              </a:rPr>
-              <a:t>-&gt; X</a:t>
+              <a:t> -&gt; X</a:t>
             </a:r>
           </a:p>
           <a:p>
@@ -11244,14 +11255,7 @@
                 <a:latin typeface="Consolas" pitchFamily="49" charset="0"/>
                 <a:cs typeface="Consolas" pitchFamily="49" charset="0"/>
               </a:rPr>
-              <a:t> </a:t>
-            </a:r>
-            <a:r>
-              <a:rPr lang="en-US" b="1" dirty="0" smtClean="0">
-                <a:latin typeface="Consolas" pitchFamily="49" charset="0"/>
-                <a:cs typeface="Consolas" pitchFamily="49" charset="0"/>
-              </a:rPr>
-              <a:t>-&gt; </a:t>
+              <a:t> -&gt; </a:t>
             </a:r>
             <a:r>
               <a:rPr lang="en-US" b="1" dirty="0" err="1" smtClean="0">
@@ -13978,9 +13982,18 @@
           </a:p>
           <a:p>
             <a:r>
-              <a:rPr lang="en-US" dirty="0" smtClean="0"/>
-              <a:t>Do the Guided Practices</a:t>
-            </a:r>
+              <a:rPr lang="en-US" smtClean="0"/>
+              <a:t>Do </a:t>
+            </a:r>
+            <a:r>
+              <a:rPr lang="en-US" smtClean="0"/>
+              <a:t>Guided </a:t>
+            </a:r>
+            <a:r>
+              <a:rPr lang="en-US" smtClean="0"/>
+              <a:t>Practices 4.1 and 4.2</a:t>
+            </a:r>
+            <a:endParaRPr lang="en-US" dirty="0" smtClean="0"/>
           </a:p>
           <a:p>
             <a:r>
@@ -15570,29 +15583,6 @@
           </a:fontRef>
         </p:style>
       </p:cxnSp>
-      <p:sp>
-        <p:nvSpPr>
-          <p:cNvPr id="2" name="Slide Number Placeholder 1"/>
-          <p:cNvSpPr>
-            <a:spLocks noGrp="1"/>
-          </p:cNvSpPr>
-          <p:nvPr>
-            <p:ph type="sldNum" sz="quarter" idx="12"/>
-          </p:nvPr>
-        </p:nvSpPr>
-        <p:spPr/>
-        <p:txBody>
-          <a:bodyPr/>
-          <a:lstStyle/>
-          <a:p>
-            <a:fld id="{2AF3B5EA-18B6-4040-9F78-6052AF49C681}" type="slidenum">
-              <a:rPr lang="en-US" smtClean="0"/>
-              <a:t>3</a:t>
-            </a:fld>
-            <a:endParaRPr lang="en-US"/>
-          </a:p>
-        </p:txBody>
-      </p:sp>
     </p:spTree>
     <p:extLst>
       <p:ext uri="{BB962C8B-B14F-4D97-AF65-F5344CB8AC3E}">

--- a/Slides/Lesson 4.1 Lists.pptx
+++ b/Slides/Lesson 4.1 Lists.pptx
@@ -238,7 +238,7 @@
             <a:fld id="{CF8F25F6-E1EF-4065-8525-42EDEBD9BD22}" type="datetimeFigureOut">
               <a:rPr lang="en-US" smtClean="0"/>
               <a:pPr/>
-              <a:t>8/25/2015</a:t>
+              <a:t>8/14/2016</a:t>
             </a:fld>
             <a:endParaRPr lang="en-US"/>
           </a:p>
@@ -304,38 +304,37 @@
           <a:p>
             <a:pPr lvl="0"/>
             <a:r>
-              <a:rPr lang="en-US" smtClean="0"/>
+              <a:rPr lang="en-US"/>
               <a:t>Click to edit Master text styles</a:t>
             </a:r>
           </a:p>
           <a:p>
             <a:pPr lvl="1"/>
             <a:r>
-              <a:rPr lang="en-US" smtClean="0"/>
+              <a:rPr lang="en-US"/>
               <a:t>Second level</a:t>
             </a:r>
           </a:p>
           <a:p>
             <a:pPr lvl="2"/>
             <a:r>
-              <a:rPr lang="en-US" smtClean="0"/>
+              <a:rPr lang="en-US"/>
               <a:t>Third level</a:t>
             </a:r>
           </a:p>
           <a:p>
             <a:pPr lvl="3"/>
             <a:r>
-              <a:rPr lang="en-US" smtClean="0"/>
+              <a:rPr lang="en-US"/>
               <a:t>Fourth level</a:t>
             </a:r>
           </a:p>
           <a:p>
             <a:pPr lvl="4"/>
             <a:r>
-              <a:rPr lang="en-US" smtClean="0"/>
+              <a:rPr lang="en-US"/>
               <a:t>Fifth level</a:t>
             </a:r>
-            <a:endParaRPr lang="en-US"/>
           </a:p>
         </p:txBody>
       </p:sp>
@@ -1336,10 +1335,9 @@
           <a:lstStyle/>
           <a:p>
             <a:r>
-              <a:rPr lang="en-US" smtClean="0"/>
+              <a:rPr lang="en-US"/>
               <a:t>Click to edit Master title style</a:t>
             </a:r>
-            <a:endParaRPr lang="en-US"/>
           </a:p>
         </p:txBody>
       </p:sp>
@@ -1455,10 +1453,9 @@
           </a:lstStyle>
           <a:p>
             <a:r>
-              <a:rPr lang="en-US" smtClean="0"/>
+              <a:rPr lang="en-US"/>
               <a:t>Click to edit Master subtitle style</a:t>
             </a:r>
-            <a:endParaRPr lang="en-US"/>
           </a:p>
         </p:txBody>
       </p:sp>
@@ -1479,7 +1476,7 @@
           <a:p>
             <a:fld id="{2F1F79F5-7BEC-496A-AFC7-876E38F64D71}" type="datetime1">
               <a:rPr lang="en-US" smtClean="0"/>
-              <a:t>8/25/2015</a:t>
+              <a:t>8/14/2016</a:t>
             </a:fld>
             <a:endParaRPr lang="en-US"/>
           </a:p>
@@ -1537,13 +1534,6 @@
   <p:clrMapOvr>
     <a:masterClrMapping/>
   </p:clrMapOvr>
-  <p:timing>
-    <p:tnLst>
-      <p:par>
-        <p:cTn id="1" dur="indefinite" restart="never" nodeType="tmRoot"/>
-      </p:par>
-    </p:tnLst>
-  </p:timing>
 </p:sldLayout>
 </file>
 
@@ -1581,7 +1571,7 @@
           <a:p>
             <a:fld id="{0A05703A-7669-4FEA-9056-25299B4D29D4}" type="datetime1">
               <a:rPr lang="en-US" smtClean="0"/>
-              <a:t>8/25/2015</a:t>
+              <a:t>8/14/2016</a:t>
             </a:fld>
             <a:endParaRPr lang="en-US"/>
           </a:p>
@@ -1684,10 +1674,9 @@
           </a:lstStyle>
           <a:p>
             <a:r>
-              <a:rPr lang="en-US" smtClean="0"/>
+              <a:rPr lang="en-US"/>
               <a:t>Click to edit Master title style</a:t>
             </a:r>
-            <a:endParaRPr lang="en-US"/>
           </a:p>
         </p:txBody>
       </p:sp>
@@ -1741,38 +1730,37 @@
           <a:p>
             <a:pPr lvl="0"/>
             <a:r>
-              <a:rPr lang="en-US" smtClean="0"/>
+              <a:rPr lang="en-US"/>
               <a:t>Click to edit Master text styles</a:t>
             </a:r>
           </a:p>
           <a:p>
             <a:pPr lvl="1"/>
             <a:r>
-              <a:rPr lang="en-US" smtClean="0"/>
+              <a:rPr lang="en-US"/>
               <a:t>Second level</a:t>
             </a:r>
           </a:p>
           <a:p>
             <a:pPr lvl="2"/>
             <a:r>
-              <a:rPr lang="en-US" smtClean="0"/>
+              <a:rPr lang="en-US"/>
               <a:t>Third level</a:t>
             </a:r>
           </a:p>
           <a:p>
             <a:pPr lvl="3"/>
             <a:r>
-              <a:rPr lang="en-US" smtClean="0"/>
+              <a:rPr lang="en-US"/>
               <a:t>Fourth level</a:t>
             </a:r>
           </a:p>
           <a:p>
             <a:pPr lvl="4"/>
             <a:r>
-              <a:rPr lang="en-US" smtClean="0"/>
+              <a:rPr lang="en-US"/>
               <a:t>Fifth level</a:t>
             </a:r>
-            <a:endParaRPr lang="en-US"/>
           </a:p>
         </p:txBody>
       </p:sp>
@@ -1835,7 +1823,7 @@
           <a:p>
             <a:pPr lvl="0"/>
             <a:r>
-              <a:rPr lang="en-US" smtClean="0"/>
+              <a:rPr lang="en-US"/>
               <a:t>Click to edit Master text styles</a:t>
             </a:r>
           </a:p>
@@ -1858,7 +1846,7 @@
           <a:p>
             <a:fld id="{6E5077B5-BB57-49DB-88CA-226A139E5C01}" type="datetime1">
               <a:rPr lang="en-US" smtClean="0"/>
-              <a:t>8/25/2015</a:t>
+              <a:t>8/14/2016</a:t>
             </a:fld>
             <a:endParaRPr lang="en-US"/>
           </a:p>
@@ -1961,10 +1949,9 @@
           </a:lstStyle>
           <a:p>
             <a:r>
-              <a:rPr lang="en-US" smtClean="0"/>
+              <a:rPr lang="en-US"/>
               <a:t>Click to edit Master title style</a:t>
             </a:r>
-            <a:endParaRPr lang="en-US"/>
           </a:p>
         </p:txBody>
       </p:sp>
@@ -2088,7 +2075,7 @@
           <a:p>
             <a:pPr lvl="0"/>
             <a:r>
-              <a:rPr lang="en-US" smtClean="0"/>
+              <a:rPr lang="en-US"/>
               <a:t>Click to edit Master text styles</a:t>
             </a:r>
           </a:p>
@@ -2111,7 +2098,7 @@
           <a:p>
             <a:fld id="{C48D9447-CBD6-49A1-89FD-8512A8CF8999}" type="datetime1">
               <a:rPr lang="en-US" smtClean="0"/>
-              <a:t>8/25/2015</a:t>
+              <a:t>8/14/2016</a:t>
             </a:fld>
             <a:endParaRPr lang="en-US"/>
           </a:p>
@@ -2205,10 +2192,9 @@
           <a:lstStyle/>
           <a:p>
             <a:r>
-              <a:rPr lang="en-US" smtClean="0"/>
+              <a:rPr lang="en-US"/>
               <a:t>Click to edit Master title style</a:t>
             </a:r>
-            <a:endParaRPr lang="en-US"/>
           </a:p>
         </p:txBody>
       </p:sp>
@@ -2229,38 +2215,37 @@
           <a:p>
             <a:pPr lvl="0"/>
             <a:r>
-              <a:rPr lang="en-US" smtClean="0"/>
+              <a:rPr lang="en-US"/>
               <a:t>Click to edit Master text styles</a:t>
             </a:r>
           </a:p>
           <a:p>
             <a:pPr lvl="1"/>
             <a:r>
-              <a:rPr lang="en-US" smtClean="0"/>
+              <a:rPr lang="en-US"/>
               <a:t>Second level</a:t>
             </a:r>
           </a:p>
           <a:p>
             <a:pPr lvl="2"/>
             <a:r>
-              <a:rPr lang="en-US" smtClean="0"/>
+              <a:rPr lang="en-US"/>
               <a:t>Third level</a:t>
             </a:r>
           </a:p>
           <a:p>
             <a:pPr lvl="3"/>
             <a:r>
-              <a:rPr lang="en-US" smtClean="0"/>
+              <a:rPr lang="en-US"/>
               <a:t>Fourth level</a:t>
             </a:r>
           </a:p>
           <a:p>
             <a:pPr lvl="4"/>
             <a:r>
-              <a:rPr lang="en-US" smtClean="0"/>
+              <a:rPr lang="en-US"/>
               <a:t>Fifth level</a:t>
             </a:r>
-            <a:endParaRPr lang="en-US"/>
           </a:p>
         </p:txBody>
       </p:sp>
@@ -2281,7 +2266,7 @@
           <a:p>
             <a:fld id="{A3639A2A-823D-48B7-9ACE-7FAF42870BA9}" type="datetime1">
               <a:rPr lang="en-US" smtClean="0"/>
-              <a:t>8/25/2015</a:t>
+              <a:t>8/14/2016</a:t>
             </a:fld>
             <a:endParaRPr lang="en-US"/>
           </a:p>
@@ -2380,10 +2365,9 @@
           <a:lstStyle/>
           <a:p>
             <a:r>
-              <a:rPr lang="en-US" smtClean="0"/>
+              <a:rPr lang="en-US"/>
               <a:t>Click to edit Master title style</a:t>
             </a:r>
-            <a:endParaRPr lang="en-US"/>
           </a:p>
         </p:txBody>
       </p:sp>
@@ -2409,38 +2393,37 @@
           <a:p>
             <a:pPr lvl="0"/>
             <a:r>
-              <a:rPr lang="en-US" smtClean="0"/>
+              <a:rPr lang="en-US"/>
               <a:t>Click to edit Master text styles</a:t>
             </a:r>
           </a:p>
           <a:p>
             <a:pPr lvl="1"/>
             <a:r>
-              <a:rPr lang="en-US" smtClean="0"/>
+              <a:rPr lang="en-US"/>
               <a:t>Second level</a:t>
             </a:r>
           </a:p>
           <a:p>
             <a:pPr lvl="2"/>
             <a:r>
-              <a:rPr lang="en-US" smtClean="0"/>
+              <a:rPr lang="en-US"/>
               <a:t>Third level</a:t>
             </a:r>
           </a:p>
           <a:p>
             <a:pPr lvl="3"/>
             <a:r>
-              <a:rPr lang="en-US" smtClean="0"/>
+              <a:rPr lang="en-US"/>
               <a:t>Fourth level</a:t>
             </a:r>
           </a:p>
           <a:p>
             <a:pPr lvl="4"/>
             <a:r>
-              <a:rPr lang="en-US" smtClean="0"/>
+              <a:rPr lang="en-US"/>
               <a:t>Fifth level</a:t>
             </a:r>
-            <a:endParaRPr lang="en-US"/>
           </a:p>
         </p:txBody>
       </p:sp>
@@ -2461,7 +2444,7 @@
           <a:p>
             <a:fld id="{ED1B6996-82E9-463C-972C-7B56056E426C}" type="datetime1">
               <a:rPr lang="en-US" smtClean="0"/>
-              <a:t>8/25/2015</a:t>
+              <a:t>8/14/2016</a:t>
             </a:fld>
             <a:endParaRPr lang="en-US"/>
           </a:p>
@@ -2561,10 +2544,9 @@
           <a:lstStyle/>
           <a:p>
             <a:r>
-              <a:rPr lang="en-US" dirty="0" smtClean="0"/>
+              <a:rPr lang="en-US" dirty="0"/>
               <a:t>Click to edit Master title style</a:t>
             </a:r>
-            <a:endParaRPr lang="en-US" dirty="0"/>
           </a:p>
         </p:txBody>
       </p:sp>
@@ -2585,38 +2567,37 @@
           <a:p>
             <a:pPr lvl="0"/>
             <a:r>
-              <a:rPr lang="en-US" smtClean="0"/>
+              <a:rPr lang="en-US"/>
               <a:t>Click to edit Master text styles</a:t>
             </a:r>
           </a:p>
           <a:p>
             <a:pPr lvl="1"/>
             <a:r>
-              <a:rPr lang="en-US" smtClean="0"/>
+              <a:rPr lang="en-US"/>
               <a:t>Second level</a:t>
             </a:r>
           </a:p>
           <a:p>
             <a:pPr lvl="2"/>
             <a:r>
-              <a:rPr lang="en-US" smtClean="0"/>
+              <a:rPr lang="en-US"/>
               <a:t>Third level</a:t>
             </a:r>
           </a:p>
           <a:p>
             <a:pPr lvl="3"/>
             <a:r>
-              <a:rPr lang="en-US" smtClean="0"/>
+              <a:rPr lang="en-US"/>
               <a:t>Fourth level</a:t>
             </a:r>
           </a:p>
           <a:p>
             <a:pPr lvl="4"/>
             <a:r>
-              <a:rPr lang="en-US" smtClean="0"/>
+              <a:rPr lang="en-US"/>
               <a:t>Fifth level</a:t>
             </a:r>
-            <a:endParaRPr lang="en-US"/>
           </a:p>
         </p:txBody>
       </p:sp>
@@ -2637,7 +2618,7 @@
           <a:p>
             <a:fld id="{E22ED4DA-448D-4BB1-B935-CC112220207B}" type="datetime1">
               <a:rPr lang="en-US" smtClean="0"/>
-              <a:t>8/25/2015</a:t>
+              <a:t>8/14/2016</a:t>
             </a:fld>
             <a:endParaRPr lang="en-US"/>
           </a:p>
@@ -2695,13 +2676,6 @@
   <p:clrMapOvr>
     <a:masterClrMapping/>
   </p:clrMapOvr>
-  <p:timing>
-    <p:tnLst>
-      <p:par>
-        <p:cTn id="1" dur="indefinite" restart="never" nodeType="tmRoot"/>
-      </p:par>
-    </p:tnLst>
-  </p:timing>
 </p:sldLayout>
 </file>
 
@@ -2738,10 +2712,9 @@
           <a:lstStyle/>
           <a:p>
             <a:r>
-              <a:rPr lang="en-US" smtClean="0"/>
+              <a:rPr lang="en-US"/>
               <a:t>Click to edit Master title style</a:t>
             </a:r>
-            <a:endParaRPr lang="en-US"/>
           </a:p>
         </p:txBody>
       </p:sp>
@@ -2767,38 +2740,37 @@
           <a:p>
             <a:pPr lvl="0"/>
             <a:r>
-              <a:rPr lang="en-US" dirty="0" smtClean="0"/>
+              <a:rPr lang="en-US" dirty="0"/>
               <a:t>Click to edit Master text styles</a:t>
             </a:r>
           </a:p>
           <a:p>
             <a:pPr lvl="1"/>
             <a:r>
-              <a:rPr lang="en-US" dirty="0" smtClean="0"/>
+              <a:rPr lang="en-US" dirty="0"/>
               <a:t>Second level</a:t>
             </a:r>
           </a:p>
           <a:p>
             <a:pPr lvl="2"/>
             <a:r>
-              <a:rPr lang="en-US" dirty="0" smtClean="0"/>
+              <a:rPr lang="en-US" dirty="0"/>
               <a:t>Third level</a:t>
             </a:r>
           </a:p>
           <a:p>
             <a:pPr lvl="3"/>
             <a:r>
-              <a:rPr lang="en-US" dirty="0" smtClean="0"/>
+              <a:rPr lang="en-US" dirty="0"/>
               <a:t>Fourth level</a:t>
             </a:r>
           </a:p>
           <a:p>
             <a:pPr lvl="4"/>
             <a:r>
-              <a:rPr lang="en-US" dirty="0" smtClean="0"/>
+              <a:rPr lang="en-US" dirty="0"/>
               <a:t>Fifth level</a:t>
             </a:r>
-            <a:endParaRPr lang="en-US" dirty="0"/>
           </a:p>
         </p:txBody>
       </p:sp>
@@ -2819,7 +2791,7 @@
           <a:p>
             <a:fld id="{E22ED4DA-448D-4BB1-B935-CC112220207B}" type="datetime1">
               <a:rPr lang="en-US" smtClean="0"/>
-              <a:t>8/25/2015</a:t>
+              <a:t>8/14/2016</a:t>
             </a:fld>
             <a:endParaRPr lang="en-US"/>
           </a:p>
@@ -2909,7 +2881,7 @@
           <a:lstStyle/>
           <a:p>
             <a:pPr algn="ctr"/>
-            <a:endParaRPr lang="en-US" dirty="0" smtClean="0">
+            <a:endParaRPr lang="en-US" dirty="0">
               <a:solidFill>
                 <a:schemeClr val="tx1"/>
               </a:solidFill>
@@ -2940,11 +2912,11 @@
           <a:lstStyle/>
           <a:p>
             <a:r>
-              <a:rPr lang="en-US" dirty="0" smtClean="0"/>
+              <a:rPr lang="en-US" dirty="0"/>
               <a:t>Resize video to this</a:t>
             </a:r>
             <a:r>
-              <a:rPr lang="en-US" baseline="0" dirty="0" smtClean="0"/>
+              <a:rPr lang="en-US" baseline="0" dirty="0"/>
               <a:t> box.</a:t>
             </a:r>
             <a:endParaRPr lang="en-US" dirty="0"/>
@@ -2961,13 +2933,6 @@
   <p:clrMapOvr>
     <a:masterClrMapping/>
   </p:clrMapOvr>
-  <p:timing>
-    <p:tnLst>
-      <p:par>
-        <p:cTn id="1" dur="indefinite" restart="never" nodeType="tmRoot"/>
-      </p:par>
-    </p:tnLst>
-  </p:timing>
 </p:sldLayout>
 </file>
 
@@ -3004,10 +2969,9 @@
           <a:lstStyle/>
           <a:p>
             <a:r>
-              <a:rPr lang="en-US" smtClean="0"/>
+              <a:rPr lang="en-US"/>
               <a:t>Click to edit Master title style</a:t>
             </a:r>
-            <a:endParaRPr lang="en-US"/>
           </a:p>
         </p:txBody>
       </p:sp>
@@ -3036,38 +3000,37 @@
           <a:p>
             <a:pPr lvl="0"/>
             <a:r>
-              <a:rPr lang="en-US" dirty="0" smtClean="0"/>
+              <a:rPr lang="en-US" dirty="0"/>
               <a:t>Click to edit Master text styles</a:t>
             </a:r>
           </a:p>
           <a:p>
             <a:pPr lvl="1"/>
             <a:r>
-              <a:rPr lang="en-US" dirty="0" smtClean="0"/>
+              <a:rPr lang="en-US" dirty="0"/>
               <a:t>Second level</a:t>
             </a:r>
           </a:p>
           <a:p>
             <a:pPr lvl="2"/>
             <a:r>
-              <a:rPr lang="en-US" dirty="0" smtClean="0"/>
+              <a:rPr lang="en-US" dirty="0"/>
               <a:t>Third level</a:t>
             </a:r>
           </a:p>
           <a:p>
             <a:pPr lvl="3"/>
             <a:r>
-              <a:rPr lang="en-US" dirty="0" smtClean="0"/>
+              <a:rPr lang="en-US" dirty="0"/>
               <a:t>Fourth level</a:t>
             </a:r>
           </a:p>
           <a:p>
             <a:pPr lvl="4"/>
             <a:r>
-              <a:rPr lang="en-US" dirty="0" smtClean="0"/>
+              <a:rPr lang="en-US" dirty="0"/>
               <a:t>Fifth level</a:t>
             </a:r>
-            <a:endParaRPr lang="en-US" dirty="0"/>
           </a:p>
         </p:txBody>
       </p:sp>
@@ -3088,7 +3051,7 @@
           <a:p>
             <a:fld id="{FF5D65A6-AB94-4435-B0B7-3743215FA46C}" type="datetime1">
               <a:rPr lang="en-US" smtClean="0"/>
-              <a:t>8/25/2015</a:t>
+              <a:t>8/14/2016</a:t>
             </a:fld>
             <a:endParaRPr lang="en-US"/>
           </a:p>
@@ -3146,13 +3109,6 @@
   <p:clrMapOvr>
     <a:masterClrMapping/>
   </p:clrMapOvr>
-  <p:timing>
-    <p:tnLst>
-      <p:par>
-        <p:cTn id="1" dur="indefinite" restart="never" nodeType="tmRoot"/>
-      </p:par>
-    </p:tnLst>
-  </p:timing>
 </p:sldLayout>
 </file>
 
@@ -3189,10 +3145,9 @@
           <a:lstStyle/>
           <a:p>
             <a:r>
-              <a:rPr lang="en-US" smtClean="0"/>
+              <a:rPr lang="en-US"/>
               <a:t>Click to edit Master title style</a:t>
             </a:r>
-            <a:endParaRPr lang="en-US"/>
           </a:p>
         </p:txBody>
       </p:sp>
@@ -3221,38 +3176,37 @@
           <a:p>
             <a:pPr lvl="0"/>
             <a:r>
-              <a:rPr lang="en-US" dirty="0" smtClean="0"/>
+              <a:rPr lang="en-US" dirty="0"/>
               <a:t>Click to edit Master text styles</a:t>
             </a:r>
           </a:p>
           <a:p>
             <a:pPr lvl="1"/>
             <a:r>
-              <a:rPr lang="en-US" dirty="0" smtClean="0"/>
+              <a:rPr lang="en-US" dirty="0"/>
               <a:t>Second level</a:t>
             </a:r>
           </a:p>
           <a:p>
             <a:pPr lvl="2"/>
             <a:r>
-              <a:rPr lang="en-US" dirty="0" smtClean="0"/>
+              <a:rPr lang="en-US" dirty="0"/>
               <a:t>Third level</a:t>
             </a:r>
           </a:p>
           <a:p>
             <a:pPr lvl="3"/>
             <a:r>
-              <a:rPr lang="en-US" dirty="0" smtClean="0"/>
+              <a:rPr lang="en-US" dirty="0"/>
               <a:t>Fourth level</a:t>
             </a:r>
           </a:p>
           <a:p>
             <a:pPr lvl="4"/>
             <a:r>
-              <a:rPr lang="en-US" dirty="0" smtClean="0"/>
+              <a:rPr lang="en-US" dirty="0"/>
               <a:t>Fifth level</a:t>
             </a:r>
-            <a:endParaRPr lang="en-US" dirty="0"/>
           </a:p>
         </p:txBody>
       </p:sp>
@@ -3273,7 +3227,7 @@
           <a:p>
             <a:fld id="{FF5D65A6-AB94-4435-B0B7-3743215FA46C}" type="datetime1">
               <a:rPr lang="en-US" smtClean="0"/>
-              <a:t>8/25/2015</a:t>
+              <a:t>8/14/2016</a:t>
             </a:fld>
             <a:endParaRPr lang="en-US"/>
           </a:p>
@@ -3380,13 +3334,6 @@
   <p:clrMapOvr>
     <a:masterClrMapping/>
   </p:clrMapOvr>
-  <p:timing>
-    <p:tnLst>
-      <p:par>
-        <p:cTn id="1" dur="indefinite" restart="never" nodeType="tmRoot"/>
-      </p:par>
-    </p:tnLst>
-  </p:timing>
 </p:sldLayout>
 </file>
 
@@ -3432,10 +3379,9 @@
           </a:lstStyle>
           <a:p>
             <a:r>
-              <a:rPr lang="en-US" smtClean="0"/>
+              <a:rPr lang="en-US"/>
               <a:t>Click to edit Master title style</a:t>
             </a:r>
-            <a:endParaRPr lang="en-US"/>
           </a:p>
         </p:txBody>
       </p:sp>
@@ -3552,7 +3498,7 @@
           <a:p>
             <a:pPr lvl="0"/>
             <a:r>
-              <a:rPr lang="en-US" smtClean="0"/>
+              <a:rPr lang="en-US"/>
               <a:t>Click to edit Master text styles</a:t>
             </a:r>
           </a:p>
@@ -3575,7 +3521,7 @@
           <a:p>
             <a:fld id="{7C193DC4-6EF0-48C9-B29C-616106A645E1}" type="datetime1">
               <a:rPr lang="en-US" smtClean="0"/>
-              <a:t>8/25/2015</a:t>
+              <a:t>8/14/2016</a:t>
             </a:fld>
             <a:endParaRPr lang="en-US"/>
           </a:p>
@@ -3669,10 +3615,9 @@
           <a:lstStyle/>
           <a:p>
             <a:r>
-              <a:rPr lang="en-US" smtClean="0"/>
+              <a:rPr lang="en-US"/>
               <a:t>Click to edit Master title style</a:t>
             </a:r>
-            <a:endParaRPr lang="en-US"/>
           </a:p>
         </p:txBody>
       </p:sp>
@@ -3726,38 +3671,37 @@
           <a:p>
             <a:pPr lvl="0"/>
             <a:r>
-              <a:rPr lang="en-US" smtClean="0"/>
+              <a:rPr lang="en-US"/>
               <a:t>Click to edit Master text styles</a:t>
             </a:r>
           </a:p>
           <a:p>
             <a:pPr lvl="1"/>
             <a:r>
-              <a:rPr lang="en-US" smtClean="0"/>
+              <a:rPr lang="en-US"/>
               <a:t>Second level</a:t>
             </a:r>
           </a:p>
           <a:p>
             <a:pPr lvl="2"/>
             <a:r>
-              <a:rPr lang="en-US" smtClean="0"/>
+              <a:rPr lang="en-US"/>
               <a:t>Third level</a:t>
             </a:r>
           </a:p>
           <a:p>
             <a:pPr lvl="3"/>
             <a:r>
-              <a:rPr lang="en-US" smtClean="0"/>
+              <a:rPr lang="en-US"/>
               <a:t>Fourth level</a:t>
             </a:r>
           </a:p>
           <a:p>
             <a:pPr lvl="4"/>
             <a:r>
-              <a:rPr lang="en-US" smtClean="0"/>
+              <a:rPr lang="en-US"/>
               <a:t>Fifth level</a:t>
             </a:r>
-            <a:endParaRPr lang="en-US"/>
           </a:p>
         </p:txBody>
       </p:sp>
@@ -3811,38 +3755,37 @@
           <a:p>
             <a:pPr lvl="0"/>
             <a:r>
-              <a:rPr lang="en-US" smtClean="0"/>
+              <a:rPr lang="en-US"/>
               <a:t>Click to edit Master text styles</a:t>
             </a:r>
           </a:p>
           <a:p>
             <a:pPr lvl="1"/>
             <a:r>
-              <a:rPr lang="en-US" smtClean="0"/>
+              <a:rPr lang="en-US"/>
               <a:t>Second level</a:t>
             </a:r>
           </a:p>
           <a:p>
             <a:pPr lvl="2"/>
             <a:r>
-              <a:rPr lang="en-US" smtClean="0"/>
+              <a:rPr lang="en-US"/>
               <a:t>Third level</a:t>
             </a:r>
           </a:p>
           <a:p>
             <a:pPr lvl="3"/>
             <a:r>
-              <a:rPr lang="en-US" smtClean="0"/>
+              <a:rPr lang="en-US"/>
               <a:t>Fourth level</a:t>
             </a:r>
           </a:p>
           <a:p>
             <a:pPr lvl="4"/>
             <a:r>
-              <a:rPr lang="en-US" smtClean="0"/>
+              <a:rPr lang="en-US"/>
               <a:t>Fifth level</a:t>
             </a:r>
-            <a:endParaRPr lang="en-US"/>
           </a:p>
         </p:txBody>
       </p:sp>
@@ -3863,7 +3806,7 @@
           <a:p>
             <a:fld id="{5D1846AD-9252-4647-9435-4C2AC365653A}" type="datetime1">
               <a:rPr lang="en-US" smtClean="0"/>
-              <a:t>8/25/2015</a:t>
+              <a:t>8/14/2016</a:t>
             </a:fld>
             <a:endParaRPr lang="en-US"/>
           </a:p>
@@ -3961,10 +3904,9 @@
           </a:lstStyle>
           <a:p>
             <a:r>
-              <a:rPr lang="en-US" smtClean="0"/>
+              <a:rPr lang="en-US"/>
               <a:t>Click to edit Master title style</a:t>
             </a:r>
-            <a:endParaRPr lang="en-US"/>
           </a:p>
         </p:txBody>
       </p:sp>
@@ -4027,7 +3969,7 @@
           <a:p>
             <a:pPr lvl="0"/>
             <a:r>
-              <a:rPr lang="en-US" smtClean="0"/>
+              <a:rPr lang="en-US"/>
               <a:t>Click to edit Master text styles</a:t>
             </a:r>
           </a:p>
@@ -4083,38 +4025,37 @@
           <a:p>
             <a:pPr lvl="0"/>
             <a:r>
-              <a:rPr lang="en-US" smtClean="0"/>
+              <a:rPr lang="en-US"/>
               <a:t>Click to edit Master text styles</a:t>
             </a:r>
           </a:p>
           <a:p>
             <a:pPr lvl="1"/>
             <a:r>
-              <a:rPr lang="en-US" smtClean="0"/>
+              <a:rPr lang="en-US"/>
               <a:t>Second level</a:t>
             </a:r>
           </a:p>
           <a:p>
             <a:pPr lvl="2"/>
             <a:r>
-              <a:rPr lang="en-US" smtClean="0"/>
+              <a:rPr lang="en-US"/>
               <a:t>Third level</a:t>
             </a:r>
           </a:p>
           <a:p>
             <a:pPr lvl="3"/>
             <a:r>
-              <a:rPr lang="en-US" smtClean="0"/>
+              <a:rPr lang="en-US"/>
               <a:t>Fourth level</a:t>
             </a:r>
           </a:p>
           <a:p>
             <a:pPr lvl="4"/>
             <a:r>
-              <a:rPr lang="en-US" smtClean="0"/>
+              <a:rPr lang="en-US"/>
               <a:t>Fifth level</a:t>
             </a:r>
-            <a:endParaRPr lang="en-US"/>
           </a:p>
         </p:txBody>
       </p:sp>
@@ -4177,7 +4118,7 @@
           <a:p>
             <a:pPr lvl="0"/>
             <a:r>
-              <a:rPr lang="en-US" smtClean="0"/>
+              <a:rPr lang="en-US"/>
               <a:t>Click to edit Master text styles</a:t>
             </a:r>
           </a:p>
@@ -4233,38 +4174,37 @@
           <a:p>
             <a:pPr lvl="0"/>
             <a:r>
-              <a:rPr lang="en-US" smtClean="0"/>
+              <a:rPr lang="en-US"/>
               <a:t>Click to edit Master text styles</a:t>
             </a:r>
           </a:p>
           <a:p>
             <a:pPr lvl="1"/>
             <a:r>
-              <a:rPr lang="en-US" smtClean="0"/>
+              <a:rPr lang="en-US"/>
               <a:t>Second level</a:t>
             </a:r>
           </a:p>
           <a:p>
             <a:pPr lvl="2"/>
             <a:r>
-              <a:rPr lang="en-US" smtClean="0"/>
+              <a:rPr lang="en-US"/>
               <a:t>Third level</a:t>
             </a:r>
           </a:p>
           <a:p>
             <a:pPr lvl="3"/>
             <a:r>
-              <a:rPr lang="en-US" smtClean="0"/>
+              <a:rPr lang="en-US"/>
               <a:t>Fourth level</a:t>
             </a:r>
           </a:p>
           <a:p>
             <a:pPr lvl="4"/>
             <a:r>
-              <a:rPr lang="en-US" smtClean="0"/>
+              <a:rPr lang="en-US"/>
               <a:t>Fifth level</a:t>
             </a:r>
-            <a:endParaRPr lang="en-US"/>
           </a:p>
         </p:txBody>
       </p:sp>
@@ -4285,7 +4225,7 @@
           <a:p>
             <a:fld id="{CE56DC10-3561-4063-A6AF-C1CC7A41040A}" type="datetime1">
               <a:rPr lang="en-US" smtClean="0"/>
-              <a:t>8/25/2015</a:t>
+              <a:t>8/14/2016</a:t>
             </a:fld>
             <a:endParaRPr lang="en-US"/>
           </a:p>
@@ -4379,10 +4319,9 @@
           <a:lstStyle/>
           <a:p>
             <a:r>
-              <a:rPr lang="en-US" smtClean="0"/>
+              <a:rPr lang="en-US"/>
               <a:t>Click to edit Master title style</a:t>
             </a:r>
-            <a:endParaRPr lang="en-US"/>
           </a:p>
         </p:txBody>
       </p:sp>
@@ -4403,7 +4342,7 @@
           <a:p>
             <a:fld id="{2F7B77F5-1464-4F6B-92A8-64FC8A508293}" type="datetime1">
               <a:rPr lang="en-US" smtClean="0"/>
-              <a:t>8/25/2015</a:t>
+              <a:t>8/14/2016</a:t>
             </a:fld>
             <a:endParaRPr lang="en-US"/>
           </a:p>
@@ -4461,13 +4400,6 @@
   <p:clrMapOvr>
     <a:masterClrMapping/>
   </p:clrMapOvr>
-  <p:timing>
-    <p:tnLst>
-      <p:par>
-        <p:cTn id="1" dur="indefinite" restart="never" nodeType="tmRoot"/>
-      </p:par>
-    </p:tnLst>
-  </p:timing>
 </p:sldLayout>
 </file>
 
@@ -4531,10 +4463,9 @@
           <a:lstStyle/>
           <a:p>
             <a:r>
-              <a:rPr lang="en-US" smtClean="0"/>
+              <a:rPr lang="en-US"/>
               <a:t>Click to edit Master title style</a:t>
             </a:r>
-            <a:endParaRPr lang="en-US"/>
           </a:p>
         </p:txBody>
       </p:sp>
@@ -4565,38 +4496,37 @@
           <a:p>
             <a:pPr lvl="0"/>
             <a:r>
-              <a:rPr lang="en-US" smtClean="0"/>
+              <a:rPr lang="en-US"/>
               <a:t>Click to edit Master text styles</a:t>
             </a:r>
           </a:p>
           <a:p>
             <a:pPr lvl="1"/>
             <a:r>
-              <a:rPr lang="en-US" smtClean="0"/>
+              <a:rPr lang="en-US"/>
               <a:t>Second level</a:t>
             </a:r>
           </a:p>
           <a:p>
             <a:pPr lvl="2"/>
             <a:r>
-              <a:rPr lang="en-US" smtClean="0"/>
+              <a:rPr lang="en-US"/>
               <a:t>Third level</a:t>
             </a:r>
           </a:p>
           <a:p>
             <a:pPr lvl="3"/>
             <a:r>
-              <a:rPr lang="en-US" smtClean="0"/>
+              <a:rPr lang="en-US"/>
               <a:t>Fourth level</a:t>
             </a:r>
           </a:p>
           <a:p>
             <a:pPr lvl="4"/>
             <a:r>
-              <a:rPr lang="en-US" smtClean="0"/>
+              <a:rPr lang="en-US"/>
               <a:t>Fifth level</a:t>
             </a:r>
-            <a:endParaRPr lang="en-US"/>
           </a:p>
         </p:txBody>
       </p:sp>
@@ -4635,7 +4565,7 @@
           <a:p>
             <a:fld id="{02B3F677-983B-48DB-ADFD-63FE6CBC7FB2}" type="datetime1">
               <a:rPr lang="en-US" smtClean="0"/>
-              <a:t>8/25/2015</a:t>
+              <a:t>8/14/2016</a:t>
             </a:fld>
             <a:endParaRPr lang="en-US"/>
           </a:p>
@@ -4743,13 +4673,6 @@
     <p:sldLayoutId id="2147483673" r:id="rId13"/>
     <p:sldLayoutId id="2147483674" r:id="rId14"/>
   </p:sldLayoutIdLst>
-  <p:timing>
-    <p:tnLst>
-      <p:par>
-        <p:cTn id="1" dur="indefinite" restart="never" nodeType="tmRoot"/>
-      </p:par>
-    </p:tnLst>
-  </p:timing>
   <p:hf hdr="0" ftr="0" dt="0"/>
   <p:txStyles>
     <p:titleStyle>
@@ -5037,10 +4960,9 @@
           <a:lstStyle/>
           <a:p>
             <a:r>
-              <a:rPr lang="en-US" dirty="0" smtClean="0"/>
+              <a:rPr lang="en-US" dirty="0"/>
               <a:t>Lists</a:t>
             </a:r>
-            <a:endParaRPr lang="en-US" dirty="0"/>
           </a:p>
         </p:txBody>
       </p:sp>
@@ -5060,21 +4982,21 @@
           <a:lstStyle/>
           <a:p>
             <a:r>
-              <a:rPr lang="en-US" dirty="0" smtClean="0"/>
+              <a:rPr lang="en-US" dirty="0"/>
               <a:t>CS 5010 Program Design Paradigms “</a:t>
             </a:r>
             <a:r>
-              <a:rPr lang="en-US" dirty="0" err="1" smtClean="0"/>
+              <a:rPr lang="en-US" dirty="0" err="1"/>
               <a:t>Bootcamp</a:t>
             </a:r>
             <a:r>
-              <a:rPr lang="en-US" dirty="0" smtClean="0"/>
+              <a:rPr lang="en-US" dirty="0"/>
               <a:t>”</a:t>
             </a:r>
           </a:p>
           <a:p>
             <a:r>
-              <a:rPr lang="en-US" dirty="0" smtClean="0"/>
+              <a:rPr lang="en-US" dirty="0"/>
               <a:t>Lesson 4.1</a:t>
             </a:r>
           </a:p>
@@ -5134,29 +5056,29 @@
           <a:lstStyle/>
           <a:p>
             <a:r>
-              <a:rPr lang="en-US" smtClean="0"/>
+              <a:rPr lang="en-US"/>
               <a:t>TexPoint fonts used in EMF. </a:t>
             </a:r>
           </a:p>
           <a:p>
             <a:r>
-              <a:rPr lang="en-US" smtClean="0"/>
+              <a:rPr lang="en-US"/>
               <a:t>Read the TexPoint manual before you delete this box.: </a:t>
             </a:r>
             <a:r>
-              <a:rPr lang="en-US" smtClean="0">
+              <a:rPr lang="en-US">
                 <a:latin typeface="CMMI10"/>
               </a:rPr>
               <a:t>A</a:t>
             </a:r>
             <a:r>
-              <a:rPr lang="en-US" smtClean="0">
+              <a:rPr lang="en-US">
                 <a:latin typeface="CMR10"/>
               </a:rPr>
               <a:t>A</a:t>
             </a:r>
             <a:r>
-              <a:rPr lang="en-US" smtClean="0">
+              <a:rPr lang="en-US">
                 <a:latin typeface="CMSY10ORIG"/>
               </a:rPr>
               <a:t>A</a:t>
@@ -5233,27 +5155,13 @@
             <a:p>
               <a:r>
                 <a:rPr lang="en-US" sz="1000" dirty="0"/>
-                <a:t>© Mitchell Wand, </a:t>
-              </a:r>
-              <a:r>
-                <a:rPr lang="en-US" sz="1000" dirty="0" smtClean="0"/>
-                <a:t>2012-2014</a:t>
+                <a:t>© Mitchell Wand, 2012-2014</a:t>
               </a:r>
             </a:p>
             <a:p>
               <a:r>
-                <a:rPr lang="en-US" sz="1000" dirty="0" smtClean="0"/>
+                <a:rPr lang="en-US" sz="1000" dirty="0"/>
                 <a:t>This work is licensed under a </a:t>
-              </a:r>
-              <a:r>
-                <a:rPr lang="en-US" altLang="en-US" sz="1000" dirty="0" smtClean="0">
-                  <a:solidFill>
-                    <a:srgbClr val="4374B7"/>
-                  </a:solidFill>
-                  <a:latin typeface="Helvetica Neue"/>
-                  <a:hlinkClick r:id="rId5"/>
-                </a:rPr>
-                <a:t>Creative </a:t>
               </a:r>
               <a:r>
                 <a:rPr lang="en-US" altLang="en-US" sz="1000" dirty="0">
@@ -5263,7 +5171,7 @@
                   <a:latin typeface="Helvetica Neue"/>
                   <a:hlinkClick r:id="rId5"/>
                 </a:rPr>
-                <a:t>Commons Attribution-</a:t>
+                <a:t>Creative Commons Attribution-</a:t>
               </a:r>
               <a:r>
                 <a:rPr lang="en-US" altLang="en-US" sz="1000" dirty="0" err="1">
@@ -5286,10 +5194,9 @@
                 <a:t> 4.0 International License</a:t>
               </a:r>
               <a:r>
-                <a:rPr lang="en-US" sz="1000" dirty="0" smtClean="0"/>
+                <a:rPr lang="en-US" sz="1000" dirty="0"/>
                 <a:t>.</a:t>
               </a:r>
-              <a:endParaRPr lang="en-US" sz="1000" dirty="0"/>
             </a:p>
           </p:txBody>
         </p:sp>
@@ -5299,13 +5206,6 @@
   <p:clrMapOvr>
     <a:masterClrMapping/>
   </p:clrMapOvr>
-  <p:timing>
-    <p:tnLst>
-      <p:par>
-        <p:cTn id="1" dur="indefinite" restart="never" nodeType="tmRoot"/>
-      </p:par>
-    </p:tnLst>
-  </p:timing>
 </p:sld>
 </file>
 
@@ -5342,10 +5242,9 @@
           <a:lstStyle/>
           <a:p>
             <a:r>
-              <a:rPr lang="en-US" dirty="0" smtClean="0"/>
+              <a:rPr lang="en-US" dirty="0"/>
               <a:t>Examples of LODs</a:t>
             </a:r>
-            <a:endParaRPr lang="en-US" dirty="0"/>
           </a:p>
         </p:txBody>
       </p:sp>
@@ -5375,7 +5274,7 @@
               <a:buNone/>
             </a:pPr>
             <a:r>
-              <a:rPr lang="en-US" sz="2800" b="1" dirty="0" smtClean="0">
+              <a:rPr lang="en-US" sz="2800" b="1" dirty="0">
                 <a:latin typeface="Consolas" pitchFamily="49" charset="0"/>
                 <a:cs typeface="Consolas" pitchFamily="49" charset="0"/>
               </a:rPr>
@@ -5387,7 +5286,7 @@
               <a:buNone/>
             </a:pPr>
             <a:r>
-              <a:rPr lang="en-US" sz="2800" b="1" dirty="0" smtClean="0">
+              <a:rPr lang="en-US" sz="2800" b="1" dirty="0">
                 <a:latin typeface="Consolas" pitchFamily="49" charset="0"/>
                 <a:cs typeface="Consolas" pitchFamily="49" charset="0"/>
               </a:rPr>
@@ -5399,7 +5298,7 @@
               <a:buNone/>
             </a:pPr>
             <a:r>
-              <a:rPr lang="en-US" sz="2800" b="1" dirty="0" smtClean="0">
+              <a:rPr lang="en-US" sz="2800" b="1" dirty="0">
                 <a:latin typeface="Consolas" pitchFamily="49" charset="0"/>
                 <a:cs typeface="Consolas" pitchFamily="49" charset="0"/>
               </a:rPr>
@@ -5411,7 +5310,7 @@
               <a:buNone/>
             </a:pPr>
             <a:r>
-              <a:rPr lang="en-US" sz="2800" b="1" dirty="0" smtClean="0">
+              <a:rPr lang="en-US" sz="2800" b="1" dirty="0">
                 <a:latin typeface="Consolas" pitchFamily="49" charset="0"/>
                 <a:cs typeface="Consolas" pitchFamily="49" charset="0"/>
               </a:rPr>
@@ -5420,7 +5319,7 @@
           </a:p>
           <a:p>
             <a:r>
-              <a:rPr lang="en-US" sz="2800" dirty="0" smtClean="0"/>
+              <a:rPr lang="en-US" sz="2800" dirty="0"/>
               <a:t>These are not LODs:</a:t>
             </a:r>
           </a:p>
@@ -5429,7 +5328,7 @@
               <a:buNone/>
             </a:pPr>
             <a:r>
-              <a:rPr lang="en-US" sz="2800" b="1" dirty="0" smtClean="0">
+              <a:rPr lang="en-US" sz="2800" b="1" dirty="0">
                 <a:latin typeface="Consolas" pitchFamily="49" charset="0"/>
                 <a:cs typeface="Consolas" pitchFamily="49" charset="0"/>
               </a:rPr>
@@ -5441,7 +5340,7 @@
               <a:buNone/>
             </a:pPr>
             <a:r>
-              <a:rPr lang="en-US" sz="2800" b="1" dirty="0" smtClean="0">
+              <a:rPr lang="en-US" sz="2800" b="1" dirty="0">
                 <a:latin typeface="Consolas" pitchFamily="49" charset="0"/>
                 <a:cs typeface="Consolas" pitchFamily="49" charset="0"/>
               </a:rPr>
@@ -5453,16 +5352,12 @@
               <a:buNone/>
             </a:pPr>
             <a:r>
-              <a:rPr lang="en-US" sz="2800" b="1" dirty="0" smtClean="0">
+              <a:rPr lang="en-US" sz="2800" b="1" dirty="0">
                 <a:latin typeface="Consolas" pitchFamily="49" charset="0"/>
                 <a:cs typeface="Consolas" pitchFamily="49" charset="0"/>
               </a:rPr>
               <a:t>          (cons "2" (cons "3" empty)))</a:t>
             </a:r>
-            <a:endParaRPr lang="en-US" sz="2800" b="1" dirty="0">
-              <a:latin typeface="Consolas" pitchFamily="49" charset="0"/>
-              <a:cs typeface="Consolas" pitchFamily="49" charset="0"/>
-            </a:endParaRPr>
           </a:p>
         </p:txBody>
       </p:sp>
@@ -5526,7 +5421,7 @@
               <a:buNone/>
             </a:pPr>
             <a:r>
-              <a:rPr lang="en-US" b="1" i="1" dirty="0" smtClean="0">
+              <a:rPr lang="en-US" b="1" i="1" dirty="0">
                 <a:latin typeface="Consolas" pitchFamily="49" charset="0"/>
                 <a:cs typeface="Consolas" pitchFamily="49" charset="0"/>
               </a:rPr>
@@ -5538,7 +5433,7 @@
               <a:buNone/>
             </a:pPr>
             <a:r>
-              <a:rPr lang="en-US" b="1" i="1" dirty="0" smtClean="0">
+              <a:rPr lang="en-US" b="1" i="1" dirty="0">
                 <a:latin typeface="Consolas" pitchFamily="49" charset="0"/>
                 <a:cs typeface="Consolas" pitchFamily="49" charset="0"/>
               </a:rPr>
@@ -5550,16 +5445,12 @@
               <a:buNone/>
             </a:pPr>
             <a:r>
-              <a:rPr lang="en-US" b="1" i="1" dirty="0" smtClean="0">
+              <a:rPr lang="en-US" b="1" i="1" dirty="0">
                 <a:latin typeface="Consolas" pitchFamily="49" charset="0"/>
                 <a:cs typeface="Consolas" pitchFamily="49" charset="0"/>
               </a:rPr>
               <a:t>-- (cons Digit LOD)</a:t>
             </a:r>
-            <a:endParaRPr lang="en-US" b="1" i="1" dirty="0">
-              <a:latin typeface="Consolas" pitchFamily="49" charset="0"/>
-              <a:cs typeface="Consolas" pitchFamily="49" charset="0"/>
-            </a:endParaRPr>
           </a:p>
         </p:txBody>
       </p:sp>
@@ -5610,7 +5501,7 @@
           <a:p>
             <a:pPr algn="ctr"/>
             <a:r>
-              <a:rPr lang="en-US" sz="1600" dirty="0" smtClean="0">
+              <a:rPr lang="en-US" sz="1600" dirty="0">
                 <a:solidFill>
                   <a:schemeClr val="tx1"/>
                 </a:solidFill>
@@ -5621,18 +5512,13 @@
           <a:p>
             <a:pPr algn="ctr"/>
             <a:r>
-              <a:rPr lang="en-US" sz="1600" dirty="0" smtClean="0">
+              <a:rPr lang="en-US" sz="1600" dirty="0">
                 <a:solidFill>
                   <a:schemeClr val="tx1"/>
                 </a:solidFill>
               </a:rPr>
               <a:t>Can you explain why the last two are not LODs?</a:t>
             </a:r>
-            <a:endParaRPr lang="en-US" sz="1600" dirty="0">
-              <a:solidFill>
-                <a:schemeClr val="tx1"/>
-              </a:solidFill>
-            </a:endParaRPr>
           </a:p>
         </p:txBody>
       </p:sp>
@@ -5646,13 +5532,6 @@
   <p:clrMapOvr>
     <a:masterClrMapping/>
   </p:clrMapOvr>
-  <p:timing>
-    <p:tnLst>
-      <p:par>
-        <p:cTn id="1" dur="indefinite" restart="never" nodeType="tmRoot"/>
-      </p:par>
-    </p:tnLst>
-  </p:timing>
 </p:sld>
 </file>
 
@@ -5689,10 +5568,9 @@
           <a:lstStyle/>
           <a:p>
             <a:r>
-              <a:rPr lang="en-US" dirty="0" smtClean="0"/>
+              <a:rPr lang="en-US" dirty="0"/>
               <a:t>Lists of Books</a:t>
             </a:r>
-            <a:endParaRPr lang="en-US" dirty="0"/>
           </a:p>
         </p:txBody>
       </p:sp>
@@ -5717,7 +5595,7 @@
               <a:buNone/>
             </a:pPr>
             <a:r>
-              <a:rPr lang="en-US" b="1" dirty="0" smtClean="0">
+              <a:rPr lang="en-US" b="1" dirty="0">
                 <a:latin typeface="Consolas" pitchFamily="49" charset="0"/>
                 <a:cs typeface="Consolas" pitchFamily="49" charset="0"/>
               </a:rPr>
@@ -5728,50 +5606,46 @@
             <a:pPr>
               <a:buNone/>
             </a:pPr>
-            <a:endParaRPr lang="en-US" b="1" dirty="0" smtClean="0">
-              <a:latin typeface="Consolas" pitchFamily="49" charset="0"/>
-              <a:cs typeface="Consolas" pitchFamily="49" charset="0"/>
-            </a:endParaRPr>
-          </a:p>
-          <a:p>
-            <a:pPr>
-              <a:buNone/>
-            </a:pPr>
-            <a:r>
-              <a:rPr lang="en-US" b="1" dirty="0" smtClean="0">
-                <a:latin typeface="Consolas" pitchFamily="49" charset="0"/>
-                <a:cs typeface="Consolas" pitchFamily="49" charset="0"/>
-              </a:rPr>
-              <a:t>A List of Books (LOB) is one of:</a:t>
-            </a:r>
-          </a:p>
-          <a:p>
-            <a:pPr>
-              <a:buNone/>
-            </a:pPr>
-            <a:r>
-              <a:rPr lang="en-US" b="1" dirty="0" smtClean="0">
-                <a:latin typeface="Consolas" pitchFamily="49" charset="0"/>
-                <a:cs typeface="Consolas" pitchFamily="49" charset="0"/>
-              </a:rPr>
-              <a:t>-- empty</a:t>
-            </a:r>
-          </a:p>
-          <a:p>
-            <a:pPr>
-              <a:buNone/>
-            </a:pPr>
-            <a:r>
-              <a:rPr lang="en-US" b="1" dirty="0" smtClean="0">
-                <a:latin typeface="Consolas" pitchFamily="49" charset="0"/>
-                <a:cs typeface="Consolas" pitchFamily="49" charset="0"/>
-              </a:rPr>
-              <a:t>-- (cons Book LOB)</a:t>
-            </a:r>
             <a:endParaRPr lang="en-US" b="1" dirty="0">
               <a:latin typeface="Consolas" pitchFamily="49" charset="0"/>
               <a:cs typeface="Consolas" pitchFamily="49" charset="0"/>
             </a:endParaRPr>
+          </a:p>
+          <a:p>
+            <a:pPr>
+              <a:buNone/>
+            </a:pPr>
+            <a:r>
+              <a:rPr lang="en-US" b="1" dirty="0">
+                <a:latin typeface="Consolas" pitchFamily="49" charset="0"/>
+                <a:cs typeface="Consolas" pitchFamily="49" charset="0"/>
+              </a:rPr>
+              <a:t>A List of Books (LOB) is one of:</a:t>
+            </a:r>
+          </a:p>
+          <a:p>
+            <a:pPr>
+              <a:buNone/>
+            </a:pPr>
+            <a:r>
+              <a:rPr lang="en-US" b="1" dirty="0">
+                <a:latin typeface="Consolas" pitchFamily="49" charset="0"/>
+                <a:cs typeface="Consolas" pitchFamily="49" charset="0"/>
+              </a:rPr>
+              <a:t>-- empty</a:t>
+            </a:r>
+          </a:p>
+          <a:p>
+            <a:pPr>
+              <a:buNone/>
+            </a:pPr>
+            <a:r>
+              <a:rPr lang="en-US" b="1" dirty="0">
+                <a:latin typeface="Consolas" pitchFamily="49" charset="0"/>
+                <a:cs typeface="Consolas" pitchFamily="49" charset="0"/>
+              </a:rPr>
+              <a:t>-- (cons Book LOB)</a:t>
+            </a:r>
           </a:p>
         </p:txBody>
       </p:sp>
@@ -5853,15 +5727,7 @@
                   <a:schemeClr val="tx1"/>
                 </a:solidFill>
               </a:rPr>
-              <a:t>We can build lists of more complicated data items.  Imagine we had a data definition for Book.  Then we can define a List of Books in the same way as we did for lists of numbers or lists of digits:  a List of Books is either empty or the cons of a Book and a List of Books</a:t>
-            </a:r>
-            <a:r>
-              <a:rPr lang="en-US" dirty="0" smtClean="0">
-                <a:solidFill>
-                  <a:schemeClr val="tx1"/>
-                </a:solidFill>
-              </a:rPr>
-              <a:t>.</a:t>
+              <a:t>We can build lists of more complicated data items.  Imagine we had a data definition for Book.  Then we can define a List of Books in the same way as we did for lists of numbers or lists of digits:  a List of Books is either empty or the cons of a Book and a List of Books.</a:t>
             </a:r>
             <a:endParaRPr lang="en-US" dirty="0"/>
           </a:p>
@@ -5877,13 +5743,6 @@
   <p:clrMapOvr>
     <a:masterClrMapping/>
   </p:clrMapOvr>
-  <p:timing>
-    <p:tnLst>
-      <p:par>
-        <p:cTn id="1" dur="indefinite" restart="never" nodeType="tmRoot"/>
-      </p:par>
-    </p:tnLst>
-  </p:timing>
 </p:sld>
 </file>
 
@@ -5920,10 +5779,9 @@
           <a:lstStyle/>
           <a:p>
             <a:r>
-              <a:rPr lang="en-US" dirty="0" smtClean="0"/>
+              <a:rPr lang="en-US" dirty="0"/>
               <a:t>Examples of LOBs</a:t>
             </a:r>
-            <a:endParaRPr lang="en-US" dirty="0"/>
           </a:p>
         </p:txBody>
       </p:sp>
@@ -5953,7 +5811,7 @@
               <a:buNone/>
             </a:pPr>
             <a:r>
-              <a:rPr lang="en-US" sz="2800" b="1" dirty="0" smtClean="0">
+              <a:rPr lang="en-US" sz="2800" b="1" dirty="0">
                 <a:latin typeface="Consolas" pitchFamily="49" charset="0"/>
                 <a:cs typeface="Consolas" pitchFamily="49" charset="0"/>
               </a:rPr>
@@ -5965,7 +5823,7 @@
               <a:buNone/>
             </a:pPr>
             <a:r>
-              <a:rPr lang="en-US" sz="2800" b="1" dirty="0" smtClean="0">
+              <a:rPr lang="en-US" sz="2800" b="1" dirty="0">
                 <a:latin typeface="Consolas" pitchFamily="49" charset="0"/>
                 <a:cs typeface="Consolas" pitchFamily="49" charset="0"/>
               </a:rPr>
@@ -5977,7 +5835,7 @@
               <a:buNone/>
             </a:pPr>
             <a:r>
-              <a:rPr lang="en-US" sz="2800" b="1" dirty="0" smtClean="0">
+              <a:rPr lang="en-US" sz="2800" b="1" dirty="0">
                 <a:latin typeface="Consolas" pitchFamily="49" charset="0"/>
                 <a:cs typeface="Consolas" pitchFamily="49" charset="0"/>
               </a:rPr>
@@ -5988,7 +5846,7 @@
             <a:pPr>
               <a:buNone/>
             </a:pPr>
-            <a:endParaRPr lang="en-US" sz="2800" b="1" dirty="0" smtClean="0">
+            <a:endParaRPr lang="en-US" sz="2800" b="1" dirty="0">
               <a:latin typeface="Consolas" pitchFamily="49" charset="0"/>
               <a:cs typeface="Consolas" pitchFamily="49" charset="0"/>
             </a:endParaRPr>
@@ -5998,7 +5856,7 @@
               <a:buNone/>
             </a:pPr>
             <a:r>
-              <a:rPr lang="en-US" sz="2800" b="1" dirty="0" smtClean="0">
+              <a:rPr lang="en-US" sz="2800" b="1" dirty="0">
                 <a:latin typeface="Consolas" pitchFamily="49" charset="0"/>
                 <a:cs typeface="Consolas" pitchFamily="49" charset="0"/>
               </a:rPr>
@@ -6010,7 +5868,7 @@
               <a:buNone/>
             </a:pPr>
             <a:r>
-              <a:rPr lang="en-US" sz="2800" b="1" dirty="0" smtClean="0">
+              <a:rPr lang="en-US" sz="2800" b="1" dirty="0">
                 <a:latin typeface="Consolas" pitchFamily="49" charset="0"/>
                 <a:cs typeface="Consolas" pitchFamily="49" charset="0"/>
               </a:rPr>
@@ -6022,7 +5880,7 @@
               <a:buNone/>
             </a:pPr>
             <a:r>
-              <a:rPr lang="en-US" sz="2800" b="1" dirty="0" smtClean="0">
+              <a:rPr lang="en-US" sz="2800" b="1" dirty="0">
                 <a:latin typeface="Consolas" pitchFamily="49" charset="0"/>
                 <a:cs typeface="Consolas" pitchFamily="49" charset="0"/>
               </a:rPr>
@@ -6034,121 +5892,33 @@
               <a:buNone/>
             </a:pPr>
             <a:r>
-              <a:rPr lang="en-US" sz="2800" b="1" dirty="0" smtClean="0">
-                <a:latin typeface="Consolas" pitchFamily="49" charset="0"/>
-                <a:cs typeface="Consolas" pitchFamily="49" charset="0"/>
-              </a:rPr>
-              <a:t>(cons book2 </a:t>
-            </a:r>
-            <a:r>
               <a:rPr lang="en-US" sz="2800" b="1" dirty="0">
                 <a:latin typeface="Consolas" pitchFamily="49" charset="0"/>
                 <a:cs typeface="Consolas" pitchFamily="49" charset="0"/>
               </a:rPr>
-              <a:t>(cons </a:t>
-            </a:r>
-            <a:r>
-              <a:rPr lang="en-US" sz="2800" b="1" dirty="0" smtClean="0">
-                <a:latin typeface="Consolas" pitchFamily="49" charset="0"/>
-                <a:cs typeface="Consolas" pitchFamily="49" charset="0"/>
-              </a:rPr>
-              <a:t>book2 </a:t>
-            </a:r>
+              <a:t>(cons book2 (cons book2 (cons book1 empty))</a:t>
+            </a:r>
+          </a:p>
+          <a:p>
+            <a:r>
+              <a:rPr lang="en-US" sz="2800" dirty="0"/>
+              <a:t>Not a LOB:</a:t>
+            </a:r>
+          </a:p>
+          <a:p>
+            <a:pPr marL="0" indent="0">
+              <a:buNone/>
+            </a:pPr>
             <a:r>
               <a:rPr lang="en-US" sz="2800" b="1" dirty="0">
                 <a:latin typeface="Consolas" pitchFamily="49" charset="0"/>
                 <a:cs typeface="Consolas" pitchFamily="49" charset="0"/>
               </a:rPr>
-              <a:t>(cons </a:t>
-            </a:r>
-            <a:r>
-              <a:rPr lang="en-US" sz="2800" b="1" dirty="0" smtClean="0">
-                <a:latin typeface="Consolas" pitchFamily="49" charset="0"/>
-                <a:cs typeface="Consolas" pitchFamily="49" charset="0"/>
-              </a:rPr>
-              <a:t>book1 </a:t>
-            </a:r>
-            <a:r>
-              <a:rPr lang="en-US" sz="2800" b="1" dirty="0">
-                <a:latin typeface="Consolas" pitchFamily="49" charset="0"/>
-                <a:cs typeface="Consolas" pitchFamily="49" charset="0"/>
-              </a:rPr>
-              <a:t>empty))</a:t>
-            </a:r>
-            <a:endParaRPr lang="en-US" sz="2800" b="1" dirty="0" smtClean="0">
-              <a:latin typeface="Consolas" pitchFamily="49" charset="0"/>
-              <a:cs typeface="Consolas" pitchFamily="49" charset="0"/>
-            </a:endParaRPr>
-          </a:p>
-          <a:p>
-            <a:r>
-              <a:rPr lang="en-US" sz="2800" dirty="0" smtClean="0"/>
-              <a:t>Not a LOB:</a:t>
-            </a:r>
-          </a:p>
-          <a:p>
-            <a:pPr marL="0" indent="0">
-              <a:buNone/>
-            </a:pPr>
-            <a:r>
-              <a:rPr lang="en-US" sz="2800" b="1" dirty="0" smtClean="0">
-                <a:latin typeface="Consolas" pitchFamily="49" charset="0"/>
-                <a:cs typeface="Consolas" pitchFamily="49" charset="0"/>
-              </a:rPr>
-              <a:t>    (</a:t>
-            </a:r>
-            <a:r>
-              <a:rPr lang="en-US" sz="2800" b="1" dirty="0">
-                <a:latin typeface="Consolas" pitchFamily="49" charset="0"/>
-                <a:cs typeface="Consolas" pitchFamily="49" charset="0"/>
-              </a:rPr>
-              <a:t>cons 4</a:t>
-            </a:r>
-            <a:r>
-              <a:rPr lang="en-US" sz="2800" b="1" dirty="0" smtClean="0">
-                <a:latin typeface="Consolas" pitchFamily="49" charset="0"/>
-                <a:cs typeface="Consolas" pitchFamily="49" charset="0"/>
-              </a:rPr>
-              <a:t> </a:t>
-            </a:r>
-            <a:r>
-              <a:rPr lang="en-US" sz="2800" b="1" dirty="0">
-                <a:latin typeface="Consolas" pitchFamily="49" charset="0"/>
-                <a:cs typeface="Consolas" pitchFamily="49" charset="0"/>
-              </a:rPr>
-              <a:t>(cons </a:t>
-            </a:r>
-            <a:r>
-              <a:rPr lang="en-US" sz="2800" b="1" dirty="0" smtClean="0">
-                <a:latin typeface="Consolas" pitchFamily="49" charset="0"/>
-                <a:cs typeface="Consolas" pitchFamily="49" charset="0"/>
-              </a:rPr>
-              <a:t>book2 </a:t>
-            </a:r>
-            <a:r>
-              <a:rPr lang="en-US" sz="2800" b="1" dirty="0">
-                <a:latin typeface="Consolas" pitchFamily="49" charset="0"/>
-                <a:cs typeface="Consolas" pitchFamily="49" charset="0"/>
-              </a:rPr>
-              <a:t>(cons </a:t>
-            </a:r>
-            <a:r>
-              <a:rPr lang="en-US" sz="2800" b="1" dirty="0" smtClean="0">
-                <a:latin typeface="Consolas" pitchFamily="49" charset="0"/>
-                <a:cs typeface="Consolas" pitchFamily="49" charset="0"/>
-              </a:rPr>
-              <a:t>book1 </a:t>
-            </a:r>
-            <a:r>
-              <a:rPr lang="en-US" sz="2800" b="1" dirty="0">
-                <a:latin typeface="Consolas" pitchFamily="49" charset="0"/>
-                <a:cs typeface="Consolas" pitchFamily="49" charset="0"/>
-              </a:rPr>
-              <a:t>empty))</a:t>
-            </a:r>
-          </a:p>
-          <a:p>
-            <a:endParaRPr lang="en-US" sz="2800" dirty="0" smtClean="0"/>
+              <a:t>    (cons 4 (cons book2 (cons book1 empty))</a:t>
+            </a:r>
+          </a:p>
+          <a:p>
+            <a:endParaRPr lang="en-US" sz="2800" dirty="0"/>
           </a:p>
         </p:txBody>
       </p:sp>
@@ -6212,7 +5982,7 @@
               <a:buNone/>
             </a:pPr>
             <a:r>
-              <a:rPr lang="en-US" b="1" i="1" dirty="0" smtClean="0">
+              <a:rPr lang="en-US" b="1" i="1" dirty="0">
                 <a:latin typeface="Consolas" pitchFamily="49" charset="0"/>
                 <a:cs typeface="Consolas" pitchFamily="49" charset="0"/>
               </a:rPr>
@@ -6224,7 +5994,7 @@
               <a:buNone/>
             </a:pPr>
             <a:r>
-              <a:rPr lang="en-US" b="1" i="1" dirty="0" smtClean="0">
+              <a:rPr lang="en-US" b="1" i="1" dirty="0">
                 <a:latin typeface="Consolas" pitchFamily="49" charset="0"/>
                 <a:cs typeface="Consolas" pitchFamily="49" charset="0"/>
               </a:rPr>
@@ -6236,16 +6006,12 @@
               <a:buNone/>
             </a:pPr>
             <a:r>
-              <a:rPr lang="en-US" b="1" i="1" dirty="0" smtClean="0">
+              <a:rPr lang="en-US" b="1" i="1" dirty="0">
                 <a:latin typeface="Consolas" pitchFamily="49" charset="0"/>
                 <a:cs typeface="Consolas" pitchFamily="49" charset="0"/>
               </a:rPr>
               <a:t>-- (cons Book LOB)</a:t>
             </a:r>
-            <a:endParaRPr lang="en-US" b="1" i="1" dirty="0">
-              <a:latin typeface="Consolas" pitchFamily="49" charset="0"/>
-              <a:cs typeface="Consolas" pitchFamily="49" charset="0"/>
-            </a:endParaRPr>
           </a:p>
         </p:txBody>
       </p:sp>
@@ -6296,18 +6062,13 @@
           <a:p>
             <a:pPr algn="ctr"/>
             <a:r>
-              <a:rPr lang="en-US" dirty="0" smtClean="0">
+              <a:rPr lang="en-US" dirty="0">
                 <a:solidFill>
                   <a:schemeClr val="tx1"/>
                 </a:solidFill>
               </a:rPr>
               <a:t>(Why?)</a:t>
             </a:r>
-            <a:endParaRPr lang="en-US" dirty="0">
-              <a:solidFill>
-                <a:schemeClr val="tx1"/>
-              </a:solidFill>
-            </a:endParaRPr>
           </a:p>
         </p:txBody>
       </p:sp>
@@ -6321,13 +6082,6 @@
   <p:clrMapOvr>
     <a:masterClrMapping/>
   </p:clrMapOvr>
-  <p:timing>
-    <p:tnLst>
-      <p:par>
-        <p:cTn id="1" dur="indefinite" restart="never" nodeType="tmRoot"/>
-      </p:par>
-    </p:tnLst>
-  </p:timing>
 </p:sld>
 </file>
 
@@ -6366,22 +6120,17 @@
           <a:lstStyle/>
           <a:p>
             <a:r>
-              <a:rPr lang="en-US" dirty="0" smtClean="0"/>
+              <a:rPr lang="en-US" dirty="0"/>
               <a:t>This data definition is </a:t>
             </a:r>
             <a:r>
-              <a:rPr lang="en-US" i="1" dirty="0" smtClean="0">
+              <a:rPr lang="en-US" i="1" dirty="0">
                 <a:solidFill>
                   <a:srgbClr val="FF0000"/>
                 </a:solidFill>
               </a:rPr>
               <a:t>self-referential</a:t>
             </a:r>
-            <a:endParaRPr lang="en-US" i="1" dirty="0">
-              <a:solidFill>
-                <a:srgbClr val="FF0000"/>
-              </a:solidFill>
-            </a:endParaRPr>
           </a:p>
         </p:txBody>
       </p:sp>
@@ -6406,7 +6155,7 @@
               <a:buNone/>
             </a:pPr>
             <a:r>
-              <a:rPr lang="en-US" b="1" dirty="0" smtClean="0">
+              <a:rPr lang="en-US" b="1" dirty="0">
                 <a:latin typeface="Consolas" pitchFamily="49" charset="0"/>
                 <a:cs typeface="Consolas" pitchFamily="49" charset="0"/>
               </a:rPr>
@@ -6418,7 +6167,7 @@
               <a:buNone/>
             </a:pPr>
             <a:r>
-              <a:rPr lang="en-US" b="1" dirty="0" smtClean="0">
+              <a:rPr lang="en-US" b="1" dirty="0">
                 <a:latin typeface="Consolas" pitchFamily="49" charset="0"/>
                 <a:cs typeface="Consolas" pitchFamily="49" charset="0"/>
               </a:rPr>
@@ -6430,16 +6179,12 @@
               <a:buNone/>
             </a:pPr>
             <a:r>
-              <a:rPr lang="en-US" b="1" dirty="0" smtClean="0">
+              <a:rPr lang="en-US" b="1" dirty="0">
                 <a:latin typeface="Consolas" pitchFamily="49" charset="0"/>
                 <a:cs typeface="Consolas" pitchFamily="49" charset="0"/>
               </a:rPr>
               <a:t>-- (cons Number LON)</a:t>
             </a:r>
-            <a:endParaRPr lang="en-US" b="1" dirty="0">
-              <a:latin typeface="Consolas" pitchFamily="49" charset="0"/>
-              <a:cs typeface="Consolas" pitchFamily="49" charset="0"/>
-            </a:endParaRPr>
           </a:p>
         </p:txBody>
       </p:sp>
@@ -6518,7 +6263,7 @@
           <a:lstStyle/>
           <a:p>
             <a:pPr algn="ctr"/>
-            <a:endParaRPr lang="en-US" dirty="0" smtClean="0">
+            <a:endParaRPr lang="en-US" dirty="0">
               <a:solidFill>
                 <a:prstClr val="black"/>
               </a:solidFill>
@@ -6613,23 +6358,7 @@
                   <a:schemeClr val="tx1"/>
                 </a:solidFill>
               </a:rPr>
-              <a:t>In normal definitions, this would be a problem: </a:t>
-            </a:r>
-            <a:r>
-              <a:rPr lang="en-US" dirty="0" smtClean="0">
-                <a:solidFill>
-                  <a:schemeClr val="tx1"/>
-                </a:solidFill>
-              </a:rPr>
-              <a:t>you wouldn’t like a </a:t>
-            </a:r>
-            <a:r>
-              <a:rPr lang="en-US" dirty="0">
-                <a:solidFill>
-                  <a:schemeClr val="tx1"/>
-                </a:solidFill>
-              </a:rPr>
-              <a:t>dictionary that did this.</a:t>
+              <a:t>In normal definitions, this would be a problem: you wouldn’t like a dictionary that did this.</a:t>
             </a:r>
           </a:p>
           <a:p>
@@ -6810,10 +6539,9 @@
           <a:lstStyle/>
           <a:p>
             <a:r>
-              <a:rPr lang="en-US" dirty="0" smtClean="0"/>
+              <a:rPr lang="en-US" dirty="0"/>
               <a:t>This one is self-referential, too</a:t>
             </a:r>
-            <a:endParaRPr lang="en-US" dirty="0"/>
           </a:p>
         </p:txBody>
       </p:sp>
@@ -6838,7 +6566,7 @@
               <a:buNone/>
             </a:pPr>
             <a:r>
-              <a:rPr lang="en-US" b="1" dirty="0" smtClean="0">
+              <a:rPr lang="en-US" b="1" dirty="0">
                 <a:latin typeface="Consolas" pitchFamily="49" charset="0"/>
                 <a:cs typeface="Consolas" pitchFamily="49" charset="0"/>
               </a:rPr>
@@ -6850,7 +6578,7 @@
               <a:buNone/>
             </a:pPr>
             <a:r>
-              <a:rPr lang="en-US" b="1" dirty="0" smtClean="0">
+              <a:rPr lang="en-US" b="1" dirty="0">
                 <a:latin typeface="Consolas" pitchFamily="49" charset="0"/>
                 <a:cs typeface="Consolas" pitchFamily="49" charset="0"/>
               </a:rPr>
@@ -6861,50 +6589,46 @@
             <a:pPr>
               <a:buNone/>
             </a:pPr>
-            <a:endParaRPr lang="en-US" b="1" dirty="0" smtClean="0">
-              <a:latin typeface="Consolas" pitchFamily="49" charset="0"/>
-              <a:cs typeface="Consolas" pitchFamily="49" charset="0"/>
-            </a:endParaRPr>
-          </a:p>
-          <a:p>
-            <a:pPr>
-              <a:buNone/>
-            </a:pPr>
-            <a:r>
-              <a:rPr lang="en-US" b="1" dirty="0" smtClean="0">
-                <a:latin typeface="Consolas" pitchFamily="49" charset="0"/>
-                <a:cs typeface="Consolas" pitchFamily="49" charset="0"/>
-              </a:rPr>
-              <a:t>A List of Digits (LOD) is one of:</a:t>
-            </a:r>
-          </a:p>
-          <a:p>
-            <a:pPr>
-              <a:buNone/>
-            </a:pPr>
-            <a:r>
-              <a:rPr lang="en-US" b="1" dirty="0" smtClean="0">
-                <a:latin typeface="Consolas" pitchFamily="49" charset="0"/>
-                <a:cs typeface="Consolas" pitchFamily="49" charset="0"/>
-              </a:rPr>
-              <a:t>-- empty</a:t>
-            </a:r>
-          </a:p>
-          <a:p>
-            <a:pPr>
-              <a:buNone/>
-            </a:pPr>
-            <a:r>
-              <a:rPr lang="en-US" b="1" dirty="0" smtClean="0">
-                <a:latin typeface="Consolas" pitchFamily="49" charset="0"/>
-                <a:cs typeface="Consolas" pitchFamily="49" charset="0"/>
-              </a:rPr>
-              <a:t>-- (cons Digit LOD)</a:t>
-            </a:r>
             <a:endParaRPr lang="en-US" b="1" dirty="0">
               <a:latin typeface="Consolas" pitchFamily="49" charset="0"/>
               <a:cs typeface="Consolas" pitchFamily="49" charset="0"/>
             </a:endParaRPr>
+          </a:p>
+          <a:p>
+            <a:pPr>
+              <a:buNone/>
+            </a:pPr>
+            <a:r>
+              <a:rPr lang="en-US" b="1" dirty="0">
+                <a:latin typeface="Consolas" pitchFamily="49" charset="0"/>
+                <a:cs typeface="Consolas" pitchFamily="49" charset="0"/>
+              </a:rPr>
+              <a:t>A List of Digits (LOD) is one of:</a:t>
+            </a:r>
+          </a:p>
+          <a:p>
+            <a:pPr>
+              <a:buNone/>
+            </a:pPr>
+            <a:r>
+              <a:rPr lang="en-US" b="1" dirty="0">
+                <a:latin typeface="Consolas" pitchFamily="49" charset="0"/>
+                <a:cs typeface="Consolas" pitchFamily="49" charset="0"/>
+              </a:rPr>
+              <a:t>-- empty</a:t>
+            </a:r>
+          </a:p>
+          <a:p>
+            <a:pPr>
+              <a:buNone/>
+            </a:pPr>
+            <a:r>
+              <a:rPr lang="en-US" b="1" dirty="0">
+                <a:latin typeface="Consolas" pitchFamily="49" charset="0"/>
+                <a:cs typeface="Consolas" pitchFamily="49" charset="0"/>
+              </a:rPr>
+              <a:t>-- (cons Digit LOD)</a:t>
+            </a:r>
           </a:p>
         </p:txBody>
       </p:sp>
@@ -6983,7 +6707,7 @@
           <a:lstStyle/>
           <a:p>
             <a:pPr algn="ctr"/>
-            <a:endParaRPr lang="en-US" dirty="0" smtClean="0">
+            <a:endParaRPr lang="en-US" dirty="0">
               <a:solidFill>
                 <a:prstClr val="black"/>
               </a:solidFill>
@@ -7123,10 +6847,9 @@
           <a:lstStyle/>
           <a:p>
             <a:r>
-              <a:rPr lang="en-US" dirty="0" smtClean="0"/>
+              <a:rPr lang="en-US" dirty="0"/>
               <a:t>How Lists Represent Sequences</a:t>
             </a:r>
-            <a:endParaRPr lang="en-US" dirty="0"/>
           </a:p>
         </p:txBody>
       </p:sp>
@@ -7151,16 +6874,11 @@
               <a:rPr lang="en-US" dirty="0"/>
               <a:t>If X is some data definition, we define a list of X's as either empty or the cons of an X and a list of X's.  </a:t>
             </a:r>
-            <a:endParaRPr lang="en-US" dirty="0" smtClean="0"/>
-          </a:p>
-          <a:p>
-            <a:r>
-              <a:rPr lang="en-US" dirty="0" smtClean="0"/>
-              <a:t>So </a:t>
-            </a:r>
+          </a:p>
+          <a:p>
             <a:r>
               <a:rPr lang="en-US" dirty="0"/>
-              <a:t>a list of sardines is either </a:t>
+              <a:t>So a list of sardines is either </a:t>
             </a:r>
             <a:r>
               <a:rPr lang="en-US" b="1" dirty="0"/>
@@ -7182,41 +6900,25 @@
           <a:p>
             <a:r>
               <a:rPr lang="en-US" dirty="0"/>
-              <a:t>The interpretation is always "a sequence of X's</a:t>
-            </a:r>
-            <a:r>
-              <a:rPr lang="en-US" dirty="0" smtClean="0"/>
-              <a:t>".</a:t>
+              <a:t>The interpretation is always "a sequence of X's".</a:t>
             </a:r>
           </a:p>
           <a:p>
             <a:pPr lvl="1"/>
             <a:r>
-              <a:rPr lang="en-US" b="1" dirty="0" smtClean="0"/>
+              <a:rPr lang="en-US" b="1" dirty="0"/>
               <a:t>empty</a:t>
             </a:r>
             <a:r>
-              <a:rPr lang="en-US" dirty="0" smtClean="0"/>
-              <a:t> </a:t>
-            </a:r>
-            <a:r>
               <a:rPr lang="en-US" dirty="0"/>
-              <a:t>represents a sequence with no </a:t>
-            </a:r>
-            <a:r>
-              <a:rPr lang="en-US" dirty="0" smtClean="0"/>
-              <a:t>elements</a:t>
+              <a:t> represents a sequence with no elements</a:t>
             </a:r>
           </a:p>
           <a:p>
             <a:pPr lvl="1"/>
             <a:r>
-              <a:rPr lang="en-US" b="1" dirty="0" smtClean="0"/>
-              <a:t>(</a:t>
-            </a:r>
-            <a:r>
               <a:rPr lang="en-US" b="1" dirty="0"/>
-              <a:t>cons x </a:t>
+              <a:t>(cons x </a:t>
             </a:r>
             <a:r>
               <a:rPr lang="en-US" b="1" dirty="0" err="1"/>
@@ -7250,13 +6952,8 @@
           <a:p>
             <a:r>
               <a:rPr lang="en-US" dirty="0"/>
-              <a:t>If we had some information that we wanted to represent as a list of X's (say a list of people), we would have to specify the order in which the X's appear (say "in increasing order of height</a:t>
-            </a:r>
-            <a:r>
-              <a:rPr lang="en-US" dirty="0" smtClean="0"/>
-              <a:t>"), or else say “in any order.”</a:t>
-            </a:r>
-            <a:endParaRPr lang="en-US" dirty="0"/>
+              <a:t>If we had some information that we wanted to represent as a list of X's (say a list of people), we would have to specify the order in which the X's appear (say "in increasing order of height"), or else say “in any order.”</a:t>
+            </a:r>
           </a:p>
           <a:p>
             <a:endParaRPr lang="en-US" dirty="0"/>
@@ -7297,13 +6994,6 @@
   <p:clrMapOvr>
     <a:masterClrMapping/>
   </p:clrMapOvr>
-  <p:timing>
-    <p:tnLst>
-      <p:par>
-        <p:cTn id="1" dur="indefinite" restart="never" nodeType="tmRoot"/>
-      </p:par>
-    </p:tnLst>
-  </p:timing>
 </p:sld>
 </file>
 
@@ -7340,10 +7030,9 @@
           <a:lstStyle/>
           <a:p>
             <a:r>
-              <a:rPr lang="en-US" dirty="0" smtClean="0"/>
+              <a:rPr lang="en-US" dirty="0"/>
               <a:t>The General Pattern</a:t>
             </a:r>
-            <a:endParaRPr lang="en-US" dirty="0"/>
           </a:p>
         </p:txBody>
       </p:sp>
@@ -7368,21 +7057,21 @@
               <a:buNone/>
             </a:pPr>
             <a:r>
-              <a:rPr lang="en-US" sz="1900" b="1" dirty="0" smtClean="0">
+              <a:rPr lang="en-US" sz="1900" b="1" dirty="0">
                 <a:latin typeface="Consolas" pitchFamily="49" charset="0"/>
                 <a:cs typeface="Consolas" pitchFamily="49" charset="0"/>
               </a:rPr>
               <a:t>A </a:t>
             </a:r>
             <a:r>
-              <a:rPr lang="en-US" sz="1900" b="1" dirty="0" err="1" smtClean="0">
+              <a:rPr lang="en-US" sz="1900" b="1" dirty="0" err="1">
                 <a:latin typeface="Consolas" pitchFamily="49" charset="0"/>
                 <a:cs typeface="Consolas" pitchFamily="49" charset="0"/>
               </a:rPr>
               <a:t>ListOfX</a:t>
             </a:r>
             <a:r>
-              <a:rPr lang="en-US" sz="1900" b="1" dirty="0" smtClean="0">
+              <a:rPr lang="en-US" sz="1900" b="1" dirty="0">
                 <a:latin typeface="Consolas" pitchFamily="49" charset="0"/>
                 <a:cs typeface="Consolas" pitchFamily="49" charset="0"/>
               </a:rPr>
@@ -7394,7 +7083,7 @@
               <a:buNone/>
             </a:pPr>
             <a:r>
-              <a:rPr lang="en-US" sz="1900" b="1" dirty="0" smtClean="0">
+              <a:rPr lang="en-US" sz="1900" b="1" dirty="0">
                 <a:latin typeface="Consolas" pitchFamily="49" charset="0"/>
                 <a:cs typeface="Consolas" pitchFamily="49" charset="0"/>
               </a:rPr>
@@ -7410,17 +7099,10 @@
                 <a:latin typeface="Consolas" pitchFamily="49" charset="0"/>
                 <a:cs typeface="Consolas" pitchFamily="49" charset="0"/>
               </a:rPr>
-              <a:t> </a:t>
-            </a:r>
-            <a:r>
-              <a:rPr lang="en-US" sz="1900" b="1" dirty="0" smtClean="0">
-                <a:latin typeface="Consolas" pitchFamily="49" charset="0"/>
-                <a:cs typeface="Consolas" pitchFamily="49" charset="0"/>
-              </a:rPr>
-              <a:t>  </a:t>
-            </a:r>
-            <a:r>
-              <a:rPr lang="en-US" sz="1900" b="1" dirty="0" err="1" smtClean="0">
+              <a:t>   </a:t>
+            </a:r>
+            <a:r>
+              <a:rPr lang="en-US" sz="1900" b="1" dirty="0" err="1">
                 <a:solidFill>
                   <a:schemeClr val="accent2">
                     <a:lumMod val="60000"/>
@@ -7432,121 +7114,6 @@
               </a:rPr>
               <a:t>interp</a:t>
             </a:r>
-            <a:r>
-              <a:rPr lang="en-US" sz="1900" b="1" dirty="0" smtClean="0">
-                <a:solidFill>
-                  <a:schemeClr val="accent2">
-                    <a:lumMod val="60000"/>
-                    <a:lumOff val="40000"/>
-                  </a:schemeClr>
-                </a:solidFill>
-                <a:latin typeface="Consolas" pitchFamily="49" charset="0"/>
-                <a:cs typeface="Consolas" pitchFamily="49" charset="0"/>
-              </a:rPr>
-              <a:t>: a sequence of X's with no elements</a:t>
-            </a:r>
-          </a:p>
-          <a:p>
-            <a:pPr>
-              <a:buNone/>
-            </a:pPr>
-            <a:r>
-              <a:rPr lang="en-US" sz="1900" b="1" dirty="0" smtClean="0">
-                <a:latin typeface="Consolas" pitchFamily="49" charset="0"/>
-                <a:cs typeface="Consolas" pitchFamily="49" charset="0"/>
-              </a:rPr>
-              <a:t>-- (cons X </a:t>
-            </a:r>
-            <a:r>
-              <a:rPr lang="en-US" sz="1900" b="1" dirty="0" err="1" smtClean="0">
-                <a:latin typeface="Consolas" pitchFamily="49" charset="0"/>
-                <a:cs typeface="Consolas" pitchFamily="49" charset="0"/>
-              </a:rPr>
-              <a:t>ListOfX</a:t>
-            </a:r>
-            <a:r>
-              <a:rPr lang="en-US" sz="1900" b="1" dirty="0" smtClean="0">
-                <a:latin typeface="Consolas" pitchFamily="49" charset="0"/>
-                <a:cs typeface="Consolas" pitchFamily="49" charset="0"/>
-              </a:rPr>
-              <a:t>)</a:t>
-            </a:r>
-          </a:p>
-          <a:p>
-            <a:pPr>
-              <a:buNone/>
-            </a:pPr>
-            <a:r>
-              <a:rPr lang="en-US" sz="1900" b="1" dirty="0">
-                <a:latin typeface="Consolas" pitchFamily="49" charset="0"/>
-                <a:cs typeface="Consolas" pitchFamily="49" charset="0"/>
-              </a:rPr>
-              <a:t> </a:t>
-            </a:r>
-            <a:r>
-              <a:rPr lang="en-US" sz="1900" b="1" dirty="0" smtClean="0">
-                <a:latin typeface="Consolas" pitchFamily="49" charset="0"/>
-                <a:cs typeface="Consolas" pitchFamily="49" charset="0"/>
-              </a:rPr>
-              <a:t>  </a:t>
-            </a:r>
-            <a:r>
-              <a:rPr lang="en-US" sz="1900" b="1" dirty="0" err="1" smtClean="0">
-                <a:solidFill>
-                  <a:schemeClr val="accent2">
-                    <a:lumMod val="60000"/>
-                    <a:lumOff val="40000"/>
-                  </a:schemeClr>
-                </a:solidFill>
-                <a:latin typeface="Consolas" pitchFamily="49" charset="0"/>
-                <a:cs typeface="Consolas" pitchFamily="49" charset="0"/>
-              </a:rPr>
-              <a:t>interp</a:t>
-            </a:r>
-            <a:r>
-              <a:rPr lang="en-US" sz="1900" b="1" dirty="0" smtClean="0">
-                <a:solidFill>
-                  <a:schemeClr val="accent2">
-                    <a:lumMod val="60000"/>
-                    <a:lumOff val="40000"/>
-                  </a:schemeClr>
-                </a:solidFill>
-                <a:latin typeface="Consolas" pitchFamily="49" charset="0"/>
-                <a:cs typeface="Consolas" pitchFamily="49" charset="0"/>
-              </a:rPr>
-              <a:t>: (cons x </a:t>
-            </a:r>
-            <a:r>
-              <a:rPr lang="en-US" sz="1900" b="1" dirty="0" err="1" smtClean="0">
-                <a:solidFill>
-                  <a:schemeClr val="accent2">
-                    <a:lumMod val="60000"/>
-                    <a:lumOff val="40000"/>
-                  </a:schemeClr>
-                </a:solidFill>
-                <a:latin typeface="Consolas" pitchFamily="49" charset="0"/>
-                <a:cs typeface="Consolas" pitchFamily="49" charset="0"/>
-              </a:rPr>
-              <a:t>lst</a:t>
-            </a:r>
-            <a:r>
-              <a:rPr lang="en-US" sz="1900" b="1" dirty="0" smtClean="0">
-                <a:solidFill>
-                  <a:schemeClr val="accent2">
-                    <a:lumMod val="60000"/>
-                    <a:lumOff val="40000"/>
-                  </a:schemeClr>
-                </a:solidFill>
-                <a:latin typeface="Consolas" pitchFamily="49" charset="0"/>
-                <a:cs typeface="Consolas" pitchFamily="49" charset="0"/>
-              </a:rPr>
-              <a:t>) represents a sequence of X's</a:t>
-            </a:r>
-          </a:p>
-          <a:p>
-            <a:pPr>
-              <a:buNone/>
-            </a:pPr>
             <a:r>
               <a:rPr lang="en-US" sz="1900" b="1" dirty="0">
                 <a:solidFill>
@@ -7558,10 +7125,48 @@
                 <a:latin typeface="Consolas" pitchFamily="49" charset="0"/>
                 <a:cs typeface="Consolas" pitchFamily="49" charset="0"/>
               </a:rPr>
-              <a:t> </a:t>
-            </a:r>
-            <a:r>
-              <a:rPr lang="en-US" sz="1900" b="1" dirty="0" smtClean="0">
+              <a:t>: a sequence of X's with no elements</a:t>
+            </a:r>
+          </a:p>
+          <a:p>
+            <a:pPr>
+              <a:buNone/>
+            </a:pPr>
+            <a:r>
+              <a:rPr lang="en-US" sz="1900" b="1" dirty="0">
+                <a:latin typeface="Consolas" pitchFamily="49" charset="0"/>
+                <a:cs typeface="Consolas" pitchFamily="49" charset="0"/>
+              </a:rPr>
+              <a:t>-- (cons X </a:t>
+            </a:r>
+            <a:r>
+              <a:rPr lang="en-US" sz="1900" b="1" dirty="0" err="1">
+                <a:latin typeface="Consolas" pitchFamily="49" charset="0"/>
+                <a:cs typeface="Consolas" pitchFamily="49" charset="0"/>
+              </a:rPr>
+              <a:t>ListOfX</a:t>
+            </a:r>
+            <a:r>
+              <a:rPr lang="en-US" sz="1900" b="1" dirty="0">
+                <a:latin typeface="Consolas" pitchFamily="49" charset="0"/>
+                <a:cs typeface="Consolas" pitchFamily="49" charset="0"/>
+              </a:rPr>
+              <a:t>)</a:t>
+            </a:r>
+          </a:p>
+          <a:p>
+            <a:pPr>
+              <a:buNone/>
+            </a:pPr>
+            <a:r>
+              <a:rPr lang="en-US" sz="1900" b="1" dirty="0">
+                <a:latin typeface="Consolas" pitchFamily="49" charset="0"/>
+                <a:cs typeface="Consolas" pitchFamily="49" charset="0"/>
+              </a:rPr>
+              <a:t>   </a:t>
+            </a:r>
+            <a:r>
+              <a:rPr lang="en-US" sz="1900" b="1" dirty="0" err="1">
                 <a:solidFill>
                   <a:schemeClr val="accent2">
                     <a:lumMod val="60000"/>
@@ -7571,13 +7176,8 @@
                 <a:latin typeface="Consolas" pitchFamily="49" charset="0"/>
                 <a:cs typeface="Consolas" pitchFamily="49" charset="0"/>
               </a:rPr>
-              <a:t>  whose first element is x and whose</a:t>
-            </a:r>
-          </a:p>
-          <a:p>
-            <a:pPr>
-              <a:buNone/>
-            </a:pPr>
+              <a:t>interp</a:t>
+            </a:r>
             <a:r>
               <a:rPr lang="en-US" sz="1900" b="1" dirty="0">
                 <a:solidFill>
@@ -7589,10 +7189,10 @@
                 <a:latin typeface="Consolas" pitchFamily="49" charset="0"/>
                 <a:cs typeface="Consolas" pitchFamily="49" charset="0"/>
               </a:rPr>
-              <a:t> </a:t>
-            </a:r>
-            <a:r>
-              <a:rPr lang="en-US" sz="1900" b="1" dirty="0" smtClean="0">
+              <a:t>: (cons x </a:t>
+            </a:r>
+            <a:r>
+              <a:rPr lang="en-US" sz="1900" b="1" dirty="0" err="1">
                 <a:solidFill>
                   <a:schemeClr val="accent2">
                     <a:lumMod val="60000"/>
@@ -7602,10 +7202,10 @@
                 <a:latin typeface="Consolas" pitchFamily="49" charset="0"/>
                 <a:cs typeface="Consolas" pitchFamily="49" charset="0"/>
               </a:rPr>
-              <a:t>  other elements are represented by </a:t>
-            </a:r>
-            <a:r>
-              <a:rPr lang="en-US" sz="1900" b="1" dirty="0" err="1" smtClean="0">
+              <a:t>lst</a:t>
+            </a:r>
+            <a:r>
+              <a:rPr lang="en-US" sz="1900" b="1" dirty="0">
                 <a:solidFill>
                   <a:schemeClr val="accent2">
                     <a:lumMod val="60000"/>
@@ -7615,10 +7215,15 @@
                 <a:latin typeface="Consolas" pitchFamily="49" charset="0"/>
                 <a:cs typeface="Consolas" pitchFamily="49" charset="0"/>
               </a:rPr>
-              <a:t>lst</a:t>
-            </a:r>
-            <a:r>
-              <a:rPr lang="en-US" sz="1900" b="1" dirty="0" smtClean="0">
+              <a:t>) represents a sequence of X's</a:t>
+            </a:r>
+          </a:p>
+          <a:p>
+            <a:pPr>
+              <a:buNone/>
+            </a:pPr>
+            <a:r>
+              <a:rPr lang="en-US" sz="1900" b="1" dirty="0">
                 <a:solidFill>
                   <a:schemeClr val="accent2">
                     <a:lumMod val="60000"/>
@@ -7628,14 +7233,58 @@
                 <a:latin typeface="Consolas" pitchFamily="49" charset="0"/>
                 <a:cs typeface="Consolas" pitchFamily="49" charset="0"/>
               </a:rPr>
-              <a:t>.</a:t>
+              <a:t>   whose first element is x and whose</a:t>
             </a:r>
           </a:p>
           <a:p>
             <a:pPr>
               <a:buNone/>
             </a:pPr>
-            <a:endParaRPr lang="en-US" b="1" dirty="0" smtClean="0">
+            <a:r>
+              <a:rPr lang="en-US" sz="1900" b="1" dirty="0">
+                <a:solidFill>
+                  <a:schemeClr val="accent2">
+                    <a:lumMod val="60000"/>
+                    <a:lumOff val="40000"/>
+                  </a:schemeClr>
+                </a:solidFill>
+                <a:latin typeface="Consolas" pitchFamily="49" charset="0"/>
+                <a:cs typeface="Consolas" pitchFamily="49" charset="0"/>
+              </a:rPr>
+              <a:t>   other elements are represented by </a:t>
+            </a:r>
+            <a:r>
+              <a:rPr lang="en-US" sz="1900" b="1" dirty="0" err="1">
+                <a:solidFill>
+                  <a:schemeClr val="accent2">
+                    <a:lumMod val="60000"/>
+                    <a:lumOff val="40000"/>
+                  </a:schemeClr>
+                </a:solidFill>
+                <a:latin typeface="Consolas" pitchFamily="49" charset="0"/>
+                <a:cs typeface="Consolas" pitchFamily="49" charset="0"/>
+              </a:rPr>
+              <a:t>lst</a:t>
+            </a:r>
+            <a:r>
+              <a:rPr lang="en-US" sz="1900" b="1" dirty="0">
+                <a:solidFill>
+                  <a:schemeClr val="accent2">
+                    <a:lumMod val="60000"/>
+                    <a:lumOff val="40000"/>
+                  </a:schemeClr>
+                </a:solidFill>
+                <a:latin typeface="Consolas" pitchFamily="49" charset="0"/>
+                <a:cs typeface="Consolas" pitchFamily="49" charset="0"/>
+              </a:rPr>
+              <a:t>.</a:t>
+            </a:r>
+          </a:p>
+          <a:p>
+            <a:pPr>
+              <a:buNone/>
+            </a:pPr>
+            <a:endParaRPr lang="en-US" b="1" dirty="0">
               <a:latin typeface="Consolas" pitchFamily="49" charset="0"/>
               <a:cs typeface="Consolas" pitchFamily="49" charset="0"/>
             </a:endParaRPr>
@@ -7676,13 +7325,6 @@
   <p:clrMapOvr>
     <a:masterClrMapping/>
   </p:clrMapOvr>
-  <p:timing>
-    <p:tnLst>
-      <p:par>
-        <p:cTn id="1" dur="indefinite" restart="never" nodeType="tmRoot"/>
-      </p:par>
-    </p:tnLst>
-  </p:timing>
 </p:sld>
 </file>
 
@@ -7719,10 +7361,9 @@
           <a:lstStyle/>
           <a:p>
             <a:r>
-              <a:rPr lang="en-US" dirty="0" smtClean="0"/>
+              <a:rPr lang="en-US" dirty="0"/>
               <a:t>List Notation</a:t>
             </a:r>
-            <a:endParaRPr lang="en-US" dirty="0"/>
           </a:p>
         </p:txBody>
       </p:sp>
@@ -7747,16 +7388,11 @@
               <a:rPr lang="en-US" dirty="0"/>
               <a:t>There are several ways to write down lists.  </a:t>
             </a:r>
-            <a:endParaRPr lang="en-US" dirty="0" smtClean="0"/>
-          </a:p>
-          <a:p>
-            <a:r>
-              <a:rPr lang="en-US" dirty="0" smtClean="0"/>
-              <a:t>We've </a:t>
-            </a:r>
+          </a:p>
+          <a:p>
             <a:r>
               <a:rPr lang="en-US" dirty="0"/>
-              <a:t>been using the </a:t>
+              <a:t>We've been using the </a:t>
             </a:r>
             <a:r>
               <a:rPr lang="en-US" i="1" dirty="0"/>
@@ -7764,21 +7400,13 @@
             </a:r>
             <a:r>
               <a:rPr lang="en-US" dirty="0"/>
-              <a:t>, since that is the most important one for use in data definitions</a:t>
-            </a:r>
-            <a:r>
-              <a:rPr lang="en-US" dirty="0" smtClean="0"/>
-              <a:t>.</a:t>
-            </a:r>
-          </a:p>
-          <a:p>
-            <a:r>
-              <a:rPr lang="en-US" dirty="0" smtClean="0"/>
-              <a:t>The </a:t>
-            </a:r>
+              <a:t>, since that is the most important one for use in data definitions.</a:t>
+            </a:r>
+          </a:p>
+          <a:p>
             <a:r>
               <a:rPr lang="en-US" dirty="0"/>
-              <a:t>second most important notation we will use is </a:t>
+              <a:t>The second most important notation we will use is </a:t>
             </a:r>
             <a:r>
               <a:rPr lang="en-US" i="1" dirty="0"/>
@@ -7794,18 +7422,16 @@
               <a:rPr lang="en-US" dirty="0"/>
               <a:t>Internally, lists are represented as singly-linked lists. </a:t>
             </a:r>
-            <a:endParaRPr lang="en-US" dirty="0" smtClean="0"/>
-          </a:p>
-          <a:p>
-            <a:r>
-              <a:rPr lang="en-US" dirty="0" smtClean="0"/>
+          </a:p>
+          <a:p>
+            <a:r>
+              <a:rPr lang="en-US" dirty="0"/>
               <a:t>On output, lists may be notated in </a:t>
             </a:r>
             <a:r>
-              <a:rPr lang="en-US" i="1" dirty="0" smtClean="0"/>
+              <a:rPr lang="en-US" i="1" dirty="0"/>
               <a:t>write notation.</a:t>
             </a:r>
-            <a:endParaRPr lang="en-US" i="1" dirty="0"/>
           </a:p>
           <a:p>
             <a:endParaRPr lang="en-US" dirty="0"/>
@@ -7846,13 +7472,6 @@
   <p:clrMapOvr>
     <a:masterClrMapping/>
   </p:clrMapOvr>
-  <p:timing>
-    <p:tnLst>
-      <p:par>
-        <p:cTn id="1" dur="indefinite" restart="never" nodeType="tmRoot"/>
-      </p:par>
-    </p:tnLst>
-  </p:timing>
 </p:sld>
 </file>
 
@@ -7889,10 +7508,9 @@
           <a:lstStyle/>
           <a:p>
             <a:r>
-              <a:rPr lang="en-US" dirty="0" smtClean="0"/>
+              <a:rPr lang="en-US" dirty="0"/>
               <a:t>Examples of List Notation</a:t>
             </a:r>
-            <a:endParaRPr lang="en-US" dirty="0"/>
           </a:p>
         </p:txBody>
       </p:sp>
@@ -8451,7 +8069,7 @@
               <a:lstStyle/>
               <a:p>
                 <a:r>
-                  <a:rPr lang="en-US" sz="2400" b="1" dirty="0" smtClean="0">
+                  <a:rPr lang="en-US" sz="2400" b="1" dirty="0">
                     <a:latin typeface="Consolas" pitchFamily="49" charset="0"/>
                     <a:cs typeface="Consolas" pitchFamily="49" charset="0"/>
                   </a:rPr>
@@ -8496,7 +8114,7 @@
               <a:lstStyle/>
               <a:p>
                 <a:r>
-                  <a:rPr lang="en-US" sz="2400" b="1" dirty="0" smtClean="0">
+                  <a:rPr lang="en-US" sz="2400" b="1" dirty="0">
                     <a:latin typeface="Consolas" pitchFamily="49" charset="0"/>
                     <a:cs typeface="Consolas" pitchFamily="49" charset="0"/>
                   </a:rPr>
@@ -8541,7 +8159,7 @@
               <a:lstStyle/>
               <a:p>
                 <a:r>
-                  <a:rPr lang="en-US" sz="2400" b="1" dirty="0" smtClean="0">
+                  <a:rPr lang="en-US" sz="2400" b="1" dirty="0">
                     <a:latin typeface="Consolas" pitchFamily="49" charset="0"/>
                     <a:cs typeface="Consolas" pitchFamily="49" charset="0"/>
                   </a:rPr>
@@ -8587,16 +8205,6 @@
             <a:lstStyle/>
             <a:p>
               <a:r>
-                <a:rPr lang="en-US" sz="2800" dirty="0" smtClean="0">
-                  <a:solidFill>
-                    <a:srgbClr val="993300"/>
-                  </a:solidFill>
-                  <a:latin typeface="Calibri" pitchFamily="34" charset="0"/>
-                  <a:cs typeface="Calibri" pitchFamily="34" charset="0"/>
-                </a:rPr>
-                <a:t>Internal </a:t>
-              </a:r>
-              <a:r>
                 <a:rPr lang="en-US" sz="2800" dirty="0">
                   <a:solidFill>
                     <a:srgbClr val="993300"/>
@@ -8604,7 +8212,7 @@
                   <a:latin typeface="Calibri" pitchFamily="34" charset="0"/>
                   <a:cs typeface="Calibri" pitchFamily="34" charset="0"/>
                 </a:rPr>
-                <a:t>representation:</a:t>
+                <a:t>Internal representation:</a:t>
               </a:r>
             </a:p>
           </p:txBody>
@@ -8656,16 +8264,12 @@
             <a:lstStyle/>
             <a:p>
               <a:r>
-                <a:rPr lang="en-US" sz="2400" b="1" i="0" dirty="0" smtClean="0">
+                <a:rPr lang="en-US" sz="2400" b="1" i="0" dirty="0">
                   <a:latin typeface="Consolas" pitchFamily="49" charset="0"/>
                   <a:cs typeface="Consolas" pitchFamily="49" charset="0"/>
                 </a:rPr>
                 <a:t>(list 11 22 33)</a:t>
               </a:r>
-              <a:endParaRPr lang="en-US" sz="2400" b="1" i="0" dirty="0">
-                <a:latin typeface="Consolas" pitchFamily="49" charset="0"/>
-                <a:cs typeface="Consolas" pitchFamily="49" charset="0"/>
-              </a:endParaRPr>
             </a:p>
           </p:txBody>
         </p:sp>
@@ -8701,18 +8305,13 @@
             <a:lstStyle/>
             <a:p>
               <a:r>
-                <a:rPr lang="en-US" sz="2800" dirty="0" smtClean="0">
+                <a:rPr lang="en-US" sz="2800" dirty="0">
                   <a:solidFill>
                     <a:srgbClr val="993300"/>
                   </a:solidFill>
                 </a:rPr>
                 <a:t>List notation:</a:t>
               </a:r>
-              <a:endParaRPr lang="en-US" sz="2800" dirty="0">
-                <a:solidFill>
-                  <a:srgbClr val="993300"/>
-                </a:solidFill>
-              </a:endParaRPr>
             </a:p>
           </p:txBody>
         </p:sp>
@@ -8763,7 +8362,7 @@
             <a:lstStyle/>
             <a:p>
               <a:r>
-                <a:rPr lang="en-US" sz="2400" b="1" i="0" dirty="0" smtClean="0">
+                <a:rPr lang="en-US" sz="2400" b="1" i="0" dirty="0">
                   <a:latin typeface="Consolas" pitchFamily="49" charset="0"/>
                   <a:cs typeface="Consolas" pitchFamily="49" charset="0"/>
                 </a:rPr>
@@ -8772,7 +8371,7 @@
             </a:p>
             <a:p>
               <a:r>
-                <a:rPr lang="en-US" sz="2400" b="1" dirty="0" smtClean="0">
+                <a:rPr lang="en-US" sz="2400" b="1" dirty="0">
                   <a:latin typeface="Consolas" pitchFamily="49" charset="0"/>
                   <a:cs typeface="Consolas" pitchFamily="49" charset="0"/>
                 </a:rPr>
@@ -8781,7 +8380,7 @@
             </a:p>
             <a:p>
               <a:r>
-                <a:rPr lang="en-US" sz="2400" b="1" i="0" dirty="0" smtClean="0">
+                <a:rPr lang="en-US" sz="2400" b="1" i="0" dirty="0">
                   <a:latin typeface="Consolas" pitchFamily="49" charset="0"/>
                   <a:cs typeface="Consolas" pitchFamily="49" charset="0"/>
                 </a:rPr>
@@ -8790,23 +8389,19 @@
             </a:p>
             <a:p>
               <a:r>
-                <a:rPr lang="en-US" sz="2400" b="1" dirty="0" smtClean="0">
+                <a:rPr lang="en-US" sz="2400" b="1" dirty="0">
                   <a:latin typeface="Consolas" pitchFamily="49" charset="0"/>
                   <a:cs typeface="Consolas" pitchFamily="49" charset="0"/>
                 </a:rPr>
                 <a:t>          </a:t>
               </a:r>
               <a:r>
-                <a:rPr lang="en-US" sz="2400" b="1" i="0" dirty="0" smtClean="0">
+                <a:rPr lang="en-US" sz="2400" b="1" i="0" dirty="0">
                   <a:latin typeface="Consolas" pitchFamily="49" charset="0"/>
                   <a:cs typeface="Consolas" pitchFamily="49" charset="0"/>
                 </a:rPr>
                 <a:t> empty))))</a:t>
               </a:r>
-              <a:endParaRPr lang="en-US" sz="2400" b="1" i="0" dirty="0">
-                <a:latin typeface="Consolas" pitchFamily="49" charset="0"/>
-                <a:cs typeface="Consolas" pitchFamily="49" charset="0"/>
-              </a:endParaRPr>
             </a:p>
           </p:txBody>
         </p:sp>
@@ -8842,18 +8437,13 @@
             <a:lstStyle/>
             <a:p>
               <a:r>
-                <a:rPr lang="en-US" sz="2800" dirty="0" smtClean="0">
+                <a:rPr lang="en-US" sz="2800" dirty="0">
                   <a:solidFill>
                     <a:srgbClr val="993300"/>
                   </a:solidFill>
                 </a:rPr>
                 <a:t>Constructor notation:</a:t>
               </a:r>
-              <a:endParaRPr lang="en-US" sz="2800" dirty="0">
-                <a:solidFill>
-                  <a:srgbClr val="993300"/>
-                </a:solidFill>
-              </a:endParaRPr>
             </a:p>
           </p:txBody>
         </p:sp>
@@ -8904,16 +8494,12 @@
             <a:lstStyle/>
             <a:p>
               <a:r>
-                <a:rPr lang="en-US" sz="2400" b="1" i="0" dirty="0" smtClean="0">
+                <a:rPr lang="en-US" sz="2400" b="1" i="0" dirty="0">
                   <a:latin typeface="Consolas" pitchFamily="49" charset="0"/>
                   <a:cs typeface="Consolas" pitchFamily="49" charset="0"/>
                 </a:rPr>
                 <a:t>(11 22 33)</a:t>
               </a:r>
-              <a:endParaRPr lang="en-US" sz="2400" b="1" i="0" dirty="0">
-                <a:latin typeface="Consolas" pitchFamily="49" charset="0"/>
-                <a:cs typeface="Consolas" pitchFamily="49" charset="0"/>
-              </a:endParaRPr>
             </a:p>
           </p:txBody>
         </p:sp>
@@ -8950,7 +8536,7 @@
             <a:p>
               <a:pPr algn="r"/>
               <a:r>
-                <a:rPr lang="en-US" sz="2800" b="1" dirty="0" smtClean="0">
+                <a:rPr lang="en-US" sz="2800" b="1" dirty="0">
                   <a:solidFill>
                     <a:srgbClr val="993300"/>
                   </a:solidFill>
@@ -8960,7 +8546,7 @@
                 <a:t>write</a:t>
               </a:r>
               <a:r>
-                <a:rPr lang="en-US" sz="2800" dirty="0" smtClean="0">
+                <a:rPr lang="en-US" sz="2800" dirty="0">
                   <a:solidFill>
                     <a:srgbClr val="993300"/>
                   </a:solidFill>
@@ -8969,13 +8555,6 @@
                 </a:rPr>
                 <a:t>-style (output only):</a:t>
               </a:r>
-              <a:endParaRPr lang="en-US" sz="2800" dirty="0">
-                <a:solidFill>
-                  <a:srgbClr val="993300"/>
-                </a:solidFill>
-                <a:latin typeface="Calibri" pitchFamily="34" charset="0"/>
-                <a:cs typeface="Calibri" pitchFamily="34" charset="0"/>
-              </a:endParaRPr>
             </a:p>
           </p:txBody>
         </p:sp>
@@ -8990,13 +8569,6 @@
   <p:clrMapOvr>
     <a:masterClrMapping/>
   </p:clrMapOvr>
-  <p:timing>
-    <p:tnLst>
-      <p:par>
-        <p:cTn id="1" dur="indefinite" restart="never" nodeType="tmRoot"/>
-      </p:par>
-    </p:tnLst>
-  </p:timing>
 </p:sld>
 </file>
 
@@ -9033,20 +8605,16 @@
           <a:lstStyle/>
           <a:p>
             <a:r>
-              <a:rPr lang="en-US" dirty="0" smtClean="0"/>
+              <a:rPr lang="en-US" dirty="0"/>
               <a:t>Implementation of </a:t>
             </a:r>
             <a:r>
-              <a:rPr lang="en-US" b="1" dirty="0" smtClean="0">
+              <a:rPr lang="en-US" b="1" dirty="0">
                 <a:latin typeface="Consolas" pitchFamily="49" charset="0"/>
                 <a:cs typeface="Consolas" pitchFamily="49" charset="0"/>
               </a:rPr>
               <a:t>cons</a:t>
             </a:r>
-            <a:endParaRPr lang="en-US" b="1" dirty="0">
-              <a:latin typeface="Consolas" pitchFamily="49" charset="0"/>
-              <a:cs typeface="Consolas" pitchFamily="49" charset="0"/>
-            </a:endParaRPr>
           </a:p>
         </p:txBody>
       </p:sp>
@@ -9436,7 +9004,7 @@
             <a:lstStyle/>
             <a:p>
               <a:r>
-                <a:rPr lang="en-US" sz="2400" b="1" dirty="0" smtClean="0">
+                <a:rPr lang="en-US" sz="2400" b="1" dirty="0">
                   <a:latin typeface="Consolas" pitchFamily="49" charset="0"/>
                   <a:cs typeface="Consolas" pitchFamily="49" charset="0"/>
                 </a:rPr>
@@ -9481,7 +9049,7 @@
             <a:lstStyle/>
             <a:p>
               <a:r>
-                <a:rPr lang="en-US" sz="2400" b="1" dirty="0" smtClean="0">
+                <a:rPr lang="en-US" sz="2400" b="1" dirty="0">
                   <a:latin typeface="Consolas" pitchFamily="49" charset="0"/>
                   <a:cs typeface="Consolas" pitchFamily="49" charset="0"/>
                 </a:rPr>
@@ -9627,7 +9195,7 @@
             <a:lstStyle/>
             <a:p>
               <a:r>
-                <a:rPr lang="en-US" sz="2400" b="1" dirty="0" smtClean="0">
+                <a:rPr lang="en-US" sz="2400" b="1" dirty="0">
                   <a:latin typeface="Consolas" pitchFamily="49" charset="0"/>
                   <a:cs typeface="Consolas" pitchFamily="49" charset="0"/>
                 </a:rPr>
@@ -9852,17 +9420,7 @@
                     <a:latin typeface="Consolas" pitchFamily="49" charset="0"/>
                     <a:cs typeface="Consolas" pitchFamily="49" charset="0"/>
                   </a:rPr>
-                  <a:t>(cons </a:t>
-                </a:r>
-                <a:r>
-                  <a:rPr lang="en-US" sz="2400" b="1" i="0" dirty="0" smtClean="0">
-                    <a:solidFill>
-                      <a:srgbClr val="993300"/>
-                    </a:solidFill>
-                    <a:latin typeface="Consolas" pitchFamily="49" charset="0"/>
-                    <a:cs typeface="Consolas" pitchFamily="49" charset="0"/>
-                  </a:rPr>
-                  <a:t>11 </a:t>
+                  <a:t>(cons 11 </a:t>
                 </a:r>
                 <a:r>
                   <a:rPr lang="en-US" sz="2400" b="1" i="0" dirty="0" err="1">
@@ -9991,33 +9549,22 @@
                 <a:latin typeface="Consolas" pitchFamily="49" charset="0"/>
                 <a:cs typeface="Consolas" pitchFamily="49" charset="0"/>
               </a:rPr>
-              <a:t>  </a:t>
-            </a:r>
-            <a:r>
-              <a:rPr lang="en-US" sz="2400" b="1" i="0" dirty="0" smtClean="0">
+              <a:t>       </a:t>
+            </a:r>
+            <a:r>
+              <a:rPr lang="en-US" sz="2400" b="1" i="0" dirty="0" err="1">
                 <a:latin typeface="Consolas" pitchFamily="49" charset="0"/>
                 <a:cs typeface="Consolas" pitchFamily="49" charset="0"/>
               </a:rPr>
-              <a:t>     </a:t>
-            </a:r>
-            <a:r>
-              <a:rPr lang="en-US" sz="2400" b="1" i="0" dirty="0" err="1" smtClean="0">
+              <a:t>lst</a:t>
+            </a:r>
+            <a:r>
+              <a:rPr lang="en-US" sz="2400" b="1" i="0" dirty="0">
                 <a:latin typeface="Consolas" pitchFamily="49" charset="0"/>
                 <a:cs typeface="Consolas" pitchFamily="49" charset="0"/>
               </a:rPr>
-              <a:t>lst</a:t>
-            </a:r>
-            <a:r>
-              <a:rPr lang="en-US" sz="2400" b="1" i="0" dirty="0" smtClean="0">
-                <a:latin typeface="Consolas" pitchFamily="49" charset="0"/>
-                <a:cs typeface="Consolas" pitchFamily="49" charset="0"/>
-              </a:rPr>
               <a:t>  =    (list 22 33)</a:t>
             </a:r>
-            <a:endParaRPr lang="en-US" sz="2400" b="1" i="0" dirty="0">
-              <a:latin typeface="Consolas" pitchFamily="49" charset="0"/>
-              <a:cs typeface="Consolas" pitchFamily="49" charset="0"/>
-            </a:endParaRPr>
           </a:p>
         </p:txBody>
       </p:sp>
@@ -10057,14 +9604,7 @@
                 <a:latin typeface="Consolas" pitchFamily="49" charset="0"/>
                 <a:cs typeface="Consolas" pitchFamily="49" charset="0"/>
               </a:rPr>
-              <a:t>(cons </a:t>
-            </a:r>
-            <a:r>
-              <a:rPr lang="en-US" sz="2400" b="1" i="0" dirty="0" smtClean="0">
-                <a:latin typeface="Consolas" pitchFamily="49" charset="0"/>
-                <a:cs typeface="Consolas" pitchFamily="49" charset="0"/>
-              </a:rPr>
-              <a:t>11 </a:t>
+              <a:t>(cons 11 </a:t>
             </a:r>
             <a:r>
               <a:rPr lang="en-US" sz="2400" b="1" i="0" dirty="0" err="1">
@@ -10078,19 +9618,8 @@
                 <a:latin typeface="Consolas" pitchFamily="49" charset="0"/>
                 <a:cs typeface="Consolas" pitchFamily="49" charset="0"/>
               </a:rPr>
-              <a:t>) = </a:t>
-            </a:r>
-            <a:r>
-              <a:rPr lang="en-US" sz="2400" b="1" i="0" dirty="0" smtClean="0">
-                <a:latin typeface="Consolas" pitchFamily="49" charset="0"/>
-                <a:cs typeface="Consolas" pitchFamily="49" charset="0"/>
-              </a:rPr>
-              <a:t>(list 11 22 33)</a:t>
-            </a:r>
-            <a:endParaRPr lang="en-US" sz="2400" b="1" i="0" dirty="0">
-              <a:latin typeface="Consolas" pitchFamily="49" charset="0"/>
-              <a:cs typeface="Consolas" pitchFamily="49" charset="0"/>
-            </a:endParaRPr>
+              <a:t>) = (list 11 22 33)</a:t>
+            </a:r>
           </a:p>
         </p:txBody>
       </p:sp>
@@ -10437,10 +9966,9 @@
           <a:lstStyle/>
           <a:p>
             <a:r>
-              <a:rPr lang="en-US" dirty="0" smtClean="0"/>
+              <a:rPr lang="en-US" dirty="0"/>
               <a:t>How to represent info of arbitrary size?</a:t>
             </a:r>
-            <a:endParaRPr lang="en-US" dirty="0"/>
           </a:p>
         </p:txBody>
       </p:sp>
@@ -10462,60 +9990,55 @@
           <a:lstStyle/>
           <a:p>
             <a:r>
-              <a:rPr lang="en-US" dirty="0" smtClean="0"/>
+              <a:rPr lang="en-US" dirty="0"/>
               <a:t>a phone book with many listings</a:t>
             </a:r>
           </a:p>
           <a:p>
             <a:r>
-              <a:rPr lang="en-US" dirty="0" smtClean="0"/>
+              <a:rPr lang="en-US" dirty="0"/>
               <a:t>a space-invaders game with many invaders</a:t>
             </a:r>
           </a:p>
           <a:p>
             <a:r>
-              <a:rPr lang="en-US" dirty="0" smtClean="0"/>
+              <a:rPr lang="en-US" dirty="0"/>
               <a:t>a presentation with many slides</a:t>
             </a:r>
           </a:p>
           <a:p>
-            <a:endParaRPr lang="en-US" dirty="0" smtClean="0"/>
-          </a:p>
-          <a:p>
-            <a:r>
-              <a:rPr lang="en-US" dirty="0" smtClean="0"/>
+            <a:endParaRPr lang="en-US" dirty="0"/>
+          </a:p>
+          <a:p>
+            <a:r>
+              <a:rPr lang="en-US" dirty="0"/>
               <a:t>Each of these can be represented as a sequence of information items.</a:t>
-            </a:r>
-            <a:endParaRPr lang="en-US" i="1" dirty="0" smtClean="0">
-              <a:solidFill>
-                <a:srgbClr val="FF0000"/>
-              </a:solidFill>
-            </a:endParaRPr>
-          </a:p>
-          <a:p>
-            <a:r>
-              <a:rPr lang="en-US" dirty="0" smtClean="0"/>
-              <a:t>There may be better ways for some of these, but we will start with sequences</a:t>
-            </a:r>
-          </a:p>
-          <a:p>
-            <a:r>
-              <a:rPr lang="en-US" dirty="0" smtClean="0"/>
-              <a:t>This is our first example of </a:t>
-            </a:r>
-            <a:r>
-              <a:rPr lang="en-US" i="1" dirty="0" smtClean="0">
-                <a:solidFill>
-                  <a:srgbClr val="FF0000"/>
-                </a:solidFill>
-              </a:rPr>
-              <a:t>recursive data</a:t>
             </a:r>
             <a:endParaRPr lang="en-US" i="1" dirty="0">
               <a:solidFill>
                 <a:srgbClr val="FF0000"/>
               </a:solidFill>
             </a:endParaRPr>
+          </a:p>
+          <a:p>
+            <a:r>
+              <a:rPr lang="en-US" dirty="0"/>
+              <a:t>There may be better ways for some of these, but we will start with sequences</a:t>
+            </a:r>
+          </a:p>
+          <a:p>
+            <a:r>
+              <a:rPr lang="en-US" dirty="0"/>
+              <a:t>This is our first example of </a:t>
+            </a:r>
+            <a:r>
+              <a:rPr lang="en-US" i="1" dirty="0">
+                <a:solidFill>
+                  <a:srgbClr val="FF0000"/>
+                </a:solidFill>
+              </a:rPr>
+              <a:t>recursive data</a:t>
+            </a:r>
           </a:p>
         </p:txBody>
       </p:sp>
@@ -10553,13 +10076,6 @@
   <p:clrMapOvr>
     <a:masterClrMapping/>
   </p:clrMapOvr>
-  <p:timing>
-    <p:tnLst>
-      <p:par>
-        <p:cTn id="1" dur="indefinite" restart="never" nodeType="tmRoot"/>
-      </p:par>
-    </p:tnLst>
-  </p:timing>
 </p:sld>
 </file>
 
@@ -10596,10 +10112,9 @@
           <a:lstStyle/>
           <a:p>
             <a:r>
-              <a:rPr lang="en-US" dirty="0" smtClean="0"/>
+              <a:rPr lang="en-US" dirty="0"/>
               <a:t>Operations on Lists</a:t>
             </a:r>
-            <a:endParaRPr lang="en-US" dirty="0"/>
           </a:p>
         </p:txBody>
       </p:sp>
@@ -10622,28 +10137,28 @@
               <a:buNone/>
             </a:pPr>
             <a:r>
-              <a:rPr lang="en-US" b="1" dirty="0" smtClean="0">
+              <a:rPr lang="en-US" b="1" dirty="0">
                 <a:latin typeface="Consolas" pitchFamily="49" charset="0"/>
                 <a:cs typeface="Consolas" pitchFamily="49" charset="0"/>
               </a:rPr>
               <a:t>empty?</a:t>
             </a:r>
             <a:r>
-              <a:rPr lang="en-US" b="1" dirty="0" smtClean="0">
+              <a:rPr lang="en-US" b="1" dirty="0">
                 <a:latin typeface="Courier New" pitchFamily="49" charset="0"/>
                 <a:cs typeface="Courier New" pitchFamily="49" charset="0"/>
               </a:rPr>
               <a:t> : </a:t>
             </a:r>
             <a:r>
-              <a:rPr lang="en-US" b="1" dirty="0" err="1" smtClean="0">
+              <a:rPr lang="en-US" b="1" dirty="0" err="1">
                 <a:latin typeface="Consolas" pitchFamily="49" charset="0"/>
                 <a:cs typeface="Consolas" pitchFamily="49" charset="0"/>
               </a:rPr>
               <a:t>ListOfX</a:t>
             </a:r>
             <a:r>
-              <a:rPr lang="en-US" b="1" dirty="0" smtClean="0">
+              <a:rPr lang="en-US" b="1" dirty="0">
                 <a:latin typeface="Consolas" pitchFamily="49" charset="0"/>
                 <a:cs typeface="Consolas" pitchFamily="49" charset="0"/>
               </a:rPr>
@@ -10655,21 +10170,21 @@
               <a:buNone/>
             </a:pPr>
             <a:r>
-              <a:rPr lang="en-US" b="1" dirty="0" smtClean="0">
+              <a:rPr lang="en-US" b="1" dirty="0">
                 <a:latin typeface="Consolas" pitchFamily="49" charset="0"/>
                 <a:cs typeface="Consolas" pitchFamily="49" charset="0"/>
               </a:rPr>
               <a:t>Given a list, returns true </a:t>
             </a:r>
             <a:r>
-              <a:rPr lang="en-US" b="1" dirty="0" err="1" smtClean="0">
+              <a:rPr lang="en-US" b="1" dirty="0" err="1">
                 <a:latin typeface="Consolas" pitchFamily="49" charset="0"/>
                 <a:cs typeface="Consolas" pitchFamily="49" charset="0"/>
               </a:rPr>
               <a:t>iff</a:t>
             </a:r>
             <a:r>
-              <a:rPr lang="en-US" b="1" dirty="0" smtClean="0">
+              <a:rPr lang="en-US" b="1" dirty="0">
                 <a:latin typeface="Consolas" pitchFamily="49" charset="0"/>
                 <a:cs typeface="Consolas" pitchFamily="49" charset="0"/>
               </a:rPr>
@@ -10680,7 +10195,7 @@
             <a:pPr marL="57150" indent="0">
               <a:buNone/>
             </a:pPr>
-            <a:endParaRPr lang="en-US" b="1" dirty="0" smtClean="0">
+            <a:endParaRPr lang="en-US" b="1" dirty="0">
               <a:latin typeface="Consolas" pitchFamily="49" charset="0"/>
               <a:cs typeface="Consolas" pitchFamily="49" charset="0"/>
             </a:endParaRPr>
@@ -10765,58 +10280,50 @@
                   <a:schemeClr val="tx1"/>
                 </a:solidFill>
               </a:rPr>
-              <a:t>Racket provides 3 functions for inspecting lists and taking them apart.  </a:t>
-            </a:r>
-            <a:r>
-              <a:rPr lang="en-US" dirty="0" smtClean="0">
+              <a:t>Racket provides 3 functions for inspecting lists and taking them apart.  These are </a:t>
+            </a:r>
+            <a:r>
+              <a:rPr lang="en-US" b="1" dirty="0">
                 <a:solidFill>
                   <a:schemeClr val="tx1"/>
                 </a:solidFill>
               </a:rPr>
-              <a:t>These are </a:t>
-            </a:r>
-            <a:r>
-              <a:rPr lang="en-US" b="1" dirty="0" smtClean="0">
+              <a:t>empty? </a:t>
+            </a:r>
+            <a:r>
+              <a:rPr lang="en-US" dirty="0">
                 <a:solidFill>
                   <a:schemeClr val="tx1"/>
                 </a:solidFill>
               </a:rPr>
-              <a:t>empty? </a:t>
-            </a:r>
-            <a:r>
-              <a:rPr lang="en-US" dirty="0" smtClean="0">
+              <a:t>, </a:t>
+            </a:r>
+            <a:r>
+              <a:rPr lang="en-US" b="1" dirty="0">
                 <a:solidFill>
                   <a:schemeClr val="tx1"/>
                 </a:solidFill>
               </a:rPr>
-              <a:t>, </a:t>
-            </a:r>
-            <a:r>
-              <a:rPr lang="en-US" b="1" dirty="0" smtClean="0">
+              <a:t>first</a:t>
+            </a:r>
+            <a:r>
+              <a:rPr lang="en-US" dirty="0">
                 <a:solidFill>
                   <a:schemeClr val="tx1"/>
                 </a:solidFill>
               </a:rPr>
-              <a:t>first</a:t>
-            </a:r>
-            <a:r>
-              <a:rPr lang="en-US" dirty="0" smtClean="0">
+              <a:t>, and </a:t>
+            </a:r>
+            <a:r>
+              <a:rPr lang="en-US" b="1" dirty="0">
                 <a:solidFill>
                   <a:schemeClr val="tx1"/>
                 </a:solidFill>
               </a:rPr>
-              <a:t>, and </a:t>
-            </a:r>
-            <a:r>
-              <a:rPr lang="en-US" b="1" dirty="0" smtClean="0">
-                <a:solidFill>
-                  <a:schemeClr val="tx1"/>
-                </a:solidFill>
-              </a:rPr>
               <a:t>rest</a:t>
             </a:r>
             <a:r>
-              <a:rPr lang="en-US" dirty="0" smtClean="0">
+              <a:rPr lang="en-US" dirty="0">
                 <a:solidFill>
                   <a:schemeClr val="tx1"/>
                 </a:solidFill>
@@ -10839,36 +10346,20 @@
               <a:defRPr/>
             </a:pPr>
             <a:r>
-              <a:rPr lang="en-US" dirty="0" smtClean="0">
-                <a:solidFill>
-                  <a:schemeClr val="tx1"/>
-                </a:solidFill>
-              </a:rPr>
-              <a:t>The </a:t>
-            </a:r>
-            <a:r>
               <a:rPr lang="en-US" dirty="0">
                 <a:solidFill>
                   <a:schemeClr val="tx1"/>
                 </a:solidFill>
               </a:rPr>
-              <a:t>predicate </a:t>
-            </a:r>
-            <a:r>
-              <a:rPr lang="en-US" b="1" dirty="0" smtClean="0">
+              <a:t>The predicate </a:t>
+            </a:r>
+            <a:r>
+              <a:rPr lang="en-US" b="1" dirty="0">
                 <a:solidFill>
                   <a:schemeClr val="tx1"/>
                 </a:solidFill>
               </a:rPr>
               <a:t>empty? </a:t>
-            </a:r>
-            <a:r>
-              <a:rPr lang="en-US" dirty="0" smtClean="0">
-                <a:solidFill>
-                  <a:schemeClr val="tx1"/>
-                </a:solidFill>
-              </a:rPr>
-              <a:t>returns </a:t>
             </a:r>
             <a:r>
               <a:rPr lang="en-US" dirty="0">
@@ -10876,7 +10367,7 @@
                   <a:schemeClr val="tx1"/>
                 </a:solidFill>
               </a:rPr>
-              <a:t>true if and only if the list is empty.</a:t>
+              <a:t>returns true if and only if the list is empty.</a:t>
             </a:r>
           </a:p>
         </p:txBody>
@@ -10891,13 +10382,6 @@
   <p:clrMapOvr>
     <a:masterClrMapping/>
   </p:clrMapOvr>
-  <p:timing>
-    <p:tnLst>
-      <p:par>
-        <p:cTn id="1" dur="indefinite" restart="never" nodeType="tmRoot"/>
-      </p:par>
-    </p:tnLst>
-  </p:timing>
 </p:sld>
 </file>
 
@@ -10934,10 +10418,9 @@
           <a:lstStyle/>
           <a:p>
             <a:r>
-              <a:rPr lang="en-US" dirty="0" smtClean="0"/>
+              <a:rPr lang="en-US" dirty="0"/>
               <a:t>Operations on Lists</a:t>
             </a:r>
-            <a:endParaRPr lang="en-US" dirty="0"/>
           </a:p>
         </p:txBody>
       </p:sp>
@@ -10962,21 +10445,21 @@
               <a:buNone/>
             </a:pPr>
             <a:r>
-              <a:rPr lang="en-US" b="1" dirty="0" smtClean="0">
+              <a:rPr lang="en-US" b="1" dirty="0">
                 <a:latin typeface="Consolas" pitchFamily="49" charset="0"/>
                 <a:cs typeface="Consolas" pitchFamily="49" charset="0"/>
               </a:rPr>
               <a:t>first : </a:t>
             </a:r>
             <a:r>
-              <a:rPr lang="en-US" b="1" dirty="0" err="1" smtClean="0">
+              <a:rPr lang="en-US" b="1" dirty="0" err="1">
                 <a:latin typeface="Consolas" pitchFamily="49" charset="0"/>
                 <a:cs typeface="Consolas" pitchFamily="49" charset="0"/>
               </a:rPr>
               <a:t>ListOfX</a:t>
             </a:r>
             <a:r>
-              <a:rPr lang="en-US" b="1" dirty="0" smtClean="0">
+              <a:rPr lang="en-US" b="1" dirty="0">
                 <a:latin typeface="Consolas" pitchFamily="49" charset="0"/>
                 <a:cs typeface="Consolas" pitchFamily="49" charset="0"/>
               </a:rPr>
@@ -10988,7 +10471,7 @@
               <a:buNone/>
             </a:pPr>
             <a:r>
-              <a:rPr lang="en-US" b="1" dirty="0" smtClean="0">
+              <a:rPr lang="en-US" b="1" dirty="0">
                 <a:latin typeface="Consolas" pitchFamily="49" charset="0"/>
                 <a:cs typeface="Consolas" pitchFamily="49" charset="0"/>
               </a:rPr>
@@ -11000,25 +10483,11 @@
               <a:buNone/>
             </a:pPr>
             <a:r>
-              <a:rPr lang="en-US" b="1" dirty="0" smtClean="0">
-                <a:latin typeface="Consolas" pitchFamily="49" charset="0"/>
-                <a:cs typeface="Consolas" pitchFamily="49" charset="0"/>
-              </a:rPr>
-              <a:t>WHERE: </a:t>
-            </a:r>
-            <a:r>
               <a:rPr lang="en-US" b="1" dirty="0">
                 <a:latin typeface="Consolas" pitchFamily="49" charset="0"/>
                 <a:cs typeface="Consolas" pitchFamily="49" charset="0"/>
               </a:rPr>
-              <a:t>the list is </a:t>
-            </a:r>
-            <a:r>
-              <a:rPr lang="en-US" b="1" dirty="0" smtClean="0">
-                <a:latin typeface="Consolas" pitchFamily="49" charset="0"/>
-                <a:cs typeface="Consolas" pitchFamily="49" charset="0"/>
-              </a:rPr>
-              <a:t>non-empty</a:t>
+              <a:t>WHERE: the list is non-empty</a:t>
             </a:r>
           </a:p>
           <a:p>
@@ -11026,7 +10495,7 @@
               <a:buNone/>
             </a:pPr>
             <a:r>
-              <a:rPr lang="en-US" b="1" dirty="0" smtClean="0">
+              <a:rPr lang="en-US" b="1" dirty="0">
                 <a:latin typeface="Consolas" pitchFamily="49" charset="0"/>
                 <a:cs typeface="Consolas" pitchFamily="49" charset="0"/>
               </a:rPr>
@@ -11135,23 +10604,7 @@
                   <a:schemeClr val="tx1"/>
                 </a:solidFill>
               </a:rPr>
-              <a:t>, </a:t>
-            </a:r>
-            <a:r>
-              <a:rPr lang="en-US" dirty="0" smtClean="0">
-                <a:solidFill>
-                  <a:schemeClr val="tx1"/>
-                </a:solidFill>
-              </a:rPr>
-              <a:t>its </a:t>
-            </a:r>
-            <a:r>
-              <a:rPr lang="en-US" dirty="0">
-                <a:solidFill>
-                  <a:schemeClr val="tx1"/>
-                </a:solidFill>
-              </a:rPr>
-              <a:t>argument will always be non-empty.</a:t>
+              <a:t>, its argument will always be non-empty.</a:t>
             </a:r>
           </a:p>
         </p:txBody>
@@ -11166,13 +10619,6 @@
   <p:clrMapOvr>
     <a:masterClrMapping/>
   </p:clrMapOvr>
-  <p:timing>
-    <p:tnLst>
-      <p:par>
-        <p:cTn id="1" dur="indefinite" restart="never" nodeType="tmRoot"/>
-      </p:par>
-    </p:tnLst>
-  </p:timing>
 </p:sld>
 </file>
 
@@ -11209,10 +10655,9 @@
           <a:lstStyle/>
           <a:p>
             <a:r>
-              <a:rPr lang="en-US" dirty="0" smtClean="0"/>
+              <a:rPr lang="en-US" dirty="0"/>
               <a:t>Operations on Lists</a:t>
             </a:r>
-            <a:endParaRPr lang="en-US" dirty="0"/>
           </a:p>
         </p:txBody>
       </p:sp>
@@ -11237,34 +10682,34 @@
               <a:buNone/>
             </a:pPr>
             <a:r>
-              <a:rPr lang="en-US" b="1" dirty="0" smtClean="0">
+              <a:rPr lang="en-US" b="1" dirty="0">
                 <a:latin typeface="Consolas" pitchFamily="49" charset="0"/>
                 <a:cs typeface="Consolas" pitchFamily="49" charset="0"/>
               </a:rPr>
               <a:t>rest : </a:t>
             </a:r>
             <a:r>
-              <a:rPr lang="en-US" b="1" dirty="0" err="1" smtClean="0">
+              <a:rPr lang="en-US" b="1" dirty="0" err="1">
                 <a:latin typeface="Consolas" pitchFamily="49" charset="0"/>
                 <a:cs typeface="Consolas" pitchFamily="49" charset="0"/>
               </a:rPr>
               <a:t>ListOfX</a:t>
             </a:r>
             <a:r>
-              <a:rPr lang="en-US" b="1" dirty="0" smtClean="0">
+              <a:rPr lang="en-US" b="1" dirty="0">
                 <a:latin typeface="Consolas" pitchFamily="49" charset="0"/>
                 <a:cs typeface="Consolas" pitchFamily="49" charset="0"/>
               </a:rPr>
               <a:t> -&gt; </a:t>
             </a:r>
             <a:r>
-              <a:rPr lang="en-US" b="1" dirty="0" err="1" smtClean="0">
+              <a:rPr lang="en-US" b="1" dirty="0" err="1">
                 <a:latin typeface="Consolas" pitchFamily="49" charset="0"/>
                 <a:cs typeface="Consolas" pitchFamily="49" charset="0"/>
               </a:rPr>
               <a:t>ListOfX</a:t>
             </a:r>
-            <a:endParaRPr lang="en-US" b="1" dirty="0" smtClean="0">
+            <a:endParaRPr lang="en-US" b="1" dirty="0">
               <a:latin typeface="Consolas" pitchFamily="49" charset="0"/>
               <a:cs typeface="Consolas" pitchFamily="49" charset="0"/>
             </a:endParaRPr>
@@ -11274,7 +10719,7 @@
               <a:buNone/>
             </a:pPr>
             <a:r>
-              <a:rPr lang="en-US" b="1" dirty="0" smtClean="0">
+              <a:rPr lang="en-US" b="1" dirty="0">
                 <a:latin typeface="Consolas" pitchFamily="49" charset="0"/>
                 <a:cs typeface="Consolas" pitchFamily="49" charset="0"/>
               </a:rPr>
@@ -11286,25 +10731,11 @@
               <a:buNone/>
             </a:pPr>
             <a:r>
-              <a:rPr lang="en-US" b="1" dirty="0" smtClean="0">
-                <a:latin typeface="Consolas" pitchFamily="49" charset="0"/>
-                <a:cs typeface="Consolas" pitchFamily="49" charset="0"/>
-              </a:rPr>
-              <a:t>WHERE: </a:t>
-            </a:r>
-            <a:r>
               <a:rPr lang="en-US" b="1" dirty="0">
                 <a:latin typeface="Consolas" pitchFamily="49" charset="0"/>
                 <a:cs typeface="Consolas" pitchFamily="49" charset="0"/>
               </a:rPr>
-              <a:t>the list is </a:t>
-            </a:r>
-            <a:r>
-              <a:rPr lang="en-US" b="1" dirty="0" smtClean="0">
-                <a:latin typeface="Consolas" pitchFamily="49" charset="0"/>
-                <a:cs typeface="Consolas" pitchFamily="49" charset="0"/>
-              </a:rPr>
-              <a:t>non-empty</a:t>
+              <a:t>WHERE: the list is non-empty</a:t>
             </a:r>
           </a:p>
           <a:p>
@@ -11312,37 +10743,12 @@
               <a:buNone/>
             </a:pPr>
             <a:r>
-              <a:rPr lang="en-US" b="1" dirty="0" smtClean="0">
-                <a:latin typeface="Consolas" pitchFamily="49" charset="0"/>
-                <a:cs typeface="Consolas" pitchFamily="49" charset="0"/>
-              </a:rPr>
-              <a:t>RETURNS</a:t>
-            </a:r>
-            <a:r>
               <a:rPr lang="en-US" b="1" dirty="0">
                 <a:latin typeface="Consolas" pitchFamily="49" charset="0"/>
                 <a:cs typeface="Consolas" pitchFamily="49" charset="0"/>
               </a:rPr>
-              <a:t>: the list of all its </a:t>
-            </a:r>
-            <a:r>
-              <a:rPr lang="en-US" b="1" dirty="0" smtClean="0">
-                <a:latin typeface="Consolas" pitchFamily="49" charset="0"/>
-                <a:cs typeface="Consolas" pitchFamily="49" charset="0"/>
-              </a:rPr>
-              <a:t>elements </a:t>
-            </a:r>
-            <a:r>
-              <a:rPr lang="en-US" b="1" dirty="0">
-                <a:latin typeface="Consolas" pitchFamily="49" charset="0"/>
-                <a:cs typeface="Consolas" pitchFamily="49" charset="0"/>
-              </a:rPr>
-              <a:t>except the first</a:t>
-            </a:r>
-            <a:endParaRPr lang="en-US" b="1" dirty="0" smtClean="0">
-              <a:latin typeface="Consolas" pitchFamily="49" charset="0"/>
-              <a:cs typeface="Consolas" pitchFamily="49" charset="0"/>
-            </a:endParaRPr>
+              <a:t>RETURNS: the list of all its elements except the first</a:t>
+            </a:r>
           </a:p>
           <a:p>
             <a:pPr marL="57150" indent="0">
@@ -11446,23 +10852,7 @@
                   <a:schemeClr val="tx1"/>
                 </a:solidFill>
               </a:rPr>
-              <a:t>, </a:t>
-            </a:r>
-            <a:r>
-              <a:rPr lang="en-US" dirty="0" smtClean="0">
-                <a:solidFill>
-                  <a:schemeClr val="tx1"/>
-                </a:solidFill>
-              </a:rPr>
-              <a:t>its </a:t>
-            </a:r>
-            <a:r>
-              <a:rPr lang="en-US" dirty="0">
-                <a:solidFill>
-                  <a:schemeClr val="tx1"/>
-                </a:solidFill>
-              </a:rPr>
-              <a:t>argument will always be non-empty.</a:t>
+              <a:t>, its argument will always be non-empty.</a:t>
             </a:r>
           </a:p>
         </p:txBody>
@@ -11477,13 +10867,6 @@
   <p:clrMapOvr>
     <a:masterClrMapping/>
   </p:clrMapOvr>
-  <p:timing>
-    <p:tnLst>
-      <p:par>
-        <p:cTn id="1" dur="indefinite" restart="never" nodeType="tmRoot"/>
-      </p:par>
-    </p:tnLst>
-  </p:timing>
 </p:sld>
 </file>
 
@@ -11520,10 +10903,9 @@
           <a:lstStyle/>
           <a:p>
             <a:r>
-              <a:rPr lang="en-US" dirty="0" smtClean="0"/>
+              <a:rPr lang="en-US" dirty="0"/>
               <a:t>Examples</a:t>
             </a:r>
-            <a:endParaRPr lang="en-US" dirty="0"/>
           </a:p>
         </p:txBody>
       </p:sp>
@@ -11548,7 +10930,7 @@
               <a:buNone/>
             </a:pPr>
             <a:r>
-              <a:rPr lang="en-US" sz="2000" b="1" dirty="0" smtClean="0">
+              <a:rPr lang="en-US" sz="2000" b="1" dirty="0">
                 <a:latin typeface="Consolas" pitchFamily="49" charset="0"/>
                 <a:cs typeface="Consolas" pitchFamily="49" charset="0"/>
               </a:rPr>
@@ -11560,7 +10942,7 @@
               <a:buNone/>
             </a:pPr>
             <a:r>
-              <a:rPr lang="en-US" sz="2000" b="1" dirty="0" smtClean="0">
+              <a:rPr lang="en-US" sz="2000" b="1" dirty="0">
                 <a:latin typeface="Consolas" pitchFamily="49" charset="0"/>
                 <a:cs typeface="Consolas" pitchFamily="49" charset="0"/>
               </a:rPr>
@@ -11572,7 +10954,7 @@
               <a:buNone/>
             </a:pPr>
             <a:r>
-              <a:rPr lang="en-US" sz="2000" b="1" dirty="0" smtClean="0">
+              <a:rPr lang="en-US" sz="2000" b="1" dirty="0">
                 <a:latin typeface="Consolas" pitchFamily="49" charset="0"/>
                 <a:cs typeface="Consolas" pitchFamily="49" charset="0"/>
               </a:rPr>
@@ -11583,7 +10965,7 @@
             <a:pPr>
               <a:buNone/>
             </a:pPr>
-            <a:endParaRPr lang="en-US" sz="2000" b="1" dirty="0" smtClean="0">
+            <a:endParaRPr lang="en-US" sz="2000" b="1" dirty="0">
               <a:latin typeface="Consolas" pitchFamily="49" charset="0"/>
               <a:cs typeface="Consolas" pitchFamily="49" charset="0"/>
             </a:endParaRPr>
@@ -11593,7 +10975,7 @@
               <a:buNone/>
             </a:pPr>
             <a:r>
-              <a:rPr lang="en-US" sz="2000" b="1" dirty="0" smtClean="0">
+              <a:rPr lang="en-US" sz="2000" b="1" dirty="0">
                 <a:latin typeface="Consolas" pitchFamily="49" charset="0"/>
                 <a:cs typeface="Consolas" pitchFamily="49" charset="0"/>
               </a:rPr>
@@ -11605,7 +10987,7 @@
               <a:buNone/>
             </a:pPr>
             <a:r>
-              <a:rPr lang="en-US" sz="2000" b="1" dirty="0" smtClean="0">
+              <a:rPr lang="en-US" sz="2000" b="1" dirty="0">
                 <a:latin typeface="Consolas" pitchFamily="49" charset="0"/>
                 <a:cs typeface="Consolas" pitchFamily="49" charset="0"/>
               </a:rPr>
@@ -11616,7 +10998,7 @@
             <a:pPr>
               <a:buNone/>
             </a:pPr>
-            <a:endParaRPr lang="en-US" sz="2000" b="1" dirty="0" smtClean="0">
+            <a:endParaRPr lang="en-US" sz="2000" b="1" dirty="0">
               <a:latin typeface="Consolas" pitchFamily="49" charset="0"/>
               <a:cs typeface="Consolas" pitchFamily="49" charset="0"/>
             </a:endParaRPr>
@@ -11626,7 +11008,7 @@
               <a:buNone/>
             </a:pPr>
             <a:r>
-              <a:rPr lang="en-US" sz="2000" b="1" dirty="0" smtClean="0">
+              <a:rPr lang="en-US" sz="2000" b="1" dirty="0">
                 <a:latin typeface="Consolas" pitchFamily="49" charset="0"/>
                 <a:cs typeface="Consolas" pitchFamily="49" charset="0"/>
               </a:rPr>
@@ -11638,7 +11020,7 @@
               <a:buNone/>
             </a:pPr>
             <a:r>
-              <a:rPr lang="en-US" sz="2000" b="1" dirty="0" smtClean="0">
+              <a:rPr lang="en-US" sz="2000" b="1" dirty="0">
                 <a:latin typeface="Consolas" pitchFamily="49" charset="0"/>
                 <a:cs typeface="Consolas" pitchFamily="49" charset="0"/>
               </a:rPr>
@@ -11649,7 +11031,7 @@
             <a:pPr>
               <a:buNone/>
             </a:pPr>
-            <a:endParaRPr lang="en-US" sz="2000" b="1" dirty="0" smtClean="0">
+            <a:endParaRPr lang="en-US" sz="2000" b="1" dirty="0">
               <a:latin typeface="Consolas" pitchFamily="49" charset="0"/>
               <a:cs typeface="Consolas" pitchFamily="49" charset="0"/>
             </a:endParaRPr>
@@ -11659,45 +11041,11 @@
               <a:buNone/>
             </a:pPr>
             <a:r>
-              <a:rPr lang="en-US" sz="2000" b="1" dirty="0" smtClean="0">
+              <a:rPr lang="en-US" sz="2000" b="1" dirty="0">
                 <a:latin typeface="Consolas" pitchFamily="49" charset="0"/>
                 <a:cs typeface="Consolas" pitchFamily="49" charset="0"/>
               </a:rPr>
               <a:t>(first empty)  </a:t>
-            </a:r>
-            <a:r>
-              <a:rPr lang="en-US" sz="2000" b="1" i="1" dirty="0" smtClean="0">
-                <a:solidFill>
-                  <a:srgbClr val="FF0000"/>
-                </a:solidFill>
-                <a:latin typeface="Consolas" pitchFamily="49" charset="0"/>
-                <a:cs typeface="Consolas" pitchFamily="49" charset="0"/>
-                <a:sym typeface="Wingdings" pitchFamily="2" charset="2"/>
-              </a:rPr>
-              <a:t> Error! (Precondition failed)</a:t>
-            </a:r>
-          </a:p>
-          <a:p>
-            <a:pPr>
-              <a:buNone/>
-            </a:pPr>
-            <a:r>
-              <a:rPr lang="en-US" sz="2000" b="1" dirty="0" smtClean="0">
-                <a:latin typeface="Consolas" pitchFamily="49" charset="0"/>
-                <a:cs typeface="Consolas" pitchFamily="49" charset="0"/>
-              </a:rPr>
-              <a:t>(rest  empty)  </a:t>
-            </a:r>
-            <a:r>
-              <a:rPr lang="en-US" sz="2000" b="1" i="1" dirty="0" smtClean="0">
-                <a:solidFill>
-                  <a:srgbClr val="FF0000"/>
-                </a:solidFill>
-                <a:latin typeface="Consolas" pitchFamily="49" charset="0"/>
-                <a:cs typeface="Consolas" pitchFamily="49" charset="0"/>
-                <a:sym typeface="Wingdings" pitchFamily="2" charset="2"/>
-              </a:rPr>
-              <a:t> Error</a:t>
             </a:r>
             <a:r>
               <a:rPr lang="en-US" sz="2000" b="1" i="1" dirty="0">
@@ -11708,14 +11056,37 @@
                 <a:cs typeface="Consolas" pitchFamily="49" charset="0"/>
                 <a:sym typeface="Wingdings" pitchFamily="2" charset="2"/>
               </a:rPr>
-              <a:t>! (Precondition failed)</a:t>
+              <a:t> Error! (Precondition failed)</a:t>
             </a:r>
           </a:p>
           <a:p>
             <a:pPr>
               <a:buNone/>
             </a:pPr>
-            <a:endParaRPr lang="en-US" sz="2000" b="1" i="1" dirty="0" smtClean="0">
+            <a:r>
+              <a:rPr lang="en-US" sz="2000" b="1" dirty="0">
+                <a:latin typeface="Consolas" pitchFamily="49" charset="0"/>
+                <a:cs typeface="Consolas" pitchFamily="49" charset="0"/>
+              </a:rPr>
+              <a:t>(rest  empty)  </a:t>
+            </a:r>
+            <a:r>
+              <a:rPr lang="en-US" sz="2000" b="1" i="1" dirty="0">
+                <a:solidFill>
+                  <a:srgbClr val="FF0000"/>
+                </a:solidFill>
+                <a:latin typeface="Consolas" pitchFamily="49" charset="0"/>
+                <a:cs typeface="Consolas" pitchFamily="49" charset="0"/>
+                <a:sym typeface="Wingdings" pitchFamily="2" charset="2"/>
+              </a:rPr>
+              <a:t> Error! (Precondition failed)</a:t>
+            </a:r>
+          </a:p>
+          <a:p>
+            <a:pPr>
+              <a:buNone/>
+            </a:pPr>
+            <a:endParaRPr lang="en-US" sz="2000" b="1" i="1" dirty="0">
               <a:solidFill>
                 <a:srgbClr val="FF0000"/>
               </a:solidFill>
@@ -11772,13 +11143,6 @@
   <p:clrMapOvr>
     <a:masterClrMapping/>
   </p:clrMapOvr>
-  <p:timing>
-    <p:tnLst>
-      <p:par>
-        <p:cTn id="1" dur="indefinite" restart="never" nodeType="tmRoot"/>
-      </p:par>
-    </p:tnLst>
-  </p:timing>
 </p:sld>
 </file>
 
@@ -11817,33 +11181,29 @@
           <a:lstStyle/>
           <a:p>
             <a:r>
-              <a:rPr lang="en-US" dirty="0" smtClean="0"/>
+              <a:rPr lang="en-US" dirty="0"/>
               <a:t>Implementation of </a:t>
             </a:r>
             <a:r>
-              <a:rPr lang="en-US" b="1" dirty="0" smtClean="0">
+              <a:rPr lang="en-US" b="1" dirty="0">
                 <a:latin typeface="Consolas" pitchFamily="49" charset="0"/>
                 <a:cs typeface="Consolas" pitchFamily="49" charset="0"/>
               </a:rPr>
               <a:t>first </a:t>
             </a:r>
             <a:r>
-              <a:rPr lang="en-US" dirty="0" smtClean="0">
+              <a:rPr lang="en-US" dirty="0">
                 <a:cs typeface="Consolas" pitchFamily="49" charset="0"/>
               </a:rPr>
               <a:t>and</a:t>
             </a:r>
             <a:r>
-              <a:rPr lang="en-US" b="1" dirty="0" smtClean="0">
+              <a:rPr lang="en-US" b="1" dirty="0">
                 <a:latin typeface="Consolas" pitchFamily="49" charset="0"/>
                 <a:cs typeface="Consolas" pitchFamily="49" charset="0"/>
               </a:rPr>
               <a:t> rest</a:t>
             </a:r>
-            <a:endParaRPr lang="en-US" b="1" dirty="0">
-              <a:latin typeface="Consolas" pitchFamily="49" charset="0"/>
-              <a:cs typeface="Consolas" pitchFamily="49" charset="0"/>
-            </a:endParaRPr>
           </a:p>
         </p:txBody>
       </p:sp>
@@ -12233,7 +11593,7 @@
             <a:lstStyle/>
             <a:p>
               <a:r>
-                <a:rPr lang="en-US" sz="2400" b="1" dirty="0" smtClean="0">
+                <a:rPr lang="en-US" sz="2400" b="1" dirty="0">
                   <a:latin typeface="Consolas" pitchFamily="49" charset="0"/>
                   <a:cs typeface="Consolas" pitchFamily="49" charset="0"/>
                 </a:rPr>
@@ -12278,7 +11638,7 @@
             <a:lstStyle/>
             <a:p>
               <a:r>
-                <a:rPr lang="en-US" sz="2400" b="1" dirty="0" smtClean="0">
+                <a:rPr lang="en-US" sz="2400" b="1" dirty="0">
                   <a:latin typeface="Consolas" pitchFamily="49" charset="0"/>
                   <a:cs typeface="Consolas" pitchFamily="49" charset="0"/>
                 </a:rPr>
@@ -12324,7 +11684,7 @@
           <a:lstStyle/>
           <a:p>
             <a:r>
-              <a:rPr lang="en-US" sz="2400" b="1" i="0" dirty="0" smtClean="0">
+              <a:rPr lang="en-US" sz="2400" b="1" i="0" dirty="0">
                 <a:solidFill>
                   <a:srgbClr val="993300"/>
                 </a:solidFill>
@@ -12333,13 +11693,6 @@
               </a:rPr>
               <a:t>lst2</a:t>
             </a:r>
-            <a:endParaRPr lang="en-US" sz="2400" b="1" i="0" dirty="0">
-              <a:solidFill>
-                <a:srgbClr val="993300"/>
-              </a:solidFill>
-              <a:latin typeface="Consolas" pitchFamily="49" charset="0"/>
-              <a:cs typeface="Consolas" pitchFamily="49" charset="0"/>
-            </a:endParaRPr>
           </a:p>
         </p:txBody>
       </p:sp>
@@ -12410,7 +11763,7 @@
           <a:lstStyle/>
           <a:p>
             <a:r>
-              <a:rPr lang="en-US" sz="2400" b="1" dirty="0" smtClean="0">
+              <a:rPr lang="en-US" sz="2400" b="1" dirty="0">
                 <a:latin typeface="Consolas" pitchFamily="49" charset="0"/>
                 <a:cs typeface="Consolas" pitchFamily="49" charset="0"/>
               </a:rPr>
@@ -12616,37 +11969,26 @@
                 <a:latin typeface="Consolas" pitchFamily="49" charset="0"/>
                 <a:cs typeface="Consolas" pitchFamily="49" charset="0"/>
               </a:rPr>
-              <a:t>  </a:t>
-            </a:r>
-            <a:r>
-              <a:rPr lang="en-US" sz="2400" b="1" i="0" dirty="0" smtClean="0">
+              <a:t>       lst2  = (list 11 22 33)</a:t>
+            </a:r>
+          </a:p>
+          <a:p>
+            <a:r>
+              <a:rPr lang="en-US" sz="2400" b="1" dirty="0">
                 <a:latin typeface="Consolas" pitchFamily="49" charset="0"/>
                 <a:cs typeface="Consolas" pitchFamily="49" charset="0"/>
               </a:rPr>
-              <a:t>     lst2  = (list 11 22 33)</a:t>
-            </a:r>
-          </a:p>
-          <a:p>
-            <a:r>
-              <a:rPr lang="en-US" sz="2400" b="1" dirty="0" smtClean="0">
+              <a:t>(first lst2) = 11</a:t>
+            </a:r>
+          </a:p>
+          <a:p>
+            <a:r>
+              <a:rPr lang="en-US" sz="2400" b="1" i="0" dirty="0">
                 <a:latin typeface="Consolas" pitchFamily="49" charset="0"/>
                 <a:cs typeface="Consolas" pitchFamily="49" charset="0"/>
               </a:rPr>
-              <a:t>(first lst2) = 11</a:t>
-            </a:r>
-          </a:p>
-          <a:p>
-            <a:r>
-              <a:rPr lang="en-US" sz="2400" b="1" i="0" dirty="0" smtClean="0">
-                <a:latin typeface="Consolas" pitchFamily="49" charset="0"/>
-                <a:cs typeface="Consolas" pitchFamily="49" charset="0"/>
-              </a:rPr>
               <a:t>(rest  lst2) = (list 22 33)</a:t>
             </a:r>
-            <a:endParaRPr lang="en-US" sz="2400" b="1" i="0" dirty="0">
-              <a:latin typeface="Consolas" pitchFamily="49" charset="0"/>
-              <a:cs typeface="Consolas" pitchFamily="49" charset="0"/>
-            </a:endParaRPr>
           </a:p>
         </p:txBody>
       </p:sp>
@@ -12696,7 +12038,7 @@
             <a:lstStyle/>
             <a:p>
               <a:r>
-                <a:rPr lang="en-US" sz="2400" b="1" i="0" dirty="0" smtClean="0">
+                <a:rPr lang="en-US" sz="2400" b="1" i="0" dirty="0">
                   <a:solidFill>
                     <a:srgbClr val="993300"/>
                   </a:solidFill>
@@ -12705,13 +12047,6 @@
                 </a:rPr>
                 <a:t>(first lst2)</a:t>
               </a:r>
-              <a:endParaRPr lang="en-US" sz="2400" b="1" i="0" dirty="0">
-                <a:solidFill>
-                  <a:srgbClr val="993300"/>
-                </a:solidFill>
-                <a:latin typeface="Consolas" pitchFamily="49" charset="0"/>
-                <a:cs typeface="Consolas" pitchFamily="49" charset="0"/>
-              </a:endParaRPr>
             </a:p>
           </p:txBody>
         </p:sp>
@@ -12834,7 +12169,7 @@
             <a:lstStyle/>
             <a:p>
               <a:r>
-                <a:rPr lang="en-US" sz="2400" b="1" i="0" dirty="0" smtClean="0">
+                <a:rPr lang="en-US" sz="2400" b="1" i="0" dirty="0">
                   <a:solidFill>
                     <a:srgbClr val="993300"/>
                   </a:solidFill>
@@ -12843,13 +12178,6 @@
                 </a:rPr>
                 <a:t>(rest lst2)</a:t>
               </a:r>
-              <a:endParaRPr lang="en-US" sz="2400" b="1" i="0" dirty="0">
-                <a:solidFill>
-                  <a:srgbClr val="993300"/>
-                </a:solidFill>
-                <a:latin typeface="Consolas" pitchFamily="49" charset="0"/>
-                <a:cs typeface="Consolas" pitchFamily="49" charset="0"/>
-              </a:endParaRPr>
             </a:p>
           </p:txBody>
         </p:sp>
@@ -12989,20 +12317,12 @@
           <a:lstStyle/>
           <a:p>
             <a:r>
-              <a:rPr lang="en-US" b="1" dirty="0" smtClean="0">
+              <a:rPr lang="en-US" b="1" dirty="0">
                 <a:solidFill>
                   <a:schemeClr val="tx1"/>
                 </a:solidFill>
               </a:rPr>
               <a:t>first</a:t>
-            </a:r>
-            <a:r>
-              <a:rPr lang="en-US" dirty="0" smtClean="0">
-                <a:solidFill>
-                  <a:schemeClr val="tx1"/>
-                </a:solidFill>
-              </a:rPr>
-              <a:t> </a:t>
             </a:r>
             <a:r>
               <a:rPr lang="en-US" dirty="0">
@@ -13010,7 +12330,7 @@
                   <a:schemeClr val="tx1"/>
                 </a:solidFill>
               </a:rPr>
-              <a:t>and </a:t>
+              <a:t> and </a:t>
             </a:r>
             <a:r>
               <a:rPr lang="en-US" b="1" dirty="0">
@@ -13026,23 +12346,7 @@
                   <a:schemeClr val="tx1"/>
                 </a:solidFill>
               </a:rPr>
-              <a:t> </a:t>
-            </a:r>
-            <a:r>
-              <a:rPr lang="en-US" dirty="0" smtClean="0">
-                <a:solidFill>
-                  <a:schemeClr val="tx1"/>
-                </a:solidFill>
-              </a:rPr>
-              <a:t>simply </a:t>
-            </a:r>
-            <a:r>
-              <a:rPr lang="en-US" dirty="0">
-                <a:solidFill>
-                  <a:schemeClr val="tx1"/>
-                </a:solidFill>
-              </a:rPr>
-              <a:t>follow a pointer in the singly-linked data structure.</a:t>
+              <a:t> simply follow a pointer in the singly-linked data structure.</a:t>
             </a:r>
           </a:p>
         </p:txBody>
@@ -13277,42 +12581,38 @@
           <a:lstStyle/>
           <a:p>
             <a:r>
-              <a:rPr lang="en-US" dirty="0" smtClean="0"/>
+              <a:rPr lang="en-US" dirty="0"/>
               <a:t>Properties of </a:t>
             </a:r>
             <a:r>
-              <a:rPr lang="en-US" b="1" dirty="0" smtClean="0">
+              <a:rPr lang="en-US" b="1" dirty="0">
                 <a:latin typeface="Consolas" pitchFamily="49" charset="0"/>
                 <a:cs typeface="Consolas" pitchFamily="49" charset="0"/>
               </a:rPr>
               <a:t>cons</a:t>
             </a:r>
             <a:r>
-              <a:rPr lang="en-US" dirty="0" smtClean="0"/>
+              <a:rPr lang="en-US" dirty="0"/>
               <a:t>, </a:t>
             </a:r>
             <a:r>
-              <a:rPr lang="en-US" b="1" dirty="0" smtClean="0">
+              <a:rPr lang="en-US" b="1" dirty="0">
                 <a:latin typeface="Consolas" pitchFamily="49" charset="0"/>
                 <a:cs typeface="Consolas" pitchFamily="49" charset="0"/>
               </a:rPr>
               <a:t>first</a:t>
             </a:r>
             <a:r>
-              <a:rPr lang="en-US" dirty="0" smtClean="0"/>
+              <a:rPr lang="en-US" dirty="0"/>
               <a:t>, and </a:t>
             </a:r>
             <a:r>
-              <a:rPr lang="en-US" b="1" dirty="0" smtClean="0">
+              <a:rPr lang="en-US" b="1" dirty="0">
                 <a:latin typeface="Consolas" pitchFamily="49" charset="0"/>
                 <a:cs typeface="Consolas" pitchFamily="49" charset="0"/>
               </a:rPr>
               <a:t>rest</a:t>
             </a:r>
-            <a:endParaRPr lang="en-US" b="1" dirty="0">
-              <a:latin typeface="Consolas" pitchFamily="49" charset="0"/>
-              <a:cs typeface="Consolas" pitchFamily="49" charset="0"/>
-            </a:endParaRPr>
           </a:p>
         </p:txBody>
       </p:sp>
@@ -13338,7 +12638,7 @@
               <a:buNone/>
             </a:pPr>
             <a:r>
-              <a:rPr lang="en-US" b="1" dirty="0" smtClean="0">
+              <a:rPr lang="en-US" b="1" dirty="0">
                 <a:latin typeface="Consolas" pitchFamily="49" charset="0"/>
                 <a:cs typeface="Consolas" pitchFamily="49" charset="0"/>
               </a:rPr>
@@ -13350,7 +12650,7 @@
               <a:buNone/>
             </a:pPr>
             <a:r>
-              <a:rPr lang="en-US" b="1" dirty="0" smtClean="0">
+              <a:rPr lang="en-US" b="1" dirty="0">
                 <a:latin typeface="Consolas" pitchFamily="49" charset="0"/>
                 <a:cs typeface="Consolas" pitchFamily="49" charset="0"/>
               </a:rPr>
@@ -13362,18 +12662,18 @@
               <a:buNone/>
             </a:pPr>
             <a:r>
-              <a:rPr lang="en-US" dirty="0" smtClean="0"/>
+              <a:rPr lang="en-US" dirty="0"/>
               <a:t>If </a:t>
             </a:r>
             <a:r>
-              <a:rPr lang="en-US" b="1" dirty="0" smtClean="0">
+              <a:rPr lang="en-US" b="1" dirty="0">
                 <a:latin typeface="Consolas" pitchFamily="49" charset="0"/>
                 <a:cs typeface="Consolas" pitchFamily="49" charset="0"/>
               </a:rPr>
               <a:t>l</a:t>
             </a:r>
             <a:r>
-              <a:rPr lang="en-US" dirty="0" smtClean="0"/>
+              <a:rPr lang="en-US" dirty="0"/>
               <a:t> is non-empty, then </a:t>
             </a:r>
           </a:p>
@@ -13386,16 +12686,12 @@
               <a:t> </a:t>
             </a:r>
             <a:r>
-              <a:rPr lang="en-US" b="1" dirty="0" smtClean="0">
+              <a:rPr lang="en-US" b="1" dirty="0">
                 <a:latin typeface="Consolas" pitchFamily="49" charset="0"/>
                 <a:cs typeface="Consolas" pitchFamily="49" charset="0"/>
               </a:rPr>
               <a:t>(cons (first l) (rest l)) = l</a:t>
             </a:r>
-            <a:endParaRPr lang="en-US" b="1" dirty="0">
-              <a:latin typeface="Consolas" pitchFamily="49" charset="0"/>
-              <a:cs typeface="Consolas" pitchFamily="49" charset="0"/>
-            </a:endParaRPr>
           </a:p>
         </p:txBody>
       </p:sp>
@@ -13517,15 +12813,7 @@
                   <a:schemeClr val="tx1"/>
                 </a:solidFill>
               </a:rPr>
-              <a:t>.  Can you see why they are true</a:t>
-            </a:r>
-            <a:r>
-              <a:rPr lang="en-US" dirty="0" smtClean="0">
-                <a:solidFill>
-                  <a:schemeClr val="tx1"/>
-                </a:solidFill>
-              </a:rPr>
-              <a:t>?</a:t>
+              <a:t>.  Can you see why they are true?</a:t>
             </a:r>
           </a:p>
         </p:txBody>
@@ -13571,20 +12859,12 @@
           <a:lstStyle/>
           <a:p>
             <a:r>
-              <a:rPr lang="en-US" dirty="0" smtClean="0">
-                <a:solidFill>
-                  <a:schemeClr val="tx1"/>
-                </a:solidFill>
-              </a:rPr>
-              <a:t>These </a:t>
-            </a:r>
-            <a:r>
               <a:rPr lang="en-US" dirty="0">
                 <a:solidFill>
                   <a:schemeClr val="tx1"/>
                 </a:solidFill>
               </a:rPr>
-              <a:t>facts tell us that if we want to build a list whose </a:t>
+              <a:t>These facts tell us that if we want to build a list whose </a:t>
             </a:r>
             <a:r>
               <a:rPr lang="en-US" b="1" dirty="0">
@@ -13695,13 +12975,6 @@
   <p:clrMapOvr>
     <a:masterClrMapping/>
   </p:clrMapOvr>
-  <p:timing>
-    <p:tnLst>
-      <p:par>
-        <p:cTn id="1" dur="indefinite" restart="never" nodeType="tmRoot"/>
-      </p:par>
-    </p:tnLst>
-  </p:timing>
 </p:sld>
 </file>
 
@@ -13738,10 +13011,9 @@
           <a:lstStyle/>
           <a:p>
             <a:r>
-              <a:rPr lang="en-US" dirty="0" smtClean="0"/>
+              <a:rPr lang="en-US" dirty="0"/>
               <a:t>Summary</a:t>
             </a:r>
-            <a:endParaRPr lang="en-US" dirty="0"/>
           </a:p>
         </p:txBody>
       </p:sp>
@@ -13767,107 +13039,91 @@
             </a:pPr>
             <a:r>
               <a:rPr lang="en-US" dirty="0"/>
-              <a:t>At </a:t>
-            </a:r>
-            <a:r>
-              <a:rPr lang="en-US" dirty="0" smtClean="0"/>
-              <a:t>this point, you </a:t>
-            </a:r>
+              <a:t>At this point, you should be able to: </a:t>
+            </a:r>
+          </a:p>
+          <a:p>
+            <a:pPr lvl="0"/>
             <a:r>
               <a:rPr lang="en-US" dirty="0"/>
-              <a:t>should be able to: </a:t>
+              <a:t>Write down a data definition for information represented as a list</a:t>
             </a:r>
           </a:p>
           <a:p>
             <a:pPr lvl="0"/>
             <a:r>
-              <a:rPr lang="en-US" dirty="0" smtClean="0"/>
-              <a:t>Write </a:t>
-            </a:r>
-            <a:r>
               <a:rPr lang="en-US" dirty="0"/>
-              <a:t>down a data definition for information represented as a </a:t>
-            </a:r>
-            <a:r>
-              <a:rPr lang="en-US" dirty="0" smtClean="0"/>
-              <a:t>list</a:t>
+              <a:t>Notate lists using constructor, list, and write notations.</a:t>
             </a:r>
           </a:p>
           <a:p>
             <a:pPr lvl="0"/>
             <a:r>
-              <a:rPr lang="en-US" dirty="0" smtClean="0"/>
-              <a:t>Notate lists using constructor, list, and write notations.</a:t>
+              <a:rPr lang="en-US" dirty="0"/>
+              <a:t>Explain how lists are represented as singly-linked data structures, and how </a:t>
+            </a:r>
+            <a:r>
+              <a:rPr lang="en-US" b="1" dirty="0"/>
+              <a:t>cons</a:t>
+            </a:r>
+            <a:r>
+              <a:rPr lang="en-US" dirty="0"/>
+              <a:t>, </a:t>
+            </a:r>
+            <a:r>
+              <a:rPr lang="en-US" b="1" dirty="0"/>
+              <a:t>first</a:t>
+            </a:r>
+            <a:r>
+              <a:rPr lang="en-US" dirty="0"/>
+              <a:t>, and </a:t>
+            </a:r>
+            <a:r>
+              <a:rPr lang="en-US" b="1" dirty="0"/>
+              <a:t>rest</a:t>
+            </a:r>
+            <a:r>
+              <a:rPr lang="en-US" dirty="0"/>
+              <a:t> work on these structures</a:t>
             </a:r>
           </a:p>
           <a:p>
             <a:pPr lvl="0"/>
             <a:r>
-              <a:rPr lang="en-US" dirty="0" smtClean="0"/>
-              <a:t>Explain how lists are represented as singly-linked data structures, and how </a:t>
-            </a:r>
-            <a:r>
-              <a:rPr lang="en-US" b="1" dirty="0" smtClean="0"/>
-              <a:t>cons</a:t>
-            </a:r>
-            <a:r>
-              <a:rPr lang="en-US" dirty="0" smtClean="0"/>
-              <a:t>, </a:t>
-            </a:r>
-            <a:r>
-              <a:rPr lang="en-US" b="1" dirty="0" smtClean="0"/>
-              <a:t>first</a:t>
-            </a:r>
-            <a:r>
-              <a:rPr lang="en-US" dirty="0" smtClean="0"/>
-              <a:t>, and </a:t>
-            </a:r>
-            <a:r>
-              <a:rPr lang="en-US" b="1" dirty="0" smtClean="0"/>
-              <a:t>rest</a:t>
-            </a:r>
-            <a:r>
-              <a:rPr lang="en-US" dirty="0" smtClean="0"/>
-              <a:t> work on these structures</a:t>
-            </a:r>
-          </a:p>
-          <a:p>
-            <a:pPr lvl="0"/>
-            <a:r>
-              <a:rPr lang="en-US" dirty="0" smtClean="0"/>
+              <a:rPr lang="en-US" dirty="0"/>
               <a:t>Calculate with the basic operations on lists: </a:t>
             </a:r>
             <a:r>
-              <a:rPr lang="en-US" b="1" dirty="0" smtClean="0">
+              <a:rPr lang="en-US" b="1" dirty="0">
                 <a:latin typeface="Consolas" pitchFamily="49" charset="0"/>
                 <a:cs typeface="Consolas" pitchFamily="49" charset="0"/>
               </a:rPr>
               <a:t>cons</a:t>
             </a:r>
             <a:r>
-              <a:rPr lang="en-US" dirty="0" smtClean="0"/>
+              <a:rPr lang="en-US" dirty="0"/>
               <a:t>, </a:t>
             </a:r>
             <a:r>
-              <a:rPr lang="en-US" b="1" dirty="0" smtClean="0">
+              <a:rPr lang="en-US" b="1" dirty="0">
                 <a:latin typeface="Consolas" pitchFamily="49" charset="0"/>
                 <a:cs typeface="Consolas" pitchFamily="49" charset="0"/>
               </a:rPr>
               <a:t>first</a:t>
             </a:r>
             <a:r>
-              <a:rPr lang="en-US" dirty="0" smtClean="0"/>
+              <a:rPr lang="en-US" dirty="0"/>
               <a:t>, and </a:t>
             </a:r>
             <a:r>
-              <a:rPr lang="en-US" b="1" dirty="0" smtClean="0">
+              <a:rPr lang="en-US" b="1" dirty="0">
                 <a:latin typeface="Consolas" pitchFamily="49" charset="0"/>
                 <a:cs typeface="Consolas" pitchFamily="49" charset="0"/>
               </a:rPr>
               <a:t>rest</a:t>
             </a:r>
             <a:r>
-              <a:rPr lang="en-US" dirty="0" smtClean="0"/>
+              <a:rPr lang="en-US" dirty="0"/>
               <a:t> . </a:t>
             </a:r>
           </a:p>
@@ -13910,13 +13166,6 @@
   <p:clrMapOvr>
     <a:masterClrMapping/>
   </p:clrMapOvr>
-  <p:timing>
-    <p:tnLst>
-      <p:par>
-        <p:cTn id="1" dur="indefinite" restart="never" nodeType="tmRoot"/>
-      </p:par>
-    </p:tnLst>
-  </p:timing>
 </p:sld>
 </file>
 
@@ -13953,54 +13202,44 @@
           <a:lstStyle/>
           <a:p>
             <a:r>
-              <a:rPr lang="en-US" dirty="0" smtClean="0"/>
+              <a:rPr lang="en-US" dirty="0"/>
               <a:t>Next Steps</a:t>
             </a:r>
+          </a:p>
+        </p:txBody>
+      </p:sp>
+      <p:sp>
+        <p:nvSpPr>
+          <p:cNvPr id="3" name="Content Placeholder 2"/>
+          <p:cNvSpPr>
+            <a:spLocks noGrp="1"/>
+          </p:cNvSpPr>
+          <p:nvPr>
+            <p:ph idx="1"/>
+          </p:nvPr>
+        </p:nvSpPr>
+        <p:spPr/>
+        <p:txBody>
+          <a:bodyPr/>
+          <a:lstStyle/>
+          <a:p>
+            <a:r>
+              <a:rPr lang="en-US" dirty="0"/>
+              <a:t>If you have questions about this lesson, ask them on the Discussion Board</a:t>
+            </a:r>
+          </a:p>
+          <a:p>
+            <a:r>
+              <a:rPr lang="en-US"/>
+              <a:t>Do Guided Practices 4.1 and 4.2</a:t>
+            </a:r>
             <a:endParaRPr lang="en-US" dirty="0"/>
           </a:p>
-        </p:txBody>
-      </p:sp>
-      <p:sp>
-        <p:nvSpPr>
-          <p:cNvPr id="3" name="Content Placeholder 2"/>
-          <p:cNvSpPr>
-            <a:spLocks noGrp="1"/>
-          </p:cNvSpPr>
-          <p:nvPr>
-            <p:ph idx="1"/>
-          </p:nvPr>
-        </p:nvSpPr>
-        <p:spPr/>
-        <p:txBody>
-          <a:bodyPr/>
-          <a:lstStyle/>
-          <a:p>
-            <a:r>
-              <a:rPr lang="en-US" dirty="0" smtClean="0"/>
-              <a:t>If you have questions about this lesson, ask them on the Discussion Board</a:t>
-            </a:r>
-          </a:p>
-          <a:p>
-            <a:r>
-              <a:rPr lang="en-US" smtClean="0"/>
-              <a:t>Do </a:t>
-            </a:r>
-            <a:r>
-              <a:rPr lang="en-US" smtClean="0"/>
-              <a:t>Guided </a:t>
-            </a:r>
-            <a:r>
-              <a:rPr lang="en-US" smtClean="0"/>
-              <a:t>Practices 4.1 and 4.2</a:t>
-            </a:r>
-            <a:endParaRPr lang="en-US" dirty="0" smtClean="0"/>
-          </a:p>
-          <a:p>
-            <a:r>
-              <a:rPr lang="en-US" dirty="0" smtClean="0"/>
+          <a:p>
+            <a:r>
+              <a:rPr lang="en-US" dirty="0"/>
               <a:t>Go on to the next lesson</a:t>
             </a:r>
-            <a:endParaRPr lang="en-US" dirty="0"/>
           </a:p>
         </p:txBody>
       </p:sp>
@@ -14038,13 +13277,6 @@
   <p:clrMapOvr>
     <a:masterClrMapping/>
   </p:clrMapOvr>
-  <p:timing>
-    <p:tnLst>
-      <p:par>
-        <p:cTn id="1" dur="indefinite" restart="never" nodeType="tmRoot"/>
-      </p:par>
-    </p:tnLst>
-  </p:timing>
 </p:sld>
 </file>
 
@@ -14100,10 +13332,9 @@
           <a:p>
             <a:pPr algn="ctr"/>
             <a:r>
-              <a:rPr lang="en-US" dirty="0" smtClean="0"/>
+              <a:rPr lang="en-US" dirty="0"/>
               <a:t>Generalization</a:t>
             </a:r>
-            <a:endParaRPr lang="en-US" dirty="0"/>
           </a:p>
         </p:txBody>
       </p:sp>
@@ -14148,10 +13379,9 @@
           <a:p>
             <a:pPr algn="ctr"/>
             <a:r>
-              <a:rPr lang="en-US" dirty="0" smtClean="0"/>
+              <a:rPr lang="en-US" dirty="0"/>
               <a:t>Over Constants</a:t>
             </a:r>
-            <a:endParaRPr lang="en-US" dirty="0"/>
           </a:p>
         </p:txBody>
       </p:sp>
@@ -14196,7 +13426,7 @@
           <a:p>
             <a:pPr algn="ctr"/>
             <a:r>
-              <a:rPr lang="en-US" dirty="0" smtClean="0"/>
+              <a:rPr lang="en-US" dirty="0"/>
               <a:t>Over Expressions</a:t>
             </a:r>
           </a:p>
@@ -14243,10 +13473,9 @@
           <a:p>
             <a:pPr algn="ctr"/>
             <a:r>
-              <a:rPr lang="en-US" dirty="0" smtClean="0"/>
+              <a:rPr lang="en-US" dirty="0"/>
               <a:t>Over Contexts</a:t>
             </a:r>
-            <a:endParaRPr lang="en-US" dirty="0"/>
           </a:p>
         </p:txBody>
       </p:sp>
@@ -14291,10 +13520,9 @@
           <a:p>
             <a:pPr algn="ctr"/>
             <a:r>
-              <a:rPr lang="en-US" dirty="0" smtClean="0"/>
+              <a:rPr lang="en-US" dirty="0"/>
               <a:t>Over Data Representations</a:t>
             </a:r>
-            <a:endParaRPr lang="en-US" dirty="0"/>
           </a:p>
         </p:txBody>
       </p:sp>
@@ -14339,10 +13567,9 @@
           <a:p>
             <a:pPr algn="ctr"/>
             <a:r>
-              <a:rPr lang="en-US" dirty="0" smtClean="0"/>
+              <a:rPr lang="en-US" dirty="0"/>
               <a:t>Over Method Implementations</a:t>
             </a:r>
-            <a:endParaRPr lang="en-US" dirty="0"/>
           </a:p>
         </p:txBody>
       </p:sp>
@@ -14401,10 +13628,9 @@
             <a:p>
               <a:pPr algn="ctr"/>
               <a:r>
-                <a:rPr lang="en-US" dirty="0" smtClean="0"/>
+                <a:rPr lang="en-US" dirty="0"/>
                 <a:t>Mixed Data</a:t>
               </a:r>
-              <a:endParaRPr lang="en-US" dirty="0"/>
             </a:p>
           </p:txBody>
         </p:sp>
@@ -14443,10 +13669,9 @@
             <a:p>
               <a:pPr algn="ctr"/>
               <a:r>
-                <a:rPr lang="en-US" dirty="0" smtClean="0"/>
+                <a:rPr lang="en-US" dirty="0"/>
                 <a:t>Data Representations</a:t>
               </a:r>
-              <a:endParaRPr lang="en-US" dirty="0"/>
             </a:p>
           </p:txBody>
         </p:sp>
@@ -14491,10 +13716,9 @@
             <a:p>
               <a:pPr algn="ctr"/>
               <a:r>
-                <a:rPr lang="en-US" dirty="0" smtClean="0"/>
+                <a:rPr lang="en-US" dirty="0"/>
                 <a:t>Basics</a:t>
               </a:r>
-              <a:endParaRPr lang="en-US" dirty="0"/>
             </a:p>
           </p:txBody>
         </p:sp>
@@ -14535,10 +13759,9 @@
             <a:p>
               <a:pPr algn="ctr"/>
               <a:r>
-                <a:rPr lang="en-US" dirty="0" smtClean="0"/>
+                <a:rPr lang="en-US" dirty="0"/>
                 <a:t>Recursive Data</a:t>
               </a:r>
-              <a:endParaRPr lang="en-US" dirty="0"/>
             </a:p>
           </p:txBody>
         </p:sp>
@@ -14583,10 +13806,9 @@
             <a:p>
               <a:pPr algn="ctr"/>
               <a:r>
-                <a:rPr lang="en-US" dirty="0" smtClean="0"/>
+                <a:rPr lang="en-US" dirty="0"/>
                 <a:t>Functional Data</a:t>
               </a:r>
-              <a:endParaRPr lang="en-US" dirty="0"/>
             </a:p>
           </p:txBody>
         </p:sp>
@@ -14631,10 +13853,9 @@
             <a:p>
               <a:pPr algn="ctr"/>
               <a:r>
-                <a:rPr lang="en-US" dirty="0" smtClean="0"/>
+                <a:rPr lang="en-US" dirty="0"/>
                 <a:t>Objects &amp; Classes</a:t>
               </a:r>
-              <a:endParaRPr lang="en-US" dirty="0"/>
             </a:p>
           </p:txBody>
         </p:sp>
@@ -14679,14 +13900,13 @@
             <a:p>
               <a:pPr algn="ctr"/>
               <a:r>
-                <a:rPr lang="en-US" dirty="0" err="1" smtClean="0"/>
+                <a:rPr lang="en-US" dirty="0" err="1"/>
                 <a:t>Stateful</a:t>
               </a:r>
               <a:r>
-                <a:rPr lang="en-US" dirty="0" smtClean="0"/>
+                <a:rPr lang="en-US" dirty="0"/>
                 <a:t> Objects</a:t>
               </a:r>
-              <a:endParaRPr lang="en-US" dirty="0"/>
             </a:p>
           </p:txBody>
         </p:sp>
@@ -14812,10 +14032,9 @@
             <a:p>
               <a:pPr algn="ctr"/>
               <a:r>
-                <a:rPr lang="en-US" dirty="0" smtClean="0"/>
+                <a:rPr lang="en-US" dirty="0"/>
                 <a:t>Design Strategies</a:t>
               </a:r>
-              <a:endParaRPr lang="en-US" dirty="0"/>
             </a:p>
           </p:txBody>
         </p:sp>
@@ -14860,10 +14079,9 @@
             <a:p>
               <a:pPr algn="ctr"/>
               <a:r>
-                <a:rPr lang="en-US" dirty="0" smtClean="0"/>
+                <a:rPr lang="en-US" dirty="0"/>
                 <a:t>Combine simpler functions</a:t>
               </a:r>
-              <a:endParaRPr lang="en-US" dirty="0"/>
             </a:p>
           </p:txBody>
         </p:sp>
@@ -14904,10 +14122,9 @@
             <a:p>
               <a:pPr algn="ctr"/>
               <a:r>
-                <a:rPr lang="en-US" dirty="0" smtClean="0"/>
+                <a:rPr lang="en-US" dirty="0"/>
                 <a:t>Use a template</a:t>
               </a:r>
-              <a:endParaRPr lang="en-US" dirty="0"/>
             </a:p>
           </p:txBody>
         </p:sp>
@@ -14952,10 +14169,9 @@
             <a:p>
               <a:pPr algn="ctr"/>
               <a:r>
-                <a:rPr lang="en-US" dirty="0" smtClean="0"/>
+                <a:rPr lang="en-US" dirty="0"/>
                 <a:t>Divide into Cases</a:t>
               </a:r>
-              <a:endParaRPr lang="en-US" dirty="0"/>
             </a:p>
           </p:txBody>
         </p:sp>
@@ -15000,10 +14216,9 @@
             <a:p>
               <a:pPr algn="ctr"/>
               <a:r>
-                <a:rPr lang="en-US" dirty="0" smtClean="0"/>
+                <a:rPr lang="en-US" dirty="0"/>
                 <a:t>Call a more general function</a:t>
               </a:r>
-              <a:endParaRPr lang="en-US" dirty="0"/>
             </a:p>
           </p:txBody>
         </p:sp>
@@ -15048,10 +14263,9 @@
             <a:p>
               <a:pPr algn="ctr"/>
               <a:r>
-                <a:rPr lang="en-US" dirty="0" smtClean="0"/>
+                <a:rPr lang="en-US" dirty="0"/>
                 <a:t>Communicate via State</a:t>
               </a:r>
-              <a:endParaRPr lang="en-US" dirty="0"/>
             </a:p>
           </p:txBody>
         </p:sp>
@@ -15426,7 +14640,7 @@
           <a:p>
             <a:pPr algn="ctr"/>
             <a:r>
-              <a:rPr lang="en-US" sz="4400" dirty="0" smtClean="0"/>
+              <a:rPr lang="en-US" sz="4400" dirty="0"/>
               <a:t>Module 04</a:t>
             </a:r>
             <a:endParaRPr lang="en-US" sz="4400" dirty="0">
@@ -15593,13 +14807,6 @@
   <p:clrMapOvr>
     <a:masterClrMapping/>
   </p:clrMapOvr>
-  <p:timing>
-    <p:tnLst>
-      <p:par>
-        <p:cTn id="1" dur="indefinite" restart="never" nodeType="tmRoot"/>
-      </p:par>
-    </p:tnLst>
-  </p:timing>
 </p:sld>
 </file>
 
@@ -15636,10 +14843,9 @@
           <a:lstStyle/>
           <a:p>
             <a:r>
-              <a:rPr lang="en-US" dirty="0" smtClean="0"/>
+              <a:rPr lang="en-US" dirty="0"/>
               <a:t>Outline for the rest of this week</a:t>
             </a:r>
-            <a:endParaRPr lang="en-US" dirty="0"/>
           </a:p>
         </p:txBody>
       </p:sp>
@@ -15659,19 +14865,19 @@
           <a:lstStyle/>
           <a:p>
             <a:r>
-              <a:rPr lang="en-US" dirty="0" smtClean="0"/>
+              <a:rPr lang="en-US" dirty="0"/>
               <a:t>The arithmetic of lists</a:t>
             </a:r>
           </a:p>
           <a:p>
             <a:r>
-              <a:rPr lang="en-US" dirty="0" smtClean="0"/>
+              <a:rPr lang="en-US" dirty="0"/>
               <a:t>Using the list template</a:t>
             </a:r>
           </a:p>
           <a:p>
             <a:r>
-              <a:rPr lang="en-US" dirty="0" smtClean="0"/>
+              <a:rPr lang="en-US" dirty="0"/>
               <a:t>Lists of Structures</a:t>
             </a:r>
           </a:p>
@@ -15711,13 +14917,6 @@
   <p:clrMapOvr>
     <a:masterClrMapping/>
   </p:clrMapOvr>
-  <p:timing>
-    <p:tnLst>
-      <p:par>
-        <p:cTn id="1" dur="indefinite" restart="never" nodeType="tmRoot"/>
-      </p:par>
-    </p:tnLst>
-  </p:timing>
 </p:sld>
 </file>
 
@@ -15754,10 +14953,9 @@
           <a:lstStyle/>
           <a:p>
             <a:r>
-              <a:rPr lang="en-US" dirty="0" smtClean="0"/>
+              <a:rPr lang="en-US" dirty="0"/>
               <a:t>Learning Objectives for this Lesson</a:t>
             </a:r>
-            <a:endParaRPr lang="en-US" dirty="0"/>
           </a:p>
         </p:txBody>
       </p:sp>
@@ -15783,15 +14981,7 @@
             </a:pPr>
             <a:r>
               <a:rPr lang="en-US" dirty="0"/>
-              <a:t>At the end of this lesson, </a:t>
-            </a:r>
-            <a:r>
-              <a:rPr lang="en-US" dirty="0" smtClean="0"/>
-              <a:t>you </a:t>
-            </a:r>
-            <a:r>
-              <a:rPr lang="en-US" dirty="0"/>
-              <a:t>should be able to: </a:t>
+              <a:t>At the end of this lesson, you should be able to: </a:t>
             </a:r>
           </a:p>
           <a:p>
@@ -15915,13 +15105,6 @@
   <p:clrMapOvr>
     <a:masterClrMapping/>
   </p:clrMapOvr>
-  <p:timing>
-    <p:tnLst>
-      <p:par>
-        <p:cTn id="1" dur="indefinite" restart="never" nodeType="tmRoot"/>
-      </p:par>
-    </p:tnLst>
-  </p:timing>
 </p:sld>
 </file>
 
@@ -15960,10 +15143,9 @@
           <a:lstStyle/>
           <a:p>
             <a:r>
-              <a:rPr lang="en-US" dirty="0" smtClean="0"/>
-              <a:t>Lists: A Handy Construct for Sequences</a:t>
-            </a:r>
-            <a:endParaRPr lang="en-US" dirty="0"/>
+              <a:rPr lang="en-US" dirty="0"/>
+              <a:t>Lists: A Handy Representation for Sequences</a:t>
+            </a:r>
           </a:p>
         </p:txBody>
       </p:sp>
@@ -15985,25 +15167,17 @@
           <a:lstStyle/>
           <a:p>
             <a:r>
-              <a:rPr lang="en-US" dirty="0" smtClean="0"/>
+              <a:rPr lang="en-US" dirty="0"/>
               <a:t>Sequences of data items arise so often that Racket has a standard way of representing them.</a:t>
             </a:r>
           </a:p>
           <a:p>
             <a:r>
-              <a:rPr lang="en-US" dirty="0" smtClean="0"/>
-              <a:t>Sequence information in Racket is </a:t>
-            </a:r>
-            <a:r>
-              <a:rPr lang="en-US" dirty="0" err="1" smtClean="0"/>
-              <a:t>represtented</a:t>
-            </a:r>
-            <a:r>
-              <a:rPr lang="en-US" dirty="0" smtClean="0"/>
-              <a:t> by </a:t>
-            </a:r>
-            <a:r>
-              <a:rPr lang="en-US" i="1" dirty="0" smtClean="0">
+              <a:rPr lang="en-US" dirty="0"/>
+              <a:t>Sequence information in Racket is represented by </a:t>
+            </a:r>
+            <a:r>
+              <a:rPr lang="en-US" i="1" dirty="0">
                 <a:solidFill>
                   <a:srgbClr val="FF0000"/>
                 </a:solidFill>
@@ -16011,53 +15185,53 @@
               <a:t>lists</a:t>
             </a:r>
             <a:r>
-              <a:rPr lang="en-US" dirty="0" smtClean="0"/>
+              <a:rPr lang="en-US" dirty="0"/>
               <a:t>.</a:t>
             </a:r>
           </a:p>
           <a:p>
             <a:r>
-              <a:rPr lang="en-US" dirty="0" smtClean="0"/>
+              <a:rPr lang="en-US" dirty="0"/>
               <a:t>We’ll see lots of examples:</a:t>
             </a:r>
           </a:p>
           <a:p>
             <a:pPr lvl="1"/>
             <a:r>
-              <a:rPr lang="en-US" dirty="0" err="1" smtClean="0"/>
+              <a:rPr lang="en-US" dirty="0" err="1"/>
               <a:t>ListOfNumbers</a:t>
             </a:r>
-            <a:endParaRPr lang="en-US" dirty="0" smtClean="0"/>
+            <a:endParaRPr lang="en-US" dirty="0"/>
           </a:p>
           <a:p>
             <a:pPr lvl="1"/>
             <a:r>
-              <a:rPr lang="en-US" dirty="0" err="1" smtClean="0"/>
+              <a:rPr lang="en-US" dirty="0" err="1"/>
               <a:t>ListOfDigits</a:t>
             </a:r>
-            <a:endParaRPr lang="en-US" dirty="0" smtClean="0"/>
+            <a:endParaRPr lang="en-US" dirty="0"/>
           </a:p>
           <a:p>
             <a:pPr lvl="1"/>
             <a:r>
-              <a:rPr lang="en-US" dirty="0" err="1" smtClean="0"/>
+              <a:rPr lang="en-US" dirty="0" err="1"/>
               <a:t>ListOfStrings</a:t>
             </a:r>
-            <a:endParaRPr lang="en-US" dirty="0" smtClean="0"/>
+            <a:endParaRPr lang="en-US" dirty="0"/>
           </a:p>
           <a:p>
             <a:pPr lvl="1"/>
             <a:r>
-              <a:rPr lang="en-US" dirty="0" err="1" smtClean="0"/>
+              <a:rPr lang="en-US" dirty="0" err="1"/>
               <a:t>ListOfBooks</a:t>
             </a:r>
-            <a:endParaRPr lang="en-US" dirty="0" smtClean="0"/>
+            <a:endParaRPr lang="en-US" dirty="0"/>
           </a:p>
           <a:p>
             <a:pPr lvl="1">
               <a:buNone/>
             </a:pPr>
-            <a:endParaRPr lang="en-US" dirty="0" smtClean="0"/>
+            <a:endParaRPr lang="en-US" dirty="0"/>
           </a:p>
         </p:txBody>
       </p:sp>
@@ -16095,13 +15269,6 @@
   <p:clrMapOvr>
     <a:masterClrMapping/>
   </p:clrMapOvr>
-  <p:timing>
-    <p:tnLst>
-      <p:par>
-        <p:cTn id="1" dur="indefinite" restart="never" nodeType="tmRoot"/>
-      </p:par>
-    </p:tnLst>
-  </p:timing>
 </p:sld>
 </file>
 
@@ -16138,10 +15305,9 @@
           <a:lstStyle/>
           <a:p>
             <a:r>
-              <a:rPr lang="en-US" dirty="0" smtClean="0"/>
+              <a:rPr lang="en-US" dirty="0"/>
               <a:t>Lists of Numbers</a:t>
             </a:r>
-            <a:endParaRPr lang="en-US" dirty="0"/>
           </a:p>
         </p:txBody>
       </p:sp>
@@ -16166,7 +15332,7 @@
               <a:buNone/>
             </a:pPr>
             <a:r>
-              <a:rPr lang="en-US" b="1" dirty="0" smtClean="0">
+              <a:rPr lang="en-US" b="1" dirty="0">
                 <a:latin typeface="Consolas" pitchFamily="49" charset="0"/>
                 <a:cs typeface="Consolas" pitchFamily="49" charset="0"/>
               </a:rPr>
@@ -16178,7 +15344,7 @@
               <a:buNone/>
             </a:pPr>
             <a:r>
-              <a:rPr lang="en-US" b="1" dirty="0" smtClean="0">
+              <a:rPr lang="en-US" b="1" dirty="0">
                 <a:latin typeface="Consolas" pitchFamily="49" charset="0"/>
                 <a:cs typeface="Consolas" pitchFamily="49" charset="0"/>
               </a:rPr>
@@ -16190,16 +15356,12 @@
               <a:buNone/>
             </a:pPr>
             <a:r>
-              <a:rPr lang="en-US" b="1" dirty="0" smtClean="0">
+              <a:rPr lang="en-US" b="1" dirty="0">
                 <a:latin typeface="Consolas" pitchFamily="49" charset="0"/>
                 <a:cs typeface="Consolas" pitchFamily="49" charset="0"/>
               </a:rPr>
               <a:t>-- (cons Number LON)</a:t>
             </a:r>
-            <a:endParaRPr lang="en-US" b="1" dirty="0">
-              <a:latin typeface="Consolas" pitchFamily="49" charset="0"/>
-              <a:cs typeface="Consolas" pitchFamily="49" charset="0"/>
-            </a:endParaRPr>
           </a:p>
         </p:txBody>
       </p:sp>
@@ -16399,18 +15561,13 @@
           <a:p>
             <a:pPr algn="ctr"/>
             <a:r>
-              <a:rPr lang="en-US" dirty="0" smtClean="0">
+              <a:rPr lang="en-US" dirty="0">
                 <a:solidFill>
                   <a:schemeClr val="tx1"/>
                 </a:solidFill>
               </a:rPr>
               <a:t>There’s no interpretation here because these lists don’t mean anything (yet).  They do not refer to any real-world information.</a:t>
             </a:r>
-            <a:endParaRPr lang="en-US" dirty="0">
-              <a:solidFill>
-                <a:schemeClr val="tx1"/>
-              </a:solidFill>
-            </a:endParaRPr>
           </a:p>
         </p:txBody>
       </p:sp>
@@ -16460,7 +15617,7 @@
           <a:lstStyle/>
           <a:p>
             <a:r>
-              <a:rPr lang="en-US" b="1" dirty="0" smtClean="0">
+              <a:rPr lang="en-US" b="1" dirty="0">
                 <a:solidFill>
                   <a:schemeClr val="tx1"/>
                 </a:solidFill>
@@ -16468,18 +15625,13 @@
               <a:t>cons</a:t>
             </a:r>
             <a:r>
-              <a:rPr lang="en-US" dirty="0" smtClean="0">
+              <a:rPr lang="en-US" dirty="0">
                 <a:solidFill>
                   <a:schemeClr val="tx1"/>
                 </a:solidFill>
               </a:rPr>
               <a:t> is built into Racket.  We don’t need a define-structure for it.</a:t>
             </a:r>
-            <a:endParaRPr lang="en-US" dirty="0">
-              <a:solidFill>
-                <a:schemeClr val="tx1"/>
-              </a:solidFill>
-            </a:endParaRPr>
           </a:p>
         </p:txBody>
       </p:sp>
@@ -16493,13 +15645,6 @@
   <p:clrMapOvr>
     <a:masterClrMapping/>
   </p:clrMapOvr>
-  <p:timing>
-    <p:tnLst>
-      <p:par>
-        <p:cTn id="1" dur="indefinite" restart="never" nodeType="tmRoot"/>
-      </p:par>
-    </p:tnLst>
-  </p:timing>
 </p:sld>
 </file>
 
@@ -16536,10 +15681,9 @@
           <a:lstStyle/>
           <a:p>
             <a:r>
-              <a:rPr lang="en-US" dirty="0" smtClean="0"/>
+              <a:rPr lang="en-US" dirty="0"/>
               <a:t>Examples of LONs</a:t>
             </a:r>
-            <a:endParaRPr lang="en-US" dirty="0"/>
           </a:p>
         </p:txBody>
       </p:sp>
@@ -16573,19 +15717,8 @@
                 <a:latin typeface="Consolas" pitchFamily="49" charset="0"/>
                 <a:cs typeface="Consolas" pitchFamily="49" charset="0"/>
               </a:rPr>
-              <a:t> </a:t>
-            </a:r>
-            <a:r>
-              <a:rPr lang="en-US" sz="2800" b="1" dirty="0" smtClean="0">
-                <a:latin typeface="Consolas" pitchFamily="49" charset="0"/>
-                <a:cs typeface="Consolas" pitchFamily="49" charset="0"/>
-              </a:rPr>
-              <a:t>                          empty</a:t>
-            </a:r>
-            <a:endParaRPr lang="en-US" sz="2800" b="1" dirty="0">
-              <a:latin typeface="Consolas" pitchFamily="49" charset="0"/>
-              <a:cs typeface="Consolas" pitchFamily="49" charset="0"/>
-            </a:endParaRPr>
+              <a:t>                           empty</a:t>
+            </a:r>
           </a:p>
           <a:p>
             <a:pPr marL="0" indent="0">
@@ -16697,7 +15830,7 @@
               <a:buNone/>
             </a:pPr>
             <a:r>
-              <a:rPr lang="en-US" b="1" i="1" dirty="0" smtClean="0">
+              <a:rPr lang="en-US" b="1" i="1" dirty="0">
                 <a:latin typeface="Consolas" pitchFamily="49" charset="0"/>
                 <a:cs typeface="Consolas" pitchFamily="49" charset="0"/>
               </a:rPr>
@@ -16709,7 +15842,7 @@
               <a:buNone/>
             </a:pPr>
             <a:r>
-              <a:rPr lang="en-US" b="1" i="1" dirty="0" smtClean="0">
+              <a:rPr lang="en-US" b="1" i="1" dirty="0">
                 <a:latin typeface="Consolas" pitchFamily="49" charset="0"/>
                 <a:cs typeface="Consolas" pitchFamily="49" charset="0"/>
               </a:rPr>
@@ -16721,16 +15854,12 @@
               <a:buNone/>
             </a:pPr>
             <a:r>
-              <a:rPr lang="en-US" b="1" i="1" dirty="0" smtClean="0">
+              <a:rPr lang="en-US" b="1" i="1" dirty="0">
                 <a:latin typeface="Consolas" pitchFamily="49" charset="0"/>
                 <a:cs typeface="Consolas" pitchFamily="49" charset="0"/>
               </a:rPr>
               <a:t>-- (cons Number LON)</a:t>
             </a:r>
-            <a:endParaRPr lang="en-US" b="1" i="1" dirty="0">
-              <a:latin typeface="Consolas" pitchFamily="49" charset="0"/>
-              <a:cs typeface="Consolas" pitchFamily="49" charset="0"/>
-            </a:endParaRPr>
           </a:p>
         </p:txBody>
       </p:sp>
@@ -16790,247 +15919,176 @@
               </a:rPr>
               <a:t>Here are some examples of LONs.  </a:t>
             </a:r>
-            <a:endParaRPr lang="en-US" dirty="0" smtClean="0">
-              <a:solidFill>
-                <a:schemeClr val="tx1"/>
-              </a:solidFill>
-            </a:endParaRPr>
           </a:p>
           <a:p>
             <a:pPr>
               <a:defRPr/>
             </a:pPr>
-            <a:endParaRPr lang="en-US" dirty="0" smtClean="0">
-              <a:solidFill>
-                <a:schemeClr val="tx1"/>
-              </a:solidFill>
-            </a:endParaRPr>
-          </a:p>
-          <a:p>
-            <a:pPr>
-              <a:defRPr/>
-            </a:pPr>
-            <a:r>
-              <a:rPr lang="en-US" b="1" dirty="0" smtClean="0">
-                <a:solidFill>
-                  <a:schemeClr val="tx1"/>
-                </a:solidFill>
-              </a:rPr>
-              <a:t>empty</a:t>
-            </a:r>
-            <a:r>
-              <a:rPr lang="en-US" dirty="0" smtClean="0">
-                <a:solidFill>
-                  <a:schemeClr val="tx1"/>
-                </a:solidFill>
-              </a:rPr>
-              <a:t> </a:t>
-            </a:r>
-            <a:r>
-              <a:rPr lang="en-US" dirty="0">
-                <a:solidFill>
-                  <a:schemeClr val="tx1"/>
-                </a:solidFill>
-              </a:rPr>
-              <a:t>is a </a:t>
-            </a:r>
-            <a:r>
-              <a:rPr lang="en-US" dirty="0" smtClean="0">
-                <a:solidFill>
-                  <a:schemeClr val="tx1"/>
-                </a:solidFill>
-              </a:rPr>
-              <a:t>LON</a:t>
-            </a:r>
-            <a:r>
-              <a:rPr lang="en-US" dirty="0">
-                <a:solidFill>
-                  <a:schemeClr val="tx1"/>
-                </a:solidFill>
-              </a:rPr>
-              <a:t> </a:t>
-            </a:r>
-            <a:r>
-              <a:rPr lang="en-US" dirty="0" smtClean="0">
-                <a:solidFill>
-                  <a:schemeClr val="tx1"/>
-                </a:solidFill>
-              </a:rPr>
-              <a:t>by the data definition.</a:t>
-            </a:r>
-          </a:p>
-          <a:p>
-            <a:pPr>
-              <a:defRPr/>
-            </a:pPr>
-            <a:endParaRPr lang="en-US" dirty="0" smtClean="0">
-              <a:solidFill>
-                <a:schemeClr val="tx1"/>
-              </a:solidFill>
-            </a:endParaRPr>
-          </a:p>
-          <a:p>
-            <a:pPr>
-              <a:defRPr/>
-            </a:pPr>
-            <a:r>
-              <a:rPr lang="en-US" b="1" dirty="0" smtClean="0">
-                <a:solidFill>
-                  <a:schemeClr val="tx1"/>
-                </a:solidFill>
-              </a:rPr>
-              <a:t>(</a:t>
-            </a:r>
-            <a:r>
-              <a:rPr lang="en-US" b="1" dirty="0">
-                <a:solidFill>
-                  <a:schemeClr val="tx1"/>
-                </a:solidFill>
-              </a:rPr>
-              <a:t>cons 11 empty)</a:t>
-            </a:r>
-            <a:r>
-              <a:rPr lang="en-US" dirty="0">
-                <a:solidFill>
-                  <a:schemeClr val="tx1"/>
-                </a:solidFill>
-              </a:rPr>
-              <a:t> is a LON because </a:t>
-            </a:r>
-            <a:r>
-              <a:rPr lang="en-US" b="1" dirty="0">
-                <a:solidFill>
-                  <a:schemeClr val="tx1"/>
-                </a:solidFill>
-              </a:rPr>
-              <a:t>11</a:t>
-            </a:r>
-            <a:r>
-              <a:rPr lang="en-US" dirty="0">
-                <a:solidFill>
-                  <a:schemeClr val="tx1"/>
-                </a:solidFill>
-              </a:rPr>
-              <a:t> is a number and </a:t>
-            </a:r>
-            <a:r>
-              <a:rPr lang="en-US" b="1" dirty="0">
-                <a:solidFill>
-                  <a:schemeClr val="tx1"/>
-                </a:solidFill>
-              </a:rPr>
-              <a:t>empty</a:t>
-            </a:r>
-            <a:r>
-              <a:rPr lang="en-US" dirty="0">
-                <a:solidFill>
-                  <a:schemeClr val="tx1"/>
-                </a:solidFill>
-              </a:rPr>
-              <a:t> is a LON.  </a:t>
-            </a:r>
-            <a:endParaRPr lang="en-US" dirty="0" smtClean="0">
-              <a:solidFill>
-                <a:schemeClr val="tx1"/>
-              </a:solidFill>
-            </a:endParaRPr>
-          </a:p>
-          <a:p>
-            <a:pPr>
-              <a:defRPr/>
-            </a:pPr>
-            <a:endParaRPr lang="en-US" dirty="0" smtClean="0">
-              <a:solidFill>
-                <a:schemeClr val="tx1"/>
-              </a:solidFill>
-            </a:endParaRPr>
-          </a:p>
-          <a:p>
-            <a:pPr>
-              <a:defRPr/>
-            </a:pPr>
-            <a:r>
-              <a:rPr lang="en-US" b="1" dirty="0" smtClean="0">
-                <a:solidFill>
-                  <a:schemeClr val="tx1"/>
-                </a:solidFill>
-              </a:rPr>
-              <a:t>(</a:t>
-            </a:r>
-            <a:r>
-              <a:rPr lang="en-US" b="1" dirty="0">
-                <a:solidFill>
-                  <a:schemeClr val="tx1"/>
-                </a:solidFill>
-              </a:rPr>
-              <a:t>cons 22 (cons 11 empty))</a:t>
-            </a:r>
-            <a:r>
-              <a:rPr lang="en-US" dirty="0">
-                <a:solidFill>
-                  <a:schemeClr val="tx1"/>
-                </a:solidFill>
-              </a:rPr>
-              <a:t> is a LON because </a:t>
-            </a:r>
-            <a:r>
-              <a:rPr lang="en-US" b="1" dirty="0">
-                <a:solidFill>
-                  <a:schemeClr val="tx1"/>
-                </a:solidFill>
-              </a:rPr>
-              <a:t>22</a:t>
-            </a:r>
-            <a:r>
-              <a:rPr lang="en-US" dirty="0">
-                <a:solidFill>
-                  <a:schemeClr val="tx1"/>
-                </a:solidFill>
-              </a:rPr>
-              <a:t> is a number and </a:t>
-            </a:r>
-            <a:r>
-              <a:rPr lang="en-US" b="1" dirty="0">
-                <a:solidFill>
-                  <a:schemeClr val="tx1"/>
-                </a:solidFill>
-              </a:rPr>
-              <a:t>(cons 11 empty)</a:t>
-            </a:r>
-            <a:r>
-              <a:rPr lang="en-US" dirty="0">
-                <a:solidFill>
-                  <a:schemeClr val="tx1"/>
-                </a:solidFill>
-              </a:rPr>
-              <a:t> is a </a:t>
-            </a:r>
-            <a:r>
-              <a:rPr lang="en-US" dirty="0" smtClean="0">
-                <a:solidFill>
-                  <a:schemeClr val="tx1"/>
-                </a:solidFill>
-              </a:rPr>
-              <a:t>LON.</a:t>
-            </a:r>
-          </a:p>
-          <a:p>
-            <a:pPr>
-              <a:defRPr/>
-            </a:pPr>
-            <a:r>
-              <a:rPr lang="en-US" dirty="0" smtClean="0">
-                <a:solidFill>
-                  <a:schemeClr val="tx1"/>
-                </a:solidFill>
-              </a:rPr>
-              <a:t>And so on.</a:t>
-            </a:r>
             <a:endParaRPr lang="en-US" dirty="0">
               <a:solidFill>
                 <a:schemeClr val="tx1"/>
               </a:solidFill>
             </a:endParaRPr>
+          </a:p>
+          <a:p>
+            <a:pPr>
+              <a:defRPr/>
+            </a:pPr>
+            <a:r>
+              <a:rPr lang="en-US" b="1" dirty="0">
+                <a:solidFill>
+                  <a:schemeClr val="tx1"/>
+                </a:solidFill>
+              </a:rPr>
+              <a:t>empty</a:t>
+            </a:r>
+            <a:r>
+              <a:rPr lang="en-US" dirty="0">
+                <a:solidFill>
+                  <a:schemeClr val="tx1"/>
+                </a:solidFill>
+              </a:rPr>
+              <a:t> is a LON by the data definition.</a:t>
+            </a:r>
+          </a:p>
+          <a:p>
+            <a:pPr>
+              <a:defRPr/>
+            </a:pPr>
+            <a:endParaRPr lang="en-US" dirty="0">
+              <a:solidFill>
+                <a:schemeClr val="tx1"/>
+              </a:solidFill>
+            </a:endParaRPr>
+          </a:p>
+          <a:p>
+            <a:pPr>
+              <a:defRPr/>
+            </a:pPr>
+            <a:r>
+              <a:rPr lang="en-US" b="1" dirty="0">
+                <a:solidFill>
+                  <a:schemeClr val="tx1"/>
+                </a:solidFill>
+              </a:rPr>
+              <a:t>(cons 11 empty)</a:t>
+            </a:r>
+            <a:r>
+              <a:rPr lang="en-US" dirty="0">
+                <a:solidFill>
+                  <a:schemeClr val="tx1"/>
+                </a:solidFill>
+              </a:rPr>
+              <a:t> is a LON because </a:t>
+            </a:r>
+            <a:r>
+              <a:rPr lang="en-US" b="1" dirty="0">
+                <a:solidFill>
+                  <a:schemeClr val="tx1"/>
+                </a:solidFill>
+              </a:rPr>
+              <a:t>11</a:t>
+            </a:r>
+            <a:r>
+              <a:rPr lang="en-US" dirty="0">
+                <a:solidFill>
+                  <a:schemeClr val="tx1"/>
+                </a:solidFill>
+              </a:rPr>
+              <a:t> is a number and </a:t>
+            </a:r>
+            <a:r>
+              <a:rPr lang="en-US" b="1" dirty="0">
+                <a:solidFill>
+                  <a:schemeClr val="tx1"/>
+                </a:solidFill>
+              </a:rPr>
+              <a:t>empty</a:t>
+            </a:r>
+            <a:r>
+              <a:rPr lang="en-US" dirty="0">
+                <a:solidFill>
+                  <a:schemeClr val="tx1"/>
+                </a:solidFill>
+              </a:rPr>
+              <a:t> is a LON.  </a:t>
+            </a:r>
+          </a:p>
+          <a:p>
+            <a:pPr>
+              <a:defRPr/>
+            </a:pPr>
+            <a:endParaRPr lang="en-US" dirty="0">
+              <a:solidFill>
+                <a:schemeClr val="tx1"/>
+              </a:solidFill>
+            </a:endParaRPr>
+          </a:p>
+          <a:p>
+            <a:pPr>
+              <a:defRPr/>
+            </a:pPr>
+            <a:r>
+              <a:rPr lang="en-US" b="1" dirty="0">
+                <a:solidFill>
+                  <a:schemeClr val="tx1"/>
+                </a:solidFill>
+              </a:rPr>
+              <a:t>(cons 22 (cons 11 empty))</a:t>
+            </a:r>
+            <a:r>
+              <a:rPr lang="en-US" dirty="0">
+                <a:solidFill>
+                  <a:schemeClr val="tx1"/>
+                </a:solidFill>
+              </a:rPr>
+              <a:t> is a LON because </a:t>
+            </a:r>
+            <a:r>
+              <a:rPr lang="en-US" b="1" dirty="0">
+                <a:solidFill>
+                  <a:schemeClr val="tx1"/>
+                </a:solidFill>
+              </a:rPr>
+              <a:t>22</a:t>
+            </a:r>
+            <a:r>
+              <a:rPr lang="en-US" dirty="0">
+                <a:solidFill>
+                  <a:schemeClr val="tx1"/>
+                </a:solidFill>
+              </a:rPr>
+              <a:t> is a number and </a:t>
+            </a:r>
+            <a:r>
+              <a:rPr lang="en-US" b="1" dirty="0">
+                <a:solidFill>
+                  <a:schemeClr val="tx1"/>
+                </a:solidFill>
+              </a:rPr>
+              <a:t>(cons 11 empty)</a:t>
+            </a:r>
+            <a:r>
+              <a:rPr lang="en-US" dirty="0">
+                <a:solidFill>
+                  <a:schemeClr val="tx1"/>
+                </a:solidFill>
+              </a:rPr>
+              <a:t> is a LON.</a:t>
+            </a:r>
+          </a:p>
+          <a:p>
+            <a:pPr>
+              <a:defRPr/>
+            </a:pPr>
+            <a:r>
+              <a:rPr lang="en-US" dirty="0">
+                <a:solidFill>
+                  <a:schemeClr val="tx1"/>
+                </a:solidFill>
+              </a:rPr>
+              <a:t>And so on.</a:t>
+            </a:r>
           </a:p>
         </p:txBody>
       </p:sp>
@@ -17044,13 +16102,6 @@
   <p:clrMapOvr>
     <a:masterClrMapping/>
   </p:clrMapOvr>
-  <p:timing>
-    <p:tnLst>
-      <p:par>
-        <p:cTn id="1" dur="indefinite" restart="never" nodeType="tmRoot"/>
-      </p:par>
-    </p:tnLst>
-  </p:timing>
 </p:sld>
 </file>
 
@@ -17087,10 +16138,9 @@
           <a:lstStyle/>
           <a:p>
             <a:r>
-              <a:rPr lang="en-US" dirty="0" smtClean="0"/>
+              <a:rPr lang="en-US" dirty="0"/>
               <a:t>Lists of Digits</a:t>
             </a:r>
-            <a:endParaRPr lang="en-US" dirty="0"/>
           </a:p>
         </p:txBody>
       </p:sp>
@@ -17115,7 +16165,7 @@
               <a:buNone/>
             </a:pPr>
             <a:r>
-              <a:rPr lang="en-US" b="1" dirty="0" smtClean="0">
+              <a:rPr lang="en-US" b="1" dirty="0">
                 <a:latin typeface="Consolas" pitchFamily="49" charset="0"/>
                 <a:cs typeface="Consolas" pitchFamily="49" charset="0"/>
               </a:rPr>
@@ -17127,7 +16177,7 @@
               <a:buNone/>
             </a:pPr>
             <a:r>
-              <a:rPr lang="en-US" b="1" dirty="0" smtClean="0">
+              <a:rPr lang="en-US" b="1" dirty="0">
                 <a:latin typeface="Consolas" pitchFamily="49" charset="0"/>
                 <a:cs typeface="Consolas" pitchFamily="49" charset="0"/>
               </a:rPr>
@@ -17138,50 +16188,46 @@
             <a:pPr>
               <a:buNone/>
             </a:pPr>
-            <a:endParaRPr lang="en-US" b="1" dirty="0" smtClean="0">
-              <a:latin typeface="Consolas" pitchFamily="49" charset="0"/>
-              <a:cs typeface="Consolas" pitchFamily="49" charset="0"/>
-            </a:endParaRPr>
-          </a:p>
-          <a:p>
-            <a:pPr>
-              <a:buNone/>
-            </a:pPr>
-            <a:r>
-              <a:rPr lang="en-US" b="1" dirty="0" smtClean="0">
-                <a:latin typeface="Consolas" pitchFamily="49" charset="0"/>
-                <a:cs typeface="Consolas" pitchFamily="49" charset="0"/>
-              </a:rPr>
-              <a:t>A List of Digits (LOD) is one of:</a:t>
-            </a:r>
-          </a:p>
-          <a:p>
-            <a:pPr>
-              <a:buNone/>
-            </a:pPr>
-            <a:r>
-              <a:rPr lang="en-US" b="1" dirty="0" smtClean="0">
-                <a:latin typeface="Consolas" pitchFamily="49" charset="0"/>
-                <a:cs typeface="Consolas" pitchFamily="49" charset="0"/>
-              </a:rPr>
-              <a:t>-- empty</a:t>
-            </a:r>
-          </a:p>
-          <a:p>
-            <a:pPr>
-              <a:buNone/>
-            </a:pPr>
-            <a:r>
-              <a:rPr lang="en-US" b="1" dirty="0" smtClean="0">
-                <a:latin typeface="Consolas" pitchFamily="49" charset="0"/>
-                <a:cs typeface="Consolas" pitchFamily="49" charset="0"/>
-              </a:rPr>
-              <a:t>-- (cons Digit LOD)</a:t>
-            </a:r>
             <a:endParaRPr lang="en-US" b="1" dirty="0">
               <a:latin typeface="Consolas" pitchFamily="49" charset="0"/>
               <a:cs typeface="Consolas" pitchFamily="49" charset="0"/>
             </a:endParaRPr>
+          </a:p>
+          <a:p>
+            <a:pPr>
+              <a:buNone/>
+            </a:pPr>
+            <a:r>
+              <a:rPr lang="en-US" b="1" dirty="0">
+                <a:latin typeface="Consolas" pitchFamily="49" charset="0"/>
+                <a:cs typeface="Consolas" pitchFamily="49" charset="0"/>
+              </a:rPr>
+              <a:t>A List of Digits (LOD) is one of:</a:t>
+            </a:r>
+          </a:p>
+          <a:p>
+            <a:pPr>
+              <a:buNone/>
+            </a:pPr>
+            <a:r>
+              <a:rPr lang="en-US" b="1" dirty="0">
+                <a:latin typeface="Consolas" pitchFamily="49" charset="0"/>
+                <a:cs typeface="Consolas" pitchFamily="49" charset="0"/>
+              </a:rPr>
+              <a:t>-- empty</a:t>
+            </a:r>
+          </a:p>
+          <a:p>
+            <a:pPr>
+              <a:buNone/>
+            </a:pPr>
+            <a:r>
+              <a:rPr lang="en-US" b="1" dirty="0">
+                <a:latin typeface="Consolas" pitchFamily="49" charset="0"/>
+                <a:cs typeface="Consolas" pitchFamily="49" charset="0"/>
+              </a:rPr>
+              <a:t>-- (cons Digit LOD)</a:t>
+            </a:r>
           </a:p>
         </p:txBody>
       </p:sp>
@@ -17289,15 +16335,7 @@
                   <a:schemeClr val="tx1"/>
                 </a:solidFill>
               </a:rPr>
-              <a:t>Let's do it again, this time with digits</a:t>
-            </a:r>
-            <a:r>
-              <a:rPr lang="en-US" dirty="0" smtClean="0">
-                <a:solidFill>
-                  <a:schemeClr val="tx1"/>
-                </a:solidFill>
-              </a:rPr>
-              <a:t>.</a:t>
+              <a:t>Let's do it again, this time with digits.</a:t>
             </a:r>
           </a:p>
           <a:p>
@@ -17315,20 +16353,12 @@
               <a:defRPr/>
             </a:pPr>
             <a:r>
-              <a:rPr lang="en-US" dirty="0" smtClean="0">
-                <a:solidFill>
-                  <a:schemeClr val="tx1"/>
-                </a:solidFill>
-              </a:rPr>
-              <a:t>We </a:t>
-            </a:r>
-            <a:r>
               <a:rPr lang="en-US" dirty="0">
                 <a:solidFill>
                   <a:schemeClr val="tx1"/>
                 </a:solidFill>
               </a:rPr>
-              <a:t>define a Digit to be one of the strings </a:t>
+              <a:t>We define a Digit to be one of the strings </a:t>
             </a:r>
             <a:r>
               <a:rPr lang="en-US" b="1" dirty="0">
@@ -17378,44 +16408,31 @@
               </a:rPr>
               <a:t>. </a:t>
             </a:r>
-            <a:endParaRPr lang="en-US" dirty="0" smtClean="0">
-              <a:solidFill>
-                <a:schemeClr val="tx1"/>
-              </a:solidFill>
-            </a:endParaRPr>
           </a:p>
           <a:p>
             <a:pPr>
               <a:defRPr/>
             </a:pPr>
-            <a:r>
-              <a:rPr lang="en-US" dirty="0" smtClean="0">
-                <a:solidFill>
-                  <a:schemeClr val="tx1"/>
-                </a:solidFill>
-              </a:rPr>
-              <a:t> </a:t>
-            </a:r>
-          </a:p>
-          <a:p>
-            <a:pPr>
-              <a:defRPr/>
-            </a:pPr>
-            <a:r>
-              <a:rPr lang="en-US" dirty="0" smtClean="0">
-                <a:solidFill>
-                  <a:schemeClr val="tx1"/>
-                </a:solidFill>
-              </a:rPr>
-              <a:t>A </a:t>
-            </a:r>
             <a:r>
               <a:rPr lang="en-US" dirty="0">
                 <a:solidFill>
                   <a:schemeClr val="tx1"/>
                 </a:solidFill>
               </a:rPr>
-              <a:t>List of Digits (LOD) is either empty or the cons of a Digit and a List of Digits.</a:t>
+              <a:t> </a:t>
+            </a:r>
+          </a:p>
+          <a:p>
+            <a:pPr>
+              <a:defRPr/>
+            </a:pPr>
+            <a:r>
+              <a:rPr lang="en-US" dirty="0">
+                <a:solidFill>
+                  <a:schemeClr val="tx1"/>
+                </a:solidFill>
+              </a:rPr>
+              <a:t>A List of Digits (LOD) is either empty or the cons of a Digit and a List of Digits.</a:t>
             </a:r>
           </a:p>
         </p:txBody>
@@ -17430,13 +16447,6 @@
   <p:clrMapOvr>
     <a:masterClrMapping/>
   </p:clrMapOvr>
-  <p:timing>
-    <p:tnLst>
-      <p:par>
-        <p:cTn id="1" dur="indefinite" restart="never" nodeType="tmRoot"/>
-      </p:par>
-    </p:tnLst>
-  </p:timing>
 </p:sld>
 </file>
 
